--- a/30/200729_JavaScript_basic_syntax.pptx
+++ b/30/200729_JavaScript_basic_syntax.pptx
@@ -5,10 +5,10 @@
     <p:sldMasterId id="2147483672" r:id="rId1"/>
   </p:sldMasterIdLst>
   <p:notesMasterIdLst>
-    <p:notesMasterId r:id="rId7"/>
+    <p:notesMasterId r:id="rId12"/>
   </p:notesMasterIdLst>
   <p:handoutMasterIdLst>
-    <p:handoutMasterId r:id="rId8"/>
+    <p:handoutMasterId r:id="rId13"/>
   </p:handoutMasterIdLst>
   <p:sldIdLst>
     <p:sldId id="357" r:id="rId2"/>
@@ -16,30 +16,35 @@
     <p:sldId id="536" r:id="rId4"/>
     <p:sldId id="537" r:id="rId5"/>
     <p:sldId id="538" r:id="rId6"/>
+    <p:sldId id="539" r:id="rId7"/>
+    <p:sldId id="540" r:id="rId8"/>
+    <p:sldId id="541" r:id="rId9"/>
+    <p:sldId id="542" r:id="rId10"/>
+    <p:sldId id="543" r:id="rId11"/>
   </p:sldIdLst>
   <p:sldSz cx="10160000" cy="5715000"/>
   <p:notesSz cx="9996488" cy="6865938"/>
   <p:embeddedFontLst>
     <p:embeddedFont>
-      <p:font typeface="맑은 고딕" panose="020B0503020000020004" pitchFamily="50" charset="-127"/>
-      <p:regular r:id="rId9"/>
-      <p:bold r:id="rId10"/>
+      <p:font typeface="Calibri Light" panose="020F0302020204030204" pitchFamily="34" charset="0"/>
+      <p:regular r:id="rId14"/>
+      <p:italic r:id="rId15"/>
     </p:embeddedFont>
     <p:embeddedFont>
-      <p:font typeface="Calibri Light" panose="020F0302020204030204" pitchFamily="34" charset="0"/>
-      <p:regular r:id="rId11"/>
-      <p:italic r:id="rId12"/>
+      <p:font typeface="Calibri" panose="020F0502020204030204" pitchFamily="34" charset="0"/>
+      <p:regular r:id="rId16"/>
+      <p:bold r:id="rId17"/>
+      <p:italic r:id="rId18"/>
+      <p:boldItalic r:id="rId19"/>
+    </p:embeddedFont>
+    <p:embeddedFont>
+      <p:font typeface="맑은 고딕" panose="020B0503020000020004" pitchFamily="50" charset="-127"/>
+      <p:regular r:id="rId20"/>
+      <p:bold r:id="rId21"/>
     </p:embeddedFont>
     <p:embeddedFont>
       <p:font typeface="맑은 고딕 Semilight" panose="020B0502040204020203" pitchFamily="50" charset="-127"/>
-      <p:regular r:id="rId13"/>
-    </p:embeddedFont>
-    <p:embeddedFont>
-      <p:font typeface="Calibri" panose="020F0502020204030204" pitchFamily="34" charset="0"/>
-      <p:regular r:id="rId14"/>
-      <p:bold r:id="rId15"/>
-      <p:italic r:id="rId16"/>
-      <p:boldItalic r:id="rId17"/>
+      <p:regular r:id="rId22"/>
     </p:embeddedFont>
   </p:embeddedFontLst>
   <p:defaultTextStyle>
@@ -227,7 +232,7 @@
           <a:p>
             <a:fld id="{9FE52F76-AF59-42F6-9CE2-B65810388E55}" type="datetimeFigureOut">
               <a:rPr lang="ko-KR" altLang="en-US" smtClean="0"/>
-              <a:t>2020-07-29</a:t>
+              <a:t>2020-07-30</a:t>
             </a:fld>
             <a:endParaRPr lang="ko-KR" altLang="en-US"/>
           </a:p>
@@ -392,7 +397,7 @@
           <a:p>
             <a:fld id="{75C19CB4-4756-4824-8E84-477C40131107}" type="datetimeFigureOut">
               <a:rPr lang="ko-KR" altLang="en-US" smtClean="0"/>
-              <a:t>2020-07-29</a:t>
+              <a:t>2020-07-30</a:t>
             </a:fld>
             <a:endParaRPr lang="ko-KR" altLang="en-US"/>
           </a:p>
@@ -1088,6 +1093,541 @@
 </p:notes>
 </file>
 
+<file path=ppt/notesSlides/notesSlide5.xml><?xml version="1.0" encoding="utf-8"?>
+<p:notes xmlns:a="http://schemas.openxmlformats.org/drawingml/2006/main" xmlns:r="http://schemas.openxmlformats.org/officeDocument/2006/relationships" xmlns:p="http://schemas.openxmlformats.org/presentationml/2006/main">
+  <p:cSld>
+    <p:spTree>
+      <p:nvGrpSpPr>
+        <p:cNvPr id="1" name=""/>
+        <p:cNvGrpSpPr/>
+        <p:nvPr/>
+      </p:nvGrpSpPr>
+      <p:grpSpPr>
+        <a:xfrm>
+          <a:off x="0" y="0"/>
+          <a:ext cx="0" cy="0"/>
+          <a:chOff x="0" y="0"/>
+          <a:chExt cx="0" cy="0"/>
+        </a:xfrm>
+      </p:grpSpPr>
+      <p:sp>
+        <p:nvSpPr>
+          <p:cNvPr id="2" name="슬라이드 이미지 개체 틀 1"/>
+          <p:cNvSpPr>
+            <a:spLocks noGrp="1" noRot="1" noChangeAspect="1"/>
+          </p:cNvSpPr>
+          <p:nvPr>
+            <p:ph type="sldImg"/>
+          </p:nvPr>
+        </p:nvSpPr>
+        <p:spPr/>
+      </p:sp>
+      <p:sp>
+        <p:nvSpPr>
+          <p:cNvPr id="3" name="슬라이드 노트 개체 틀 2"/>
+          <p:cNvSpPr>
+            <a:spLocks noGrp="1"/>
+          </p:cNvSpPr>
+          <p:nvPr>
+            <p:ph type="body" idx="1"/>
+          </p:nvPr>
+        </p:nvSpPr>
+        <p:spPr/>
+        <p:txBody>
+          <a:bodyPr/>
+          <a:lstStyle/>
+          <a:p>
+            <a:pPr marL="0" marR="0" indent="0" algn="l" defTabSz="914400" rtl="0" eaLnBrk="1" fontAlgn="auto" latinLnBrk="1" hangingPunct="1">
+              <a:lnSpc>
+                <a:spcPct val="100000"/>
+              </a:lnSpc>
+              <a:spcBef>
+                <a:spcPts val="0"/>
+              </a:spcBef>
+              <a:spcAft>
+                <a:spcPts val="0"/>
+              </a:spcAft>
+              <a:buClrTx/>
+              <a:buSzTx/>
+              <a:buFontTx/>
+              <a:buNone/>
+              <a:tabLst/>
+              <a:defRPr/>
+            </a:pPr>
+            <a:r>
+              <a:rPr lang="en-US" altLang="ko-KR" smtClean="0">
+                <a:hlinkClick r:id="rId3"/>
+              </a:rPr>
+              <a:t>http://tcpschool.com/javascript/js_intro_output</a:t>
+            </a:r>
+            <a:endParaRPr lang="ko-KR" altLang="en-US" dirty="0"/>
+          </a:p>
+        </p:txBody>
+      </p:sp>
+      <p:sp>
+        <p:nvSpPr>
+          <p:cNvPr id="4" name="슬라이드 번호 개체 틀 3"/>
+          <p:cNvSpPr>
+            <a:spLocks noGrp="1"/>
+          </p:cNvSpPr>
+          <p:nvPr>
+            <p:ph type="sldNum" sz="quarter" idx="10"/>
+          </p:nvPr>
+        </p:nvSpPr>
+        <p:spPr/>
+        <p:txBody>
+          <a:bodyPr/>
+          <a:lstStyle/>
+          <a:p>
+            <a:fld id="{A6D625BF-EF7C-4F5D-B58E-C92BFFBBF146}" type="slidenum">
+              <a:rPr lang="ko-KR" altLang="en-US" smtClean="0"/>
+              <a:t>6</a:t>
+            </a:fld>
+            <a:endParaRPr lang="ko-KR" altLang="en-US"/>
+          </a:p>
+        </p:txBody>
+      </p:sp>
+    </p:spTree>
+    <p:extLst>
+      <p:ext uri="{BB962C8B-B14F-4D97-AF65-F5344CB8AC3E}">
+        <p14:creationId xmlns:p14="http://schemas.microsoft.com/office/powerpoint/2010/main" val="2026253255"/>
+      </p:ext>
+    </p:extLst>
+  </p:cSld>
+  <p:clrMapOvr>
+    <a:masterClrMapping/>
+  </p:clrMapOvr>
+</p:notes>
+</file>
+
+<file path=ppt/notesSlides/notesSlide6.xml><?xml version="1.0" encoding="utf-8"?>
+<p:notes xmlns:a="http://schemas.openxmlformats.org/drawingml/2006/main" xmlns:r="http://schemas.openxmlformats.org/officeDocument/2006/relationships" xmlns:p="http://schemas.openxmlformats.org/presentationml/2006/main">
+  <p:cSld>
+    <p:spTree>
+      <p:nvGrpSpPr>
+        <p:cNvPr id="1" name=""/>
+        <p:cNvGrpSpPr/>
+        <p:nvPr/>
+      </p:nvGrpSpPr>
+      <p:grpSpPr>
+        <a:xfrm>
+          <a:off x="0" y="0"/>
+          <a:ext cx="0" cy="0"/>
+          <a:chOff x="0" y="0"/>
+          <a:chExt cx="0" cy="0"/>
+        </a:xfrm>
+      </p:grpSpPr>
+      <p:sp>
+        <p:nvSpPr>
+          <p:cNvPr id="2" name="슬라이드 이미지 개체 틀 1"/>
+          <p:cNvSpPr>
+            <a:spLocks noGrp="1" noRot="1" noChangeAspect="1"/>
+          </p:cNvSpPr>
+          <p:nvPr>
+            <p:ph type="sldImg"/>
+          </p:nvPr>
+        </p:nvSpPr>
+        <p:spPr/>
+      </p:sp>
+      <p:sp>
+        <p:nvSpPr>
+          <p:cNvPr id="3" name="슬라이드 노트 개체 틀 2"/>
+          <p:cNvSpPr>
+            <a:spLocks noGrp="1"/>
+          </p:cNvSpPr>
+          <p:nvPr>
+            <p:ph type="body" idx="1"/>
+          </p:nvPr>
+        </p:nvSpPr>
+        <p:spPr/>
+        <p:txBody>
+          <a:bodyPr/>
+          <a:lstStyle/>
+          <a:p>
+            <a:pPr marL="0" marR="0" indent="0" algn="l" defTabSz="914400" rtl="0" eaLnBrk="1" fontAlgn="auto" latinLnBrk="1" hangingPunct="1">
+              <a:lnSpc>
+                <a:spcPct val="100000"/>
+              </a:lnSpc>
+              <a:spcBef>
+                <a:spcPts val="0"/>
+              </a:spcBef>
+              <a:spcAft>
+                <a:spcPts val="0"/>
+              </a:spcAft>
+              <a:buClrTx/>
+              <a:buSzTx/>
+              <a:buFontTx/>
+              <a:buNone/>
+              <a:tabLst/>
+              <a:defRPr/>
+            </a:pPr>
+            <a:r>
+              <a:rPr lang="en-US" altLang="ko-KR" smtClean="0">
+                <a:hlinkClick r:id="rId3"/>
+              </a:rPr>
+              <a:t>http://tcpschool.com/javascript/js_intro_output</a:t>
+            </a:r>
+            <a:endParaRPr lang="ko-KR" altLang="en-US" dirty="0"/>
+          </a:p>
+        </p:txBody>
+      </p:sp>
+      <p:sp>
+        <p:nvSpPr>
+          <p:cNvPr id="4" name="슬라이드 번호 개체 틀 3"/>
+          <p:cNvSpPr>
+            <a:spLocks noGrp="1"/>
+          </p:cNvSpPr>
+          <p:nvPr>
+            <p:ph type="sldNum" sz="quarter" idx="10"/>
+          </p:nvPr>
+        </p:nvSpPr>
+        <p:spPr/>
+        <p:txBody>
+          <a:bodyPr/>
+          <a:lstStyle/>
+          <a:p>
+            <a:fld id="{A6D625BF-EF7C-4F5D-B58E-C92BFFBBF146}" type="slidenum">
+              <a:rPr lang="ko-KR" altLang="en-US" smtClean="0"/>
+              <a:t>7</a:t>
+            </a:fld>
+            <a:endParaRPr lang="ko-KR" altLang="en-US"/>
+          </a:p>
+        </p:txBody>
+      </p:sp>
+    </p:spTree>
+    <p:extLst>
+      <p:ext uri="{BB962C8B-B14F-4D97-AF65-F5344CB8AC3E}">
+        <p14:creationId xmlns:p14="http://schemas.microsoft.com/office/powerpoint/2010/main" val="1308250560"/>
+      </p:ext>
+    </p:extLst>
+  </p:cSld>
+  <p:clrMapOvr>
+    <a:masterClrMapping/>
+  </p:clrMapOvr>
+</p:notes>
+</file>
+
+<file path=ppt/notesSlides/notesSlide7.xml><?xml version="1.0" encoding="utf-8"?>
+<p:notes xmlns:a="http://schemas.openxmlformats.org/drawingml/2006/main" xmlns:r="http://schemas.openxmlformats.org/officeDocument/2006/relationships" xmlns:p="http://schemas.openxmlformats.org/presentationml/2006/main">
+  <p:cSld>
+    <p:spTree>
+      <p:nvGrpSpPr>
+        <p:cNvPr id="1" name=""/>
+        <p:cNvGrpSpPr/>
+        <p:nvPr/>
+      </p:nvGrpSpPr>
+      <p:grpSpPr>
+        <a:xfrm>
+          <a:off x="0" y="0"/>
+          <a:ext cx="0" cy="0"/>
+          <a:chOff x="0" y="0"/>
+          <a:chExt cx="0" cy="0"/>
+        </a:xfrm>
+      </p:grpSpPr>
+      <p:sp>
+        <p:nvSpPr>
+          <p:cNvPr id="2" name="슬라이드 이미지 개체 틀 1"/>
+          <p:cNvSpPr>
+            <a:spLocks noGrp="1" noRot="1" noChangeAspect="1"/>
+          </p:cNvSpPr>
+          <p:nvPr>
+            <p:ph type="sldImg"/>
+          </p:nvPr>
+        </p:nvSpPr>
+        <p:spPr/>
+      </p:sp>
+      <p:sp>
+        <p:nvSpPr>
+          <p:cNvPr id="3" name="슬라이드 노트 개체 틀 2"/>
+          <p:cNvSpPr>
+            <a:spLocks noGrp="1"/>
+          </p:cNvSpPr>
+          <p:nvPr>
+            <p:ph type="body" idx="1"/>
+          </p:nvPr>
+        </p:nvSpPr>
+        <p:spPr/>
+        <p:txBody>
+          <a:bodyPr/>
+          <a:lstStyle/>
+          <a:p>
+            <a:pPr marL="0" marR="0" indent="0" algn="l" defTabSz="914400" rtl="0" eaLnBrk="1" fontAlgn="auto" latinLnBrk="1" hangingPunct="1">
+              <a:lnSpc>
+                <a:spcPct val="100000"/>
+              </a:lnSpc>
+              <a:spcBef>
+                <a:spcPts val="0"/>
+              </a:spcBef>
+              <a:spcAft>
+                <a:spcPts val="0"/>
+              </a:spcAft>
+              <a:buClrTx/>
+              <a:buSzTx/>
+              <a:buFontTx/>
+              <a:buNone/>
+              <a:tabLst/>
+              <a:defRPr/>
+            </a:pPr>
+            <a:r>
+              <a:rPr lang="en-US" altLang="ko-KR" smtClean="0">
+                <a:hlinkClick r:id="rId3"/>
+              </a:rPr>
+              <a:t>http://tcpschool.com/javascript/js_intro_output</a:t>
+            </a:r>
+            <a:endParaRPr lang="ko-KR" altLang="en-US" dirty="0"/>
+          </a:p>
+        </p:txBody>
+      </p:sp>
+      <p:sp>
+        <p:nvSpPr>
+          <p:cNvPr id="4" name="슬라이드 번호 개체 틀 3"/>
+          <p:cNvSpPr>
+            <a:spLocks noGrp="1"/>
+          </p:cNvSpPr>
+          <p:nvPr>
+            <p:ph type="sldNum" sz="quarter" idx="10"/>
+          </p:nvPr>
+        </p:nvSpPr>
+        <p:spPr/>
+        <p:txBody>
+          <a:bodyPr/>
+          <a:lstStyle/>
+          <a:p>
+            <a:fld id="{A6D625BF-EF7C-4F5D-B58E-C92BFFBBF146}" type="slidenum">
+              <a:rPr lang="ko-KR" altLang="en-US" smtClean="0"/>
+              <a:t>8</a:t>
+            </a:fld>
+            <a:endParaRPr lang="ko-KR" altLang="en-US"/>
+          </a:p>
+        </p:txBody>
+      </p:sp>
+    </p:spTree>
+    <p:extLst>
+      <p:ext uri="{BB962C8B-B14F-4D97-AF65-F5344CB8AC3E}">
+        <p14:creationId xmlns:p14="http://schemas.microsoft.com/office/powerpoint/2010/main" val="2619311714"/>
+      </p:ext>
+    </p:extLst>
+  </p:cSld>
+  <p:clrMapOvr>
+    <a:masterClrMapping/>
+  </p:clrMapOvr>
+</p:notes>
+</file>
+
+<file path=ppt/notesSlides/notesSlide8.xml><?xml version="1.0" encoding="utf-8"?>
+<p:notes xmlns:a="http://schemas.openxmlformats.org/drawingml/2006/main" xmlns:r="http://schemas.openxmlformats.org/officeDocument/2006/relationships" xmlns:p="http://schemas.openxmlformats.org/presentationml/2006/main">
+  <p:cSld>
+    <p:spTree>
+      <p:nvGrpSpPr>
+        <p:cNvPr id="1" name=""/>
+        <p:cNvGrpSpPr/>
+        <p:nvPr/>
+      </p:nvGrpSpPr>
+      <p:grpSpPr>
+        <a:xfrm>
+          <a:off x="0" y="0"/>
+          <a:ext cx="0" cy="0"/>
+          <a:chOff x="0" y="0"/>
+          <a:chExt cx="0" cy="0"/>
+        </a:xfrm>
+      </p:grpSpPr>
+      <p:sp>
+        <p:nvSpPr>
+          <p:cNvPr id="2" name="슬라이드 이미지 개체 틀 1"/>
+          <p:cNvSpPr>
+            <a:spLocks noGrp="1" noRot="1" noChangeAspect="1"/>
+          </p:cNvSpPr>
+          <p:nvPr>
+            <p:ph type="sldImg"/>
+          </p:nvPr>
+        </p:nvSpPr>
+        <p:spPr/>
+      </p:sp>
+      <p:sp>
+        <p:nvSpPr>
+          <p:cNvPr id="3" name="슬라이드 노트 개체 틀 2"/>
+          <p:cNvSpPr>
+            <a:spLocks noGrp="1"/>
+          </p:cNvSpPr>
+          <p:nvPr>
+            <p:ph type="body" idx="1"/>
+          </p:nvPr>
+        </p:nvSpPr>
+        <p:spPr/>
+        <p:txBody>
+          <a:bodyPr/>
+          <a:lstStyle/>
+          <a:p>
+            <a:pPr marL="0" marR="0" indent="0" algn="l" defTabSz="914400" rtl="0" eaLnBrk="1" fontAlgn="auto" latinLnBrk="1" hangingPunct="1">
+              <a:lnSpc>
+                <a:spcPct val="100000"/>
+              </a:lnSpc>
+              <a:spcBef>
+                <a:spcPts val="0"/>
+              </a:spcBef>
+              <a:spcAft>
+                <a:spcPts val="0"/>
+              </a:spcAft>
+              <a:buClrTx/>
+              <a:buSzTx/>
+              <a:buFontTx/>
+              <a:buNone/>
+              <a:tabLst/>
+              <a:defRPr/>
+            </a:pPr>
+            <a:r>
+              <a:rPr lang="en-US" altLang="ko-KR" smtClean="0">
+                <a:hlinkClick r:id="rId3"/>
+              </a:rPr>
+              <a:t>http://tcpschool.com/javascript/js_intro_output</a:t>
+            </a:r>
+            <a:endParaRPr lang="ko-KR" altLang="en-US" dirty="0"/>
+          </a:p>
+        </p:txBody>
+      </p:sp>
+      <p:sp>
+        <p:nvSpPr>
+          <p:cNvPr id="4" name="슬라이드 번호 개체 틀 3"/>
+          <p:cNvSpPr>
+            <a:spLocks noGrp="1"/>
+          </p:cNvSpPr>
+          <p:nvPr>
+            <p:ph type="sldNum" sz="quarter" idx="10"/>
+          </p:nvPr>
+        </p:nvSpPr>
+        <p:spPr/>
+        <p:txBody>
+          <a:bodyPr/>
+          <a:lstStyle/>
+          <a:p>
+            <a:fld id="{A6D625BF-EF7C-4F5D-B58E-C92BFFBBF146}" type="slidenum">
+              <a:rPr lang="ko-KR" altLang="en-US" smtClean="0"/>
+              <a:t>9</a:t>
+            </a:fld>
+            <a:endParaRPr lang="ko-KR" altLang="en-US"/>
+          </a:p>
+        </p:txBody>
+      </p:sp>
+    </p:spTree>
+    <p:extLst>
+      <p:ext uri="{BB962C8B-B14F-4D97-AF65-F5344CB8AC3E}">
+        <p14:creationId xmlns:p14="http://schemas.microsoft.com/office/powerpoint/2010/main" val="2858386402"/>
+      </p:ext>
+    </p:extLst>
+  </p:cSld>
+  <p:clrMapOvr>
+    <a:masterClrMapping/>
+  </p:clrMapOvr>
+</p:notes>
+</file>
+
+<file path=ppt/notesSlides/notesSlide9.xml><?xml version="1.0" encoding="utf-8"?>
+<p:notes xmlns:a="http://schemas.openxmlformats.org/drawingml/2006/main" xmlns:r="http://schemas.openxmlformats.org/officeDocument/2006/relationships" xmlns:p="http://schemas.openxmlformats.org/presentationml/2006/main">
+  <p:cSld>
+    <p:spTree>
+      <p:nvGrpSpPr>
+        <p:cNvPr id="1" name=""/>
+        <p:cNvGrpSpPr/>
+        <p:nvPr/>
+      </p:nvGrpSpPr>
+      <p:grpSpPr>
+        <a:xfrm>
+          <a:off x="0" y="0"/>
+          <a:ext cx="0" cy="0"/>
+          <a:chOff x="0" y="0"/>
+          <a:chExt cx="0" cy="0"/>
+        </a:xfrm>
+      </p:grpSpPr>
+      <p:sp>
+        <p:nvSpPr>
+          <p:cNvPr id="2" name="슬라이드 이미지 개체 틀 1"/>
+          <p:cNvSpPr>
+            <a:spLocks noGrp="1" noRot="1" noChangeAspect="1"/>
+          </p:cNvSpPr>
+          <p:nvPr>
+            <p:ph type="sldImg"/>
+          </p:nvPr>
+        </p:nvSpPr>
+        <p:spPr/>
+      </p:sp>
+      <p:sp>
+        <p:nvSpPr>
+          <p:cNvPr id="3" name="슬라이드 노트 개체 틀 2"/>
+          <p:cNvSpPr>
+            <a:spLocks noGrp="1"/>
+          </p:cNvSpPr>
+          <p:nvPr>
+            <p:ph type="body" idx="1"/>
+          </p:nvPr>
+        </p:nvSpPr>
+        <p:spPr/>
+        <p:txBody>
+          <a:bodyPr/>
+          <a:lstStyle/>
+          <a:p>
+            <a:pPr marL="0" marR="0" indent="0" algn="l" defTabSz="914400" rtl="0" eaLnBrk="1" fontAlgn="auto" latinLnBrk="1" hangingPunct="1">
+              <a:lnSpc>
+                <a:spcPct val="100000"/>
+              </a:lnSpc>
+              <a:spcBef>
+                <a:spcPts val="0"/>
+              </a:spcBef>
+              <a:spcAft>
+                <a:spcPts val="0"/>
+              </a:spcAft>
+              <a:buClrTx/>
+              <a:buSzTx/>
+              <a:buFontTx/>
+              <a:buNone/>
+              <a:tabLst/>
+              <a:defRPr/>
+            </a:pPr>
+            <a:r>
+              <a:rPr lang="en-US" altLang="ko-KR" smtClean="0">
+                <a:hlinkClick r:id="rId3"/>
+              </a:rPr>
+              <a:t>http://tcpschool.com/javascript/js_intro_output</a:t>
+            </a:r>
+            <a:endParaRPr lang="ko-KR" altLang="en-US" dirty="0"/>
+          </a:p>
+        </p:txBody>
+      </p:sp>
+      <p:sp>
+        <p:nvSpPr>
+          <p:cNvPr id="4" name="슬라이드 번호 개체 틀 3"/>
+          <p:cNvSpPr>
+            <a:spLocks noGrp="1"/>
+          </p:cNvSpPr>
+          <p:nvPr>
+            <p:ph type="sldNum" sz="quarter" idx="10"/>
+          </p:nvPr>
+        </p:nvSpPr>
+        <p:spPr/>
+        <p:txBody>
+          <a:bodyPr/>
+          <a:lstStyle/>
+          <a:p>
+            <a:fld id="{A6D625BF-EF7C-4F5D-B58E-C92BFFBBF146}" type="slidenum">
+              <a:rPr lang="ko-KR" altLang="en-US" smtClean="0"/>
+              <a:t>10</a:t>
+            </a:fld>
+            <a:endParaRPr lang="ko-KR" altLang="en-US"/>
+          </a:p>
+        </p:txBody>
+      </p:sp>
+    </p:spTree>
+    <p:extLst>
+      <p:ext uri="{BB962C8B-B14F-4D97-AF65-F5344CB8AC3E}">
+        <p14:creationId xmlns:p14="http://schemas.microsoft.com/office/powerpoint/2010/main" val="393795022"/>
+      </p:ext>
+    </p:extLst>
+  </p:cSld>
+  <p:clrMapOvr>
+    <a:masterClrMapping/>
+  </p:clrMapOvr>
+</p:notes>
+</file>
+
 <file path=ppt/slideLayouts/slideLayout1.xml><?xml version="1.0" encoding="utf-8"?>
 <p:sldLayout xmlns:a="http://schemas.openxmlformats.org/drawingml/2006/main" xmlns:r="http://schemas.openxmlformats.org/officeDocument/2006/relationships" xmlns:p="http://schemas.openxmlformats.org/presentationml/2006/main" type="title" preserve="1">
   <p:cSld name="제목 슬라이드">
@@ -1219,7 +1759,7 @@
           <a:p>
             <a:fld id="{D9D21D2B-B161-4A2C-A0F2-324F8DD03E7E}" type="datetimeFigureOut">
               <a:rPr lang="ko-KR" altLang="en-US" smtClean="0"/>
-              <a:t>2020-07-29</a:t>
+              <a:t>2020-07-30</a:t>
             </a:fld>
             <a:endParaRPr lang="ko-KR" altLang="en-US"/>
           </a:p>
@@ -1426,7 +1966,7 @@
           <a:p>
             <a:fld id="{D9D21D2B-B161-4A2C-A0F2-324F8DD03E7E}" type="datetimeFigureOut">
               <a:rPr lang="ko-KR" altLang="en-US" smtClean="0"/>
-              <a:t>2020-07-29</a:t>
+              <a:t>2020-07-30</a:t>
             </a:fld>
             <a:endParaRPr lang="ko-KR" altLang="en-US"/>
           </a:p>
@@ -1606,7 +2146,7 @@
           <a:p>
             <a:fld id="{D9D21D2B-B161-4A2C-A0F2-324F8DD03E7E}" type="datetimeFigureOut">
               <a:rPr lang="ko-KR" altLang="en-US" smtClean="0"/>
-              <a:t>2020-07-29</a:t>
+              <a:t>2020-07-30</a:t>
             </a:fld>
             <a:endParaRPr lang="ko-KR" altLang="en-US"/>
           </a:p>
@@ -1776,7 +2316,7 @@
           <a:p>
             <a:fld id="{D9D21D2B-B161-4A2C-A0F2-324F8DD03E7E}" type="datetimeFigureOut">
               <a:rPr lang="ko-KR" altLang="en-US" smtClean="0"/>
-              <a:t>2020-07-29</a:t>
+              <a:t>2020-07-30</a:t>
             </a:fld>
             <a:endParaRPr lang="ko-KR" altLang="en-US"/>
           </a:p>
@@ -2029,7 +2569,7 @@
           <a:p>
             <a:fld id="{D9D21D2B-B161-4A2C-A0F2-324F8DD03E7E}" type="datetimeFigureOut">
               <a:rPr lang="ko-KR" altLang="en-US" smtClean="0"/>
-              <a:t>2020-07-29</a:t>
+              <a:t>2020-07-30</a:t>
             </a:fld>
             <a:endParaRPr lang="ko-KR" altLang="en-US"/>
           </a:p>
@@ -2268,7 +2808,7 @@
           <a:p>
             <a:fld id="{D9D21D2B-B161-4A2C-A0F2-324F8DD03E7E}" type="datetimeFigureOut">
               <a:rPr lang="ko-KR" altLang="en-US" smtClean="0"/>
-              <a:t>2020-07-29</a:t>
+              <a:t>2020-07-30</a:t>
             </a:fld>
             <a:endParaRPr lang="ko-KR" altLang="en-US"/>
           </a:p>
@@ -2642,7 +3182,7 @@
           <a:p>
             <a:fld id="{D9D21D2B-B161-4A2C-A0F2-324F8DD03E7E}" type="datetimeFigureOut">
               <a:rPr lang="ko-KR" altLang="en-US" smtClean="0"/>
-              <a:t>2020-07-29</a:t>
+              <a:t>2020-07-30</a:t>
             </a:fld>
             <a:endParaRPr lang="ko-KR" altLang="en-US"/>
           </a:p>
@@ -2760,7 +3300,7 @@
           <a:p>
             <a:fld id="{D9D21D2B-B161-4A2C-A0F2-324F8DD03E7E}" type="datetimeFigureOut">
               <a:rPr lang="ko-KR" altLang="en-US" smtClean="0"/>
-              <a:t>2020-07-29</a:t>
+              <a:t>2020-07-30</a:t>
             </a:fld>
             <a:endParaRPr lang="ko-KR" altLang="en-US"/>
           </a:p>
@@ -2855,7 +3395,7 @@
           <a:p>
             <a:fld id="{D9D21D2B-B161-4A2C-A0F2-324F8DD03E7E}" type="datetimeFigureOut">
               <a:rPr lang="ko-KR" altLang="en-US" smtClean="0"/>
-              <a:t>2020-07-29</a:t>
+              <a:t>2020-07-30</a:t>
             </a:fld>
             <a:endParaRPr lang="ko-KR" altLang="en-US"/>
           </a:p>
@@ -3132,7 +3672,7 @@
           <a:p>
             <a:fld id="{D9D21D2B-B161-4A2C-A0F2-324F8DD03E7E}" type="datetimeFigureOut">
               <a:rPr lang="ko-KR" altLang="en-US" smtClean="0"/>
-              <a:t>2020-07-29</a:t>
+              <a:t>2020-07-30</a:t>
             </a:fld>
             <a:endParaRPr lang="ko-KR" altLang="en-US"/>
           </a:p>
@@ -3389,7 +3929,7 @@
           <a:p>
             <a:fld id="{D9D21D2B-B161-4A2C-A0F2-324F8DD03E7E}" type="datetimeFigureOut">
               <a:rPr lang="ko-KR" altLang="en-US" smtClean="0"/>
-              <a:t>2020-07-29</a:t>
+              <a:t>2020-07-30</a:t>
             </a:fld>
             <a:endParaRPr lang="ko-KR" altLang="en-US"/>
           </a:p>
@@ -3605,7 +4145,7 @@
           <a:p>
             <a:fld id="{D9D21D2B-B161-4A2C-A0F2-324F8DD03E7E}" type="datetimeFigureOut">
               <a:rPr lang="ko-KR" altLang="en-US" smtClean="0"/>
-              <a:t>2020-07-29</a:t>
+              <a:t>2020-07-30</a:t>
             </a:fld>
             <a:endParaRPr lang="ko-KR" altLang="en-US"/>
           </a:p>
@@ -4099,21 +4639,7 @@
                 <a:latin typeface="+mn-ea"/>
                 <a:cs typeface="맑은 고딕 Semilight" panose="020B0502040204020203" pitchFamily="50" charset="-127"/>
               </a:rPr>
-              <a:t>2020. 07. </a:t>
-            </a:r>
-            <a:r>
-              <a:rPr lang="en-US" altLang="ko-KR" sz="1100" smtClean="0">
-                <a:ln>
-                  <a:solidFill>
-                    <a:schemeClr val="tx1">
-                      <a:alpha val="29000"/>
-                    </a:schemeClr>
-                  </a:solidFill>
-                </a:ln>
-                <a:latin typeface="+mn-ea"/>
-                <a:cs typeface="맑은 고딕 Semilight" panose="020B0502040204020203" pitchFamily="50" charset="-127"/>
-              </a:rPr>
-              <a:t>29.</a:t>
+              <a:t>2020. 07. 29.</a:t>
             </a:r>
             <a:endParaRPr lang="en-US" altLang="ko-KR" sz="1100" dirty="0" smtClean="0">
               <a:ln>
@@ -4285,6 +4811,664 @@
     <p:extLst>
       <p:ext uri="{BB962C8B-B14F-4D97-AF65-F5344CB8AC3E}">
         <p14:creationId xmlns:p14="http://schemas.microsoft.com/office/powerpoint/2010/main" val="1255458708"/>
+      </p:ext>
+    </p:extLst>
+  </p:cSld>
+  <p:clrMapOvr>
+    <a:masterClrMapping/>
+  </p:clrMapOvr>
+  <p:timing>
+    <p:tnLst>
+      <p:par>
+        <p:cTn id="1" dur="indefinite" restart="never" nodeType="tmRoot"/>
+      </p:par>
+    </p:tnLst>
+  </p:timing>
+</p:sld>
+</file>
+
+<file path=ppt/slides/slide10.xml><?xml version="1.0" encoding="utf-8"?>
+<p:sld xmlns:a="http://schemas.openxmlformats.org/drawingml/2006/main" xmlns:r="http://schemas.openxmlformats.org/officeDocument/2006/relationships" xmlns:p="http://schemas.openxmlformats.org/presentationml/2006/main">
+  <p:cSld>
+    <p:spTree>
+      <p:nvGrpSpPr>
+        <p:cNvPr id="1" name=""/>
+        <p:cNvGrpSpPr/>
+        <p:nvPr/>
+      </p:nvGrpSpPr>
+      <p:grpSpPr>
+        <a:xfrm>
+          <a:off x="0" y="0"/>
+          <a:ext cx="0" cy="0"/>
+          <a:chOff x="0" y="0"/>
+          <a:chExt cx="0" cy="0"/>
+        </a:xfrm>
+      </p:grpSpPr>
+      <p:cxnSp>
+        <p:nvCxnSpPr>
+          <p:cNvPr id="7" name="직선 연결선 6"/>
+          <p:cNvCxnSpPr/>
+          <p:nvPr/>
+        </p:nvCxnSpPr>
+        <p:spPr>
+          <a:xfrm>
+            <a:off x="0" y="683316"/>
+            <a:ext cx="4411980" cy="0"/>
+          </a:xfrm>
+          <a:prstGeom prst="line">
+            <a:avLst/>
+          </a:prstGeom>
+          <a:ln w="28575">
+            <a:solidFill>
+              <a:srgbClr val="ED553B"/>
+            </a:solidFill>
+            <a:tailEnd type="oval" w="lg" len="lg"/>
+          </a:ln>
+        </p:spPr>
+        <p:style>
+          <a:lnRef idx="1">
+            <a:schemeClr val="accent1"/>
+          </a:lnRef>
+          <a:fillRef idx="0">
+            <a:schemeClr val="accent1"/>
+          </a:fillRef>
+          <a:effectRef idx="0">
+            <a:schemeClr val="accent1"/>
+          </a:effectRef>
+          <a:fontRef idx="minor">
+            <a:schemeClr val="tx1"/>
+          </a:fontRef>
+        </p:style>
+      </p:cxnSp>
+      <p:sp>
+        <p:nvSpPr>
+          <p:cNvPr id="9" name="TextBox 8"/>
+          <p:cNvSpPr txBox="1"/>
+          <p:nvPr/>
+        </p:nvSpPr>
+        <p:spPr>
+          <a:xfrm>
+            <a:off x="322413" y="140957"/>
+            <a:ext cx="5552787" cy="400110"/>
+          </a:xfrm>
+          <a:prstGeom prst="rect">
+            <a:avLst/>
+          </a:prstGeom>
+          <a:noFill/>
+        </p:spPr>
+        <p:txBody>
+          <a:bodyPr wrap="square" rtlCol="0">
+            <a:spAutoFit/>
+          </a:bodyPr>
+          <a:lstStyle/>
+          <a:p>
+            <a:r>
+              <a:rPr lang="en-US" altLang="ko-KR" sz="2000" smtClean="0">
+                <a:ln>
+                  <a:solidFill>
+                    <a:schemeClr val="tx1">
+                      <a:alpha val="29000"/>
+                    </a:schemeClr>
+                  </a:solidFill>
+                </a:ln>
+                <a:latin typeface="+mn-ea"/>
+                <a:cs typeface="맑은 고딕 Semilight" panose="020B0502040204020203" pitchFamily="50" charset="-127"/>
+              </a:rPr>
+              <a:t>JavaScript</a:t>
+            </a:r>
+            <a:r>
+              <a:rPr lang="ko-KR" altLang="en-US" sz="2000" smtClean="0">
+                <a:ln>
+                  <a:solidFill>
+                    <a:schemeClr val="tx1">
+                      <a:alpha val="29000"/>
+                    </a:schemeClr>
+                  </a:solidFill>
+                </a:ln>
+                <a:latin typeface="+mn-ea"/>
+                <a:cs typeface="맑은 고딕 Semilight" panose="020B0502040204020203" pitchFamily="50" charset="-127"/>
+              </a:rPr>
+              <a:t>에서의 기초기초 문법</a:t>
+            </a:r>
+            <a:endParaRPr lang="en-US" altLang="ko-KR" sz="2000" dirty="0">
+              <a:ln>
+                <a:solidFill>
+                  <a:schemeClr val="tx1">
+                    <a:alpha val="29000"/>
+                  </a:schemeClr>
+                </a:solidFill>
+              </a:ln>
+              <a:latin typeface="+mn-ea"/>
+              <a:cs typeface="맑은 고딕 Semilight" panose="020B0502040204020203" pitchFamily="50" charset="-127"/>
+            </a:endParaRPr>
+          </a:p>
+        </p:txBody>
+      </p:sp>
+      <p:sp>
+        <p:nvSpPr>
+          <p:cNvPr id="74" name="TextBox 73"/>
+          <p:cNvSpPr txBox="1"/>
+          <p:nvPr/>
+        </p:nvSpPr>
+        <p:spPr>
+          <a:xfrm>
+            <a:off x="267599" y="825566"/>
+            <a:ext cx="9578660" cy="2123658"/>
+          </a:xfrm>
+          <a:prstGeom prst="rect">
+            <a:avLst/>
+          </a:prstGeom>
+          <a:noFill/>
+        </p:spPr>
+        <p:txBody>
+          <a:bodyPr wrap="square" rtlCol="0">
+            <a:spAutoFit/>
+          </a:bodyPr>
+          <a:lstStyle/>
+          <a:p>
+            <a:pPr marL="285750" indent="-285750">
+              <a:lnSpc>
+                <a:spcPct val="150000"/>
+              </a:lnSpc>
+              <a:buFont typeface="Arial" panose="020B0604020202020204" pitchFamily="34" charset="0"/>
+              <a:buChar char="•"/>
+            </a:pPr>
+            <a:r>
+              <a:rPr lang="ko-KR" altLang="en-US" sz="1800" smtClean="0">
+                <a:ln>
+                  <a:solidFill>
+                    <a:schemeClr val="tx1">
+                      <a:alpha val="29000"/>
+                    </a:schemeClr>
+                  </a:solidFill>
+                </a:ln>
+                <a:latin typeface="+mn-ea"/>
+                <a:cs typeface="맑은 고딕 Semilight" panose="020B0502040204020203" pitchFamily="50" charset="-127"/>
+                <a:sym typeface="Wingdings" panose="05000000000000000000" pitchFamily="2" charset="2"/>
+              </a:rPr>
+              <a:t>자바스크립트에서의 출력 </a:t>
+            </a:r>
+            <a:r>
+              <a:rPr lang="en-US" altLang="ko-KR" sz="1800">
+                <a:ln>
+                  <a:solidFill>
+                    <a:schemeClr val="tx1">
+                      <a:alpha val="29000"/>
+                    </a:schemeClr>
+                  </a:solidFill>
+                </a:ln>
+                <a:latin typeface="+mn-ea"/>
+                <a:cs typeface="맑은 고딕 Semilight" panose="020B0502040204020203" pitchFamily="50" charset="-127"/>
+                <a:sym typeface="Wingdings" panose="05000000000000000000" pitchFamily="2" charset="2"/>
+              </a:rPr>
+              <a:t>: </a:t>
+            </a:r>
+            <a:r>
+              <a:rPr lang="en-US" altLang="ko-KR" sz="1800">
+                <a:ln>
+                  <a:solidFill>
+                    <a:schemeClr val="tx1">
+                      <a:alpha val="29000"/>
+                    </a:schemeClr>
+                  </a:solidFill>
+                </a:ln>
+                <a:latin typeface="+mn-ea"/>
+                <a:cs typeface="맑은 고딕 Semilight" panose="020B0502040204020203" pitchFamily="50" charset="-127"/>
+                <a:sym typeface="Wingdings" panose="05000000000000000000" pitchFamily="2" charset="2"/>
+              </a:rPr>
+              <a:t>console.log</a:t>
+            </a:r>
+            <a:r>
+              <a:rPr lang="en-US" altLang="ko-KR" sz="1800">
+                <a:ln>
+                  <a:solidFill>
+                    <a:schemeClr val="tx1">
+                      <a:alpha val="29000"/>
+                    </a:schemeClr>
+                  </a:solidFill>
+                </a:ln>
+                <a:latin typeface="+mn-ea"/>
+                <a:cs typeface="맑은 고딕 Semilight" panose="020B0502040204020203" pitchFamily="50" charset="-127"/>
+                <a:sym typeface="Wingdings" panose="05000000000000000000" pitchFamily="2" charset="2"/>
+              </a:rPr>
+              <a:t>() </a:t>
+            </a:r>
+            <a:r>
+              <a:rPr lang="ko-KR" altLang="en-US" sz="1800" smtClean="0">
+                <a:ln>
+                  <a:solidFill>
+                    <a:schemeClr val="tx1">
+                      <a:alpha val="29000"/>
+                    </a:schemeClr>
+                  </a:solidFill>
+                </a:ln>
+                <a:latin typeface="+mn-ea"/>
+                <a:cs typeface="맑은 고딕 Semilight" panose="020B0502040204020203" pitchFamily="50" charset="-127"/>
+                <a:sym typeface="Wingdings" panose="05000000000000000000" pitchFamily="2" charset="2"/>
+              </a:rPr>
+              <a:t>메소드</a:t>
+            </a:r>
+            <a:endParaRPr lang="en-US" altLang="ko-KR" sz="1800" smtClean="0">
+              <a:ln>
+                <a:solidFill>
+                  <a:schemeClr val="tx1">
+                    <a:alpha val="29000"/>
+                  </a:schemeClr>
+                </a:solidFill>
+              </a:ln>
+              <a:latin typeface="+mn-ea"/>
+              <a:cs typeface="맑은 고딕 Semilight" panose="020B0502040204020203" pitchFamily="50" charset="-127"/>
+              <a:sym typeface="Wingdings" panose="05000000000000000000" pitchFamily="2" charset="2"/>
+            </a:endParaRPr>
+          </a:p>
+          <a:p>
+            <a:pPr marL="449263" lvl="1" indent="-182563">
+              <a:lnSpc>
+                <a:spcPct val="150000"/>
+              </a:lnSpc>
+              <a:buFontTx/>
+              <a:buChar char="-"/>
+              <a:tabLst>
+                <a:tab pos="182563" algn="l"/>
+                <a:tab pos="449263" algn="l"/>
+              </a:tabLst>
+            </a:pPr>
+            <a:r>
+              <a:rPr lang="en-US" altLang="ko-KR" sz="1400">
+                <a:ln>
+                  <a:solidFill>
+                    <a:schemeClr val="tx1">
+                      <a:alpha val="29000"/>
+                    </a:schemeClr>
+                  </a:solidFill>
+                </a:ln>
+                <a:latin typeface="+mn-ea"/>
+                <a:cs typeface="맑은 고딕 Semilight" panose="020B0502040204020203" pitchFamily="50" charset="-127"/>
+              </a:rPr>
+              <a:t>console.log() </a:t>
+            </a:r>
+            <a:r>
+              <a:rPr lang="ko-KR" altLang="en-US" sz="1400">
+                <a:ln>
+                  <a:solidFill>
+                    <a:schemeClr val="tx1">
+                      <a:alpha val="29000"/>
+                    </a:schemeClr>
+                  </a:solidFill>
+                </a:ln>
+                <a:latin typeface="+mn-ea"/>
+                <a:cs typeface="맑은 고딕 Semilight" panose="020B0502040204020203" pitchFamily="50" charset="-127"/>
+              </a:rPr>
+              <a:t>메소드는 웹 브라우저의 콘솔을 통해 </a:t>
+            </a:r>
+            <a:r>
+              <a:rPr lang="ko-KR" altLang="en-US" sz="1400">
+                <a:ln>
+                  <a:solidFill>
+                    <a:schemeClr val="tx1">
+                      <a:alpha val="29000"/>
+                    </a:schemeClr>
+                  </a:solidFill>
+                </a:ln>
+                <a:latin typeface="+mn-ea"/>
+                <a:cs typeface="맑은 고딕 Semilight" panose="020B0502040204020203" pitchFamily="50" charset="-127"/>
+              </a:rPr>
+              <a:t>데이터를 </a:t>
+            </a:r>
+            <a:r>
+              <a:rPr lang="ko-KR" altLang="en-US" sz="1400" smtClean="0">
+                <a:ln>
+                  <a:solidFill>
+                    <a:schemeClr val="tx1">
+                      <a:alpha val="29000"/>
+                    </a:schemeClr>
+                  </a:solidFill>
+                </a:ln>
+                <a:latin typeface="+mn-ea"/>
+                <a:cs typeface="맑은 고딕 Semilight" panose="020B0502040204020203" pitchFamily="50" charset="-127"/>
+              </a:rPr>
+              <a:t>출력</a:t>
+            </a:r>
+            <a:endParaRPr lang="en-US" altLang="ko-KR" sz="1400">
+              <a:ln>
+                <a:solidFill>
+                  <a:schemeClr val="tx1">
+                    <a:alpha val="29000"/>
+                  </a:schemeClr>
+                </a:solidFill>
+              </a:ln>
+              <a:latin typeface="+mn-ea"/>
+              <a:cs typeface="맑은 고딕 Semilight" panose="020B0502040204020203" pitchFamily="50" charset="-127"/>
+            </a:endParaRPr>
+          </a:p>
+          <a:p>
+            <a:pPr marL="449263" lvl="1" indent="-182563">
+              <a:lnSpc>
+                <a:spcPct val="150000"/>
+              </a:lnSpc>
+              <a:buFontTx/>
+              <a:buChar char="-"/>
+              <a:tabLst>
+                <a:tab pos="182563" algn="l"/>
+                <a:tab pos="449263" algn="l"/>
+              </a:tabLst>
+            </a:pPr>
+            <a:r>
+              <a:rPr lang="ko-KR" altLang="en-US" sz="1400">
+                <a:ln>
+                  <a:solidFill>
+                    <a:schemeClr val="tx1">
+                      <a:alpha val="29000"/>
+                    </a:schemeClr>
+                  </a:solidFill>
+                </a:ln>
+                <a:latin typeface="+mn-ea"/>
+                <a:cs typeface="맑은 고딕 Semilight" panose="020B0502040204020203" pitchFamily="50" charset="-127"/>
+              </a:rPr>
+              <a:t>대부분의 주요 웹 브라우저에서는 </a:t>
+            </a:r>
+            <a:r>
+              <a:rPr lang="en-US" altLang="ko-KR" sz="1400">
+                <a:ln>
+                  <a:solidFill>
+                    <a:schemeClr val="tx1">
+                      <a:alpha val="29000"/>
+                    </a:schemeClr>
+                  </a:solidFill>
+                </a:ln>
+                <a:latin typeface="+mn-ea"/>
+                <a:cs typeface="맑은 고딕 Semilight" panose="020B0502040204020203" pitchFamily="50" charset="-127"/>
+              </a:rPr>
+              <a:t>F12</a:t>
+            </a:r>
+            <a:r>
+              <a:rPr lang="ko-KR" altLang="en-US" sz="1400">
+                <a:ln>
+                  <a:solidFill>
+                    <a:schemeClr val="tx1">
+                      <a:alpha val="29000"/>
+                    </a:schemeClr>
+                  </a:solidFill>
+                </a:ln>
+                <a:latin typeface="+mn-ea"/>
+                <a:cs typeface="맑은 고딕 Semilight" panose="020B0502040204020203" pitchFamily="50" charset="-127"/>
+              </a:rPr>
+              <a:t>를 누른 후</a:t>
+            </a:r>
+            <a:r>
+              <a:rPr lang="en-US" altLang="ko-KR" sz="1400">
+                <a:ln>
+                  <a:solidFill>
+                    <a:schemeClr val="tx1">
+                      <a:alpha val="29000"/>
+                    </a:schemeClr>
+                  </a:solidFill>
+                </a:ln>
+                <a:latin typeface="+mn-ea"/>
+                <a:cs typeface="맑은 고딕 Semilight" panose="020B0502040204020203" pitchFamily="50" charset="-127"/>
+              </a:rPr>
+              <a:t>, </a:t>
+            </a:r>
+            <a:r>
+              <a:rPr lang="en-US" altLang="ko-KR" sz="1400" smtClean="0">
+                <a:ln>
+                  <a:solidFill>
+                    <a:schemeClr val="tx1">
+                      <a:alpha val="29000"/>
+                    </a:schemeClr>
+                  </a:solidFill>
+                </a:ln>
+                <a:latin typeface="+mn-ea"/>
+                <a:cs typeface="맑은 고딕 Semilight" panose="020B0502040204020203" pitchFamily="50" charset="-127"/>
+              </a:rPr>
+              <a:t/>
+            </a:r>
+            <a:br>
+              <a:rPr lang="en-US" altLang="ko-KR" sz="1400" smtClean="0">
+                <a:ln>
+                  <a:solidFill>
+                    <a:schemeClr val="tx1">
+                      <a:alpha val="29000"/>
+                    </a:schemeClr>
+                  </a:solidFill>
+                </a:ln>
+                <a:latin typeface="+mn-ea"/>
+                <a:cs typeface="맑은 고딕 Semilight" panose="020B0502040204020203" pitchFamily="50" charset="-127"/>
+              </a:rPr>
+            </a:br>
+            <a:r>
+              <a:rPr lang="ko-KR" altLang="en-US" sz="1400" smtClean="0">
+                <a:ln>
+                  <a:solidFill>
+                    <a:schemeClr val="tx1">
+                      <a:alpha val="29000"/>
+                    </a:schemeClr>
+                  </a:solidFill>
+                </a:ln>
+                <a:latin typeface="+mn-ea"/>
+                <a:cs typeface="맑은 고딕 Semilight" panose="020B0502040204020203" pitchFamily="50" charset="-127"/>
+              </a:rPr>
+              <a:t>메뉴에서 </a:t>
+            </a:r>
+            <a:r>
+              <a:rPr lang="ko-KR" altLang="en-US" sz="1400">
+                <a:ln>
+                  <a:solidFill>
+                    <a:schemeClr val="tx1">
+                      <a:alpha val="29000"/>
+                    </a:schemeClr>
+                  </a:solidFill>
+                </a:ln>
+                <a:latin typeface="+mn-ea"/>
+                <a:cs typeface="맑은 고딕 Semilight" panose="020B0502040204020203" pitchFamily="50" charset="-127"/>
+              </a:rPr>
+              <a:t>콘솔을 클릭하면 콘솔 화면을 사용할 </a:t>
+            </a:r>
+            <a:r>
+              <a:rPr lang="ko-KR" altLang="en-US" sz="1400">
+                <a:ln>
+                  <a:solidFill>
+                    <a:schemeClr val="tx1">
+                      <a:alpha val="29000"/>
+                    </a:schemeClr>
+                  </a:solidFill>
+                </a:ln>
+                <a:latin typeface="+mn-ea"/>
+                <a:cs typeface="맑은 고딕 Semilight" panose="020B0502040204020203" pitchFamily="50" charset="-127"/>
+              </a:rPr>
+              <a:t>수 </a:t>
+            </a:r>
+            <a:r>
+              <a:rPr lang="ko-KR" altLang="en-US" sz="1400" smtClean="0">
+                <a:ln>
+                  <a:solidFill>
+                    <a:schemeClr val="tx1">
+                      <a:alpha val="29000"/>
+                    </a:schemeClr>
+                  </a:solidFill>
+                </a:ln>
+                <a:latin typeface="+mn-ea"/>
+                <a:cs typeface="맑은 고딕 Semilight" panose="020B0502040204020203" pitchFamily="50" charset="-127"/>
+              </a:rPr>
+              <a:t>있음</a:t>
+            </a:r>
+            <a:endParaRPr lang="en-US" altLang="ko-KR" sz="1400">
+              <a:ln>
+                <a:solidFill>
+                  <a:schemeClr val="tx1">
+                    <a:alpha val="29000"/>
+                  </a:schemeClr>
+                </a:solidFill>
+              </a:ln>
+              <a:latin typeface="+mn-ea"/>
+              <a:cs typeface="맑은 고딕 Semilight" panose="020B0502040204020203" pitchFamily="50" charset="-127"/>
+            </a:endParaRPr>
+          </a:p>
+          <a:p>
+            <a:pPr marL="449263" lvl="1" indent="-182563">
+              <a:lnSpc>
+                <a:spcPct val="150000"/>
+              </a:lnSpc>
+              <a:buFontTx/>
+              <a:buChar char="-"/>
+              <a:tabLst>
+                <a:tab pos="182563" algn="l"/>
+                <a:tab pos="449263" algn="l"/>
+              </a:tabLst>
+            </a:pPr>
+            <a:r>
+              <a:rPr lang="ko-KR" altLang="en-US" sz="1400">
+                <a:ln>
+                  <a:solidFill>
+                    <a:schemeClr val="tx1">
+                      <a:alpha val="29000"/>
+                    </a:schemeClr>
+                  </a:solidFill>
+                </a:ln>
+                <a:latin typeface="+mn-ea"/>
+                <a:cs typeface="맑은 고딕 Semilight" panose="020B0502040204020203" pitchFamily="50" charset="-127"/>
+              </a:rPr>
+              <a:t>이러한 콘솔 화면을 통한 데이터의 출력은 좀 더 자세한 사항까지 </a:t>
+            </a:r>
+            <a:r>
+              <a:rPr lang="ko-KR" altLang="en-US" sz="1400">
+                <a:ln>
+                  <a:solidFill>
+                    <a:schemeClr val="tx1">
+                      <a:alpha val="29000"/>
+                    </a:schemeClr>
+                  </a:solidFill>
+                </a:ln>
+                <a:latin typeface="+mn-ea"/>
+                <a:cs typeface="맑은 고딕 Semilight" panose="020B0502040204020203" pitchFamily="50" charset="-127"/>
+              </a:rPr>
+              <a:t>출력되므로</a:t>
+            </a:r>
+            <a:r>
+              <a:rPr lang="en-US" altLang="ko-KR" sz="1400" smtClean="0">
+                <a:ln>
+                  <a:solidFill>
+                    <a:schemeClr val="tx1">
+                      <a:alpha val="29000"/>
+                    </a:schemeClr>
+                  </a:solidFill>
+                </a:ln>
+                <a:latin typeface="+mn-ea"/>
+                <a:cs typeface="맑은 고딕 Semilight" panose="020B0502040204020203" pitchFamily="50" charset="-127"/>
+              </a:rPr>
+              <a:t>,</a:t>
+            </a:r>
+            <a:br>
+              <a:rPr lang="en-US" altLang="ko-KR" sz="1400" smtClean="0">
+                <a:ln>
+                  <a:solidFill>
+                    <a:schemeClr val="tx1">
+                      <a:alpha val="29000"/>
+                    </a:schemeClr>
+                  </a:solidFill>
+                </a:ln>
+                <a:latin typeface="+mn-ea"/>
+                <a:cs typeface="맑은 고딕 Semilight" panose="020B0502040204020203" pitchFamily="50" charset="-127"/>
+              </a:rPr>
+            </a:br>
+            <a:r>
+              <a:rPr lang="en-US" altLang="ko-KR" sz="1400" smtClean="0">
+                <a:ln>
+                  <a:solidFill>
+                    <a:schemeClr val="tx1">
+                      <a:alpha val="29000"/>
+                    </a:schemeClr>
+                  </a:solidFill>
+                </a:ln>
+                <a:latin typeface="+mn-ea"/>
+                <a:cs typeface="맑은 고딕 Semilight" panose="020B0502040204020203" pitchFamily="50" charset="-127"/>
+              </a:rPr>
+              <a:t> </a:t>
+            </a:r>
+            <a:r>
+              <a:rPr lang="ko-KR" altLang="en-US" sz="1400">
+                <a:ln>
+                  <a:solidFill>
+                    <a:schemeClr val="tx1">
+                      <a:alpha val="29000"/>
+                    </a:schemeClr>
+                  </a:solidFill>
+                </a:ln>
+                <a:latin typeface="+mn-ea"/>
+                <a:cs typeface="맑은 고딕 Semilight" panose="020B0502040204020203" pitchFamily="50" charset="-127"/>
+              </a:rPr>
+              <a:t>디버깅하는데 많은 </a:t>
+            </a:r>
+            <a:r>
+              <a:rPr lang="ko-KR" altLang="en-US" sz="1400">
+                <a:ln>
+                  <a:solidFill>
+                    <a:schemeClr val="tx1">
+                      <a:alpha val="29000"/>
+                    </a:schemeClr>
+                  </a:solidFill>
+                </a:ln>
+                <a:latin typeface="+mn-ea"/>
+                <a:cs typeface="맑은 고딕 Semilight" panose="020B0502040204020203" pitchFamily="50" charset="-127"/>
+              </a:rPr>
+              <a:t>도움을 </a:t>
+            </a:r>
+            <a:r>
+              <a:rPr lang="ko-KR" altLang="en-US" sz="1400">
+                <a:ln>
+                  <a:solidFill>
+                    <a:schemeClr val="tx1">
+                      <a:alpha val="29000"/>
+                    </a:schemeClr>
+                  </a:solidFill>
+                </a:ln>
+                <a:latin typeface="+mn-ea"/>
+                <a:cs typeface="맑은 고딕 Semilight" panose="020B0502040204020203" pitchFamily="50" charset="-127"/>
+              </a:rPr>
+              <a:t>줌</a:t>
+            </a:r>
+            <a:endParaRPr lang="en-US" altLang="ko-KR" sz="1400">
+              <a:ln>
+                <a:solidFill>
+                  <a:schemeClr val="tx1">
+                    <a:alpha val="29000"/>
+                  </a:schemeClr>
+                </a:solidFill>
+              </a:ln>
+              <a:latin typeface="+mn-ea"/>
+              <a:cs typeface="맑은 고딕 Semilight" panose="020B0502040204020203" pitchFamily="50" charset="-127"/>
+            </a:endParaRPr>
+          </a:p>
+        </p:txBody>
+      </p:sp>
+      <p:pic>
+        <p:nvPicPr>
+          <p:cNvPr id="3" name="그림 2"/>
+          <p:cNvPicPr>
+            <a:picLocks noChangeAspect="1"/>
+          </p:cNvPicPr>
+          <p:nvPr/>
+        </p:nvPicPr>
+        <p:blipFill>
+          <a:blip r:embed="rId3"/>
+          <a:stretch>
+            <a:fillRect/>
+          </a:stretch>
+        </p:blipFill>
+        <p:spPr>
+          <a:xfrm>
+            <a:off x="2032000" y="3411692"/>
+            <a:ext cx="6096000" cy="1419225"/>
+          </a:xfrm>
+          <a:prstGeom prst="rect">
+            <a:avLst/>
+          </a:prstGeom>
+        </p:spPr>
+      </p:pic>
+    </p:spTree>
+    <p:extLst>
+      <p:ext uri="{BB962C8B-B14F-4D97-AF65-F5344CB8AC3E}">
+        <p14:creationId xmlns:p14="http://schemas.microsoft.com/office/powerpoint/2010/main" val="33391033"/>
       </p:ext>
     </p:extLst>
   </p:cSld>
@@ -4594,21 +5778,7 @@
                 <a:latin typeface="+mn-ea"/>
                 <a:cs typeface="맑은 고딕 Semilight" panose="020B0502040204020203" pitchFamily="50" charset="-127"/>
               </a:rPr>
-              <a:t>자바스크립트는 </a:t>
-            </a:r>
-            <a:r>
-              <a:rPr lang="ko-KR" altLang="en-US" sz="1400">
-                <a:ln>
-                  <a:solidFill>
-                    <a:schemeClr val="tx1">
-                      <a:alpha val="29000"/>
-                    </a:schemeClr>
-                  </a:solidFill>
-                </a:ln>
-                <a:latin typeface="+mn-ea"/>
-                <a:cs typeface="맑은 고딕 Semilight" panose="020B0502040204020203" pitchFamily="50" charset="-127"/>
-              </a:rPr>
-              <a:t>대소문자를 </a:t>
+              <a:t>자바스크립트는 대소문자를 </a:t>
             </a:r>
             <a:r>
               <a:rPr lang="ko-KR" altLang="en-US" sz="1400" smtClean="0">
@@ -4688,21 +5858,7 @@
                 <a:latin typeface="+mn-ea"/>
                 <a:cs typeface="맑은 고딕 Semilight" panose="020B0502040204020203" pitchFamily="50" charset="-127"/>
               </a:rPr>
-              <a:t>예약어 등을 작성하거나 사용할 </a:t>
-            </a:r>
-            <a:r>
-              <a:rPr lang="ko-KR" altLang="en-US" sz="1400">
-                <a:ln>
-                  <a:solidFill>
-                    <a:schemeClr val="tx1">
-                      <a:alpha val="29000"/>
-                    </a:schemeClr>
-                  </a:solidFill>
-                </a:ln>
-                <a:latin typeface="+mn-ea"/>
-                <a:cs typeface="맑은 고딕 Semilight" panose="020B0502040204020203" pitchFamily="50" charset="-127"/>
-              </a:rPr>
-              <a:t>때에는 </a:t>
+              <a:t>예약어 등을 작성하거나 사용할 때에는 </a:t>
             </a:r>
             <a:r>
               <a:rPr lang="en-US" altLang="ko-KR" sz="1400" smtClean="0">
@@ -4757,35 +5913,7 @@
                 <a:latin typeface="+mn-ea"/>
                 <a:cs typeface="맑은 고딕 Semilight" panose="020B0502040204020203" pitchFamily="50" charset="-127"/>
               </a:rPr>
-              <a:t>정확히 구분해서 </a:t>
-            </a:r>
-            <a:r>
-              <a:rPr lang="ko-KR" altLang="en-US" sz="1400">
-                <a:ln>
-                  <a:solidFill>
-                    <a:schemeClr val="tx1">
-                      <a:alpha val="29000"/>
-                    </a:schemeClr>
-                  </a:solidFill>
-                </a:ln>
-                <a:latin typeface="+mn-ea"/>
-                <a:cs typeface="맑은 고딕 Semilight" panose="020B0502040204020203" pitchFamily="50" charset="-127"/>
-              </a:rPr>
-              <a:t>사용해야 </a:t>
-            </a:r>
-            <a:r>
-              <a:rPr lang="ko-KR" altLang="en-US" sz="1400">
-                <a:ln>
-                  <a:solidFill>
-                    <a:schemeClr val="tx1">
-                      <a:alpha val="29000"/>
-                    </a:schemeClr>
-                  </a:solidFill>
-                </a:ln>
-                <a:latin typeface="+mn-ea"/>
-                <a:cs typeface="맑은 고딕 Semilight" panose="020B0502040204020203" pitchFamily="50" charset="-127"/>
-              </a:rPr>
-              <a:t>함</a:t>
+              <a:t>정확히 구분해서 사용해야 함</a:t>
             </a:r>
             <a:endParaRPr lang="en-US" altLang="ko-KR" sz="1400">
               <a:ln>
@@ -5043,10 +6171,10 @@
                 <a:cs typeface="맑은 고딕 Semilight" panose="020B0502040204020203" pitchFamily="50" charset="-127"/>
                 <a:sym typeface="Wingdings" panose="05000000000000000000" pitchFamily="2" charset="2"/>
               </a:rPr>
-              <a:t>(</a:t>
-            </a:r>
-            <a:r>
-              <a:rPr lang="en-US" altLang="ko-KR" sz="1800">
+              <a:t>(literal</a:t>
+            </a:r>
+            <a:r>
+              <a:rPr lang="en-US" altLang="ko-KR" sz="1800" smtClean="0">
                 <a:ln>
                   <a:solidFill>
                     <a:schemeClr val="tx1">
@@ -5058,35 +6186,8 @@
                 <a:cs typeface="맑은 고딕 Semilight" panose="020B0502040204020203" pitchFamily="50" charset="-127"/>
                 <a:sym typeface="Wingdings" panose="05000000000000000000" pitchFamily="2" charset="2"/>
               </a:rPr>
-              <a:t>literal</a:t>
-            </a:r>
-            <a:r>
-              <a:rPr lang="en-US" altLang="ko-KR" sz="1800" smtClean="0">
-                <a:ln>
-                  <a:solidFill>
-                    <a:schemeClr val="tx1">
-                      <a:alpha val="29000"/>
-                    </a:schemeClr>
-                  </a:solidFill>
-                </a:ln>
-                <a:latin typeface="+mn-ea"/>
-                <a:cs typeface="맑은 고딕 Semilight" panose="020B0502040204020203" pitchFamily="50" charset="-127"/>
-                <a:sym typeface="Wingdings" panose="05000000000000000000" pitchFamily="2" charset="2"/>
-              </a:rPr>
               <a:t>)</a:t>
             </a:r>
-            <a:endParaRPr lang="en-US" altLang="ko-KR" sz="1800" smtClean="0">
-              <a:ln>
-                <a:solidFill>
-                  <a:schemeClr val="tx1">
-                    <a:alpha val="29000"/>
-                  </a:schemeClr>
-                </a:solidFill>
-              </a:ln>
-              <a:latin typeface="+mn-ea"/>
-              <a:cs typeface="맑은 고딕 Semilight" panose="020B0502040204020203" pitchFamily="50" charset="-127"/>
-              <a:sym typeface="Wingdings" panose="05000000000000000000" pitchFamily="2" charset="2"/>
-            </a:endParaRPr>
           </a:p>
           <a:p>
             <a:pPr marL="449263" lvl="1" indent="-182563">
@@ -5112,21 +6213,7 @@
                 <a:latin typeface="+mn-ea"/>
                 <a:cs typeface="맑은 고딕 Semilight" panose="020B0502040204020203" pitchFamily="50" charset="-127"/>
               </a:rPr>
-              <a:t>리터럴은 직접 표현되는 값 그 </a:t>
-            </a:r>
-            <a:r>
-              <a:rPr lang="ko-KR" altLang="en-US" sz="1400">
-                <a:ln>
-                  <a:solidFill>
-                    <a:schemeClr val="tx1">
-                      <a:alpha val="29000"/>
-                    </a:schemeClr>
-                  </a:solidFill>
-                </a:ln>
-                <a:latin typeface="+mn-ea"/>
-                <a:cs typeface="맑은 고딕 Semilight" panose="020B0502040204020203" pitchFamily="50" charset="-127"/>
-              </a:rPr>
-              <a:t>자체를 </a:t>
+              <a:t>리터럴은 직접 표현되는 값 그 자체를 </a:t>
             </a:r>
             <a:r>
               <a:rPr lang="ko-KR" altLang="en-US" sz="1400" smtClean="0">
@@ -5192,21 +6279,7 @@
                 <a:latin typeface="+mn-ea"/>
                 <a:cs typeface="맑은 고딕 Semilight" panose="020B0502040204020203" pitchFamily="50" charset="-127"/>
               </a:rPr>
-              <a:t>예제에서 등장하는 값들은 </a:t>
-            </a:r>
-            <a:r>
-              <a:rPr lang="ko-KR" altLang="en-US" sz="1400">
-                <a:ln>
-                  <a:solidFill>
-                    <a:schemeClr val="tx1">
-                      <a:alpha val="29000"/>
-                    </a:schemeClr>
-                  </a:solidFill>
-                </a:ln>
-                <a:latin typeface="+mn-ea"/>
-                <a:cs typeface="맑은 고딕 Semilight" panose="020B0502040204020203" pitchFamily="50" charset="-127"/>
-              </a:rPr>
-              <a:t>모두 </a:t>
+              <a:t>예제에서 등장하는 값들은 모두 </a:t>
             </a:r>
             <a:r>
               <a:rPr lang="ko-KR" altLang="en-US" sz="1400" smtClean="0">
@@ -5439,10 +6512,10 @@
                 <a:cs typeface="맑은 고딕 Semilight" panose="020B0502040204020203" pitchFamily="50" charset="-127"/>
                 <a:sym typeface="Wingdings" panose="05000000000000000000" pitchFamily="2" charset="2"/>
               </a:rPr>
-              <a:t>자바스크립트 </a:t>
-            </a:r>
-            <a:r>
-              <a:rPr lang="ko-KR" altLang="en-US" sz="1800">
+              <a:t>자바스크립트 식별자</a:t>
+            </a:r>
+            <a:r>
+              <a:rPr lang="en-US" altLang="ko-KR" sz="1800">
                 <a:ln>
                   <a:solidFill>
                     <a:schemeClr val="tx1">
@@ -5454,10 +6527,10 @@
                 <a:cs typeface="맑은 고딕 Semilight" panose="020B0502040204020203" pitchFamily="50" charset="-127"/>
                 <a:sym typeface="Wingdings" panose="05000000000000000000" pitchFamily="2" charset="2"/>
               </a:rPr>
-              <a:t>식별자</a:t>
-            </a:r>
-            <a:r>
-              <a:rPr lang="en-US" altLang="ko-KR" sz="1800">
+              <a:t>(</a:t>
+            </a:r>
+            <a:r>
+              <a:rPr lang="en-US" altLang="ko-KR" sz="1800" smtClean="0">
                 <a:ln>
                   <a:solidFill>
                     <a:schemeClr val="tx1">
@@ -5469,35 +6542,8 @@
                 <a:cs typeface="맑은 고딕 Semilight" panose="020B0502040204020203" pitchFamily="50" charset="-127"/>
                 <a:sym typeface="Wingdings" panose="05000000000000000000" pitchFamily="2" charset="2"/>
               </a:rPr>
-              <a:t>(</a:t>
-            </a:r>
-            <a:r>
-              <a:rPr lang="en-US" altLang="ko-KR" sz="1800" smtClean="0">
-                <a:ln>
-                  <a:solidFill>
-                    <a:schemeClr val="tx1">
-                      <a:alpha val="29000"/>
-                    </a:schemeClr>
-                  </a:solidFill>
-                </a:ln>
-                <a:latin typeface="+mn-ea"/>
-                <a:cs typeface="맑은 고딕 Semilight" panose="020B0502040204020203" pitchFamily="50" charset="-127"/>
-                <a:sym typeface="Wingdings" panose="05000000000000000000" pitchFamily="2" charset="2"/>
-              </a:rPr>
               <a:t>identifier)</a:t>
             </a:r>
-            <a:endParaRPr lang="en-US" altLang="ko-KR" sz="1800" smtClean="0">
-              <a:ln>
-                <a:solidFill>
-                  <a:schemeClr val="tx1">
-                    <a:alpha val="29000"/>
-                  </a:schemeClr>
-                </a:solidFill>
-              </a:ln>
-              <a:latin typeface="+mn-ea"/>
-              <a:cs typeface="맑은 고딕 Semilight" panose="020B0502040204020203" pitchFamily="50" charset="-127"/>
-              <a:sym typeface="Wingdings" panose="05000000000000000000" pitchFamily="2" charset="2"/>
-            </a:endParaRPr>
           </a:p>
           <a:p>
             <a:pPr marL="449263" lvl="1" indent="-182563">
@@ -5523,21 +6569,7 @@
                 <a:latin typeface="+mn-ea"/>
                 <a:cs typeface="맑은 고딕 Semilight" panose="020B0502040204020203" pitchFamily="50" charset="-127"/>
               </a:rPr>
-              <a:t>식별자는 변수나 함수의 이름을 작성할 때 사용하는 </a:t>
-            </a:r>
-            <a:r>
-              <a:rPr lang="ko-KR" altLang="en-US" sz="1400">
-                <a:ln>
-                  <a:solidFill>
-                    <a:schemeClr val="tx1">
-                      <a:alpha val="29000"/>
-                    </a:schemeClr>
-                  </a:solidFill>
-                </a:ln>
-                <a:latin typeface="+mn-ea"/>
-                <a:cs typeface="맑은 고딕 Semilight" panose="020B0502040204020203" pitchFamily="50" charset="-127"/>
-              </a:rPr>
-              <a:t>이름을 </a:t>
+              <a:t>식별자는 변수나 함수의 이름을 작성할 때 사용하는 이름을 </a:t>
             </a:r>
             <a:r>
               <a:rPr lang="ko-KR" altLang="en-US" sz="1400" smtClean="0">
@@ -5729,21 +6761,7 @@
                 <a:latin typeface="+mn-ea"/>
                 <a:cs typeface="맑은 고딕 Semilight" panose="020B0502040204020203" pitchFamily="50" charset="-127"/>
               </a:rPr>
-              <a:t>만을 사용할 </a:t>
-            </a:r>
-            <a:r>
-              <a:rPr lang="ko-KR" altLang="en-US" sz="1400">
-                <a:ln>
-                  <a:solidFill>
-                    <a:schemeClr val="tx1">
-                      <a:alpha val="29000"/>
-                    </a:schemeClr>
-                  </a:solidFill>
-                </a:ln>
-                <a:latin typeface="+mn-ea"/>
-                <a:cs typeface="맑은 고딕 Semilight" panose="020B0502040204020203" pitchFamily="50" charset="-127"/>
-              </a:rPr>
-              <a:t>수 </a:t>
+              <a:t>만을 사용할 수 </a:t>
             </a:r>
             <a:r>
               <a:rPr lang="ko-KR" altLang="en-US" sz="1400" smtClean="0">
@@ -5795,21 +6813,7 @@
                 <a:latin typeface="+mn-ea"/>
                 <a:cs typeface="맑은 고딕 Semilight" panose="020B0502040204020203" pitchFamily="50" charset="-127"/>
               </a:rPr>
-              <a:t>자바스크립트에서 식별자는 숫자와 식별자의 구별을 빠르게 할 수 있도록 숫자로는 시작할 </a:t>
-            </a:r>
-            <a:r>
-              <a:rPr lang="ko-KR" altLang="en-US" sz="1400">
-                <a:ln>
-                  <a:solidFill>
-                    <a:schemeClr val="tx1">
-                      <a:alpha val="29000"/>
-                    </a:schemeClr>
-                  </a:solidFill>
-                </a:ln>
-                <a:latin typeface="+mn-ea"/>
-                <a:cs typeface="맑은 고딕 Semilight" panose="020B0502040204020203" pitchFamily="50" charset="-127"/>
-              </a:rPr>
-              <a:t>수 </a:t>
+              <a:t>자바스크립트에서 식별자는 숫자와 식별자의 구별을 빠르게 할 수 있도록 숫자로는 시작할 수 </a:t>
             </a:r>
             <a:r>
               <a:rPr lang="ko-KR" altLang="en-US" sz="1400" smtClean="0">
@@ -6188,10 +7192,10 @@
                 <a:cs typeface="맑은 고딕 Semilight" panose="020B0502040204020203" pitchFamily="50" charset="-127"/>
                 <a:sym typeface="Wingdings" panose="05000000000000000000" pitchFamily="2" charset="2"/>
               </a:rPr>
-              <a:t>자바스크립트 </a:t>
-            </a:r>
-            <a:r>
-              <a:rPr lang="ko-KR" altLang="en-US" sz="1800">
+              <a:t>자바스크립트 키워드</a:t>
+            </a:r>
+            <a:r>
+              <a:rPr lang="en-US" altLang="ko-KR" sz="1800">
                 <a:ln>
                   <a:solidFill>
                     <a:schemeClr val="tx1">
@@ -6203,10 +7207,10 @@
                 <a:cs typeface="맑은 고딕 Semilight" panose="020B0502040204020203" pitchFamily="50" charset="-127"/>
                 <a:sym typeface="Wingdings" panose="05000000000000000000" pitchFamily="2" charset="2"/>
               </a:rPr>
-              <a:t>키워드</a:t>
-            </a:r>
-            <a:r>
-              <a:rPr lang="en-US" altLang="ko-KR" sz="1800">
+              <a:t>(</a:t>
+            </a:r>
+            <a:r>
+              <a:rPr lang="en-US" altLang="ko-KR" sz="1800" smtClean="0">
                 <a:ln>
                   <a:solidFill>
                     <a:schemeClr val="tx1">
@@ -6218,35 +7222,8 @@
                 <a:cs typeface="맑은 고딕 Semilight" panose="020B0502040204020203" pitchFamily="50" charset="-127"/>
                 <a:sym typeface="Wingdings" panose="05000000000000000000" pitchFamily="2" charset="2"/>
               </a:rPr>
-              <a:t>(</a:t>
-            </a:r>
-            <a:r>
-              <a:rPr lang="en-US" altLang="ko-KR" sz="1800" smtClean="0">
-                <a:ln>
-                  <a:solidFill>
-                    <a:schemeClr val="tx1">
-                      <a:alpha val="29000"/>
-                    </a:schemeClr>
-                  </a:solidFill>
-                </a:ln>
-                <a:latin typeface="+mn-ea"/>
-                <a:cs typeface="맑은 고딕 Semilight" panose="020B0502040204020203" pitchFamily="50" charset="-127"/>
-                <a:sym typeface="Wingdings" panose="05000000000000000000" pitchFamily="2" charset="2"/>
-              </a:rPr>
               <a:t>keyword)</a:t>
             </a:r>
-            <a:endParaRPr lang="en-US" altLang="ko-KR" sz="1800" smtClean="0">
-              <a:ln>
-                <a:solidFill>
-                  <a:schemeClr val="tx1">
-                    <a:alpha val="29000"/>
-                  </a:schemeClr>
-                </a:solidFill>
-              </a:ln>
-              <a:latin typeface="+mn-ea"/>
-              <a:cs typeface="맑은 고딕 Semilight" panose="020B0502040204020203" pitchFamily="50" charset="-127"/>
-              <a:sym typeface="Wingdings" panose="05000000000000000000" pitchFamily="2" charset="2"/>
-            </a:endParaRPr>
           </a:p>
           <a:p>
             <a:pPr marL="449263" lvl="1" indent="-182563">
@@ -6272,21 +7249,7 @@
                 <a:latin typeface="+mn-ea"/>
                 <a:cs typeface="맑은 고딕 Semilight" panose="020B0502040204020203" pitchFamily="50" charset="-127"/>
               </a:rPr>
-              <a:t>자바스크립트에서는 몇몇 단어들을 특별한 용도로 사용하기 위해 미리 </a:t>
-            </a:r>
-            <a:r>
-              <a:rPr lang="ko-KR" altLang="en-US" sz="1400">
-                <a:ln>
-                  <a:solidFill>
-                    <a:schemeClr val="tx1">
-                      <a:alpha val="29000"/>
-                    </a:schemeClr>
-                  </a:solidFill>
-                </a:ln>
-                <a:latin typeface="+mn-ea"/>
-                <a:cs typeface="맑은 고딕 Semilight" panose="020B0502040204020203" pitchFamily="50" charset="-127"/>
-              </a:rPr>
-              <a:t>예약하고 </a:t>
+              <a:t>자바스크립트에서는 몇몇 단어들을 특별한 용도로 사용하기 위해 미리 예약하고 </a:t>
             </a:r>
             <a:r>
               <a:rPr lang="ko-KR" altLang="en-US" sz="1400" smtClean="0">
@@ -6446,21 +7409,7 @@
                 <a:latin typeface="+mn-ea"/>
                 <a:cs typeface="맑은 고딕 Semilight" panose="020B0502040204020203" pitchFamily="50" charset="-127"/>
               </a:rPr>
-              <a:t>이러한 키워드들은 프로그램 내에서 식별자로 사용할 </a:t>
-            </a:r>
-            <a:r>
-              <a:rPr lang="ko-KR" altLang="en-US" sz="1400">
-                <a:ln>
-                  <a:solidFill>
-                    <a:schemeClr val="tx1">
-                      <a:alpha val="29000"/>
-                    </a:schemeClr>
-                  </a:solidFill>
-                </a:ln>
-                <a:latin typeface="+mn-ea"/>
-                <a:cs typeface="맑은 고딕 Semilight" panose="020B0502040204020203" pitchFamily="50" charset="-127"/>
-              </a:rPr>
-              <a:t>수 </a:t>
+              <a:t>이러한 키워드들은 프로그램 내에서 식별자로 사용할 수 </a:t>
             </a:r>
             <a:r>
               <a:rPr lang="ko-KR" altLang="en-US" sz="1400" smtClean="0">
@@ -6518,6 +7467,3246 @@
     <p:extLst>
       <p:ext uri="{BB962C8B-B14F-4D97-AF65-F5344CB8AC3E}">
         <p14:creationId xmlns:p14="http://schemas.microsoft.com/office/powerpoint/2010/main" val="1947413521"/>
+      </p:ext>
+    </p:extLst>
+  </p:cSld>
+  <p:clrMapOvr>
+    <a:masterClrMapping/>
+  </p:clrMapOvr>
+  <p:timing>
+    <p:tnLst>
+      <p:par>
+        <p:cTn id="1" dur="indefinite" restart="never" nodeType="tmRoot"/>
+      </p:par>
+    </p:tnLst>
+  </p:timing>
+</p:sld>
+</file>
+
+<file path=ppt/slides/slide6.xml><?xml version="1.0" encoding="utf-8"?>
+<p:sld xmlns:a="http://schemas.openxmlformats.org/drawingml/2006/main" xmlns:r="http://schemas.openxmlformats.org/officeDocument/2006/relationships" xmlns:p="http://schemas.openxmlformats.org/presentationml/2006/main">
+  <p:cSld>
+    <p:spTree>
+      <p:nvGrpSpPr>
+        <p:cNvPr id="1" name=""/>
+        <p:cNvGrpSpPr/>
+        <p:nvPr/>
+      </p:nvGrpSpPr>
+      <p:grpSpPr>
+        <a:xfrm>
+          <a:off x="0" y="0"/>
+          <a:ext cx="0" cy="0"/>
+          <a:chOff x="0" y="0"/>
+          <a:chExt cx="0" cy="0"/>
+        </a:xfrm>
+      </p:grpSpPr>
+      <p:cxnSp>
+        <p:nvCxnSpPr>
+          <p:cNvPr id="7" name="직선 연결선 6"/>
+          <p:cNvCxnSpPr/>
+          <p:nvPr/>
+        </p:nvCxnSpPr>
+        <p:spPr>
+          <a:xfrm>
+            <a:off x="0" y="683316"/>
+            <a:ext cx="4411980" cy="0"/>
+          </a:xfrm>
+          <a:prstGeom prst="line">
+            <a:avLst/>
+          </a:prstGeom>
+          <a:ln w="28575">
+            <a:solidFill>
+              <a:srgbClr val="ED553B"/>
+            </a:solidFill>
+            <a:tailEnd type="oval" w="lg" len="lg"/>
+          </a:ln>
+        </p:spPr>
+        <p:style>
+          <a:lnRef idx="1">
+            <a:schemeClr val="accent1"/>
+          </a:lnRef>
+          <a:fillRef idx="0">
+            <a:schemeClr val="accent1"/>
+          </a:fillRef>
+          <a:effectRef idx="0">
+            <a:schemeClr val="accent1"/>
+          </a:effectRef>
+          <a:fontRef idx="minor">
+            <a:schemeClr val="tx1"/>
+          </a:fontRef>
+        </p:style>
+      </p:cxnSp>
+      <p:sp>
+        <p:nvSpPr>
+          <p:cNvPr id="9" name="TextBox 8"/>
+          <p:cNvSpPr txBox="1"/>
+          <p:nvPr/>
+        </p:nvSpPr>
+        <p:spPr>
+          <a:xfrm>
+            <a:off x="322413" y="140957"/>
+            <a:ext cx="5552787" cy="400110"/>
+          </a:xfrm>
+          <a:prstGeom prst="rect">
+            <a:avLst/>
+          </a:prstGeom>
+          <a:noFill/>
+        </p:spPr>
+        <p:txBody>
+          <a:bodyPr wrap="square" rtlCol="0">
+            <a:spAutoFit/>
+          </a:bodyPr>
+          <a:lstStyle/>
+          <a:p>
+            <a:r>
+              <a:rPr lang="en-US" altLang="ko-KR" sz="2000" smtClean="0">
+                <a:ln>
+                  <a:solidFill>
+                    <a:schemeClr val="tx1">
+                      <a:alpha val="29000"/>
+                    </a:schemeClr>
+                  </a:solidFill>
+                </a:ln>
+                <a:latin typeface="+mn-ea"/>
+                <a:cs typeface="맑은 고딕 Semilight" panose="020B0502040204020203" pitchFamily="50" charset="-127"/>
+              </a:rPr>
+              <a:t>JavaScript</a:t>
+            </a:r>
+            <a:r>
+              <a:rPr lang="ko-KR" altLang="en-US" sz="2000" smtClean="0">
+                <a:ln>
+                  <a:solidFill>
+                    <a:schemeClr val="tx1">
+                      <a:alpha val="29000"/>
+                    </a:schemeClr>
+                  </a:solidFill>
+                </a:ln>
+                <a:latin typeface="+mn-ea"/>
+                <a:cs typeface="맑은 고딕 Semilight" panose="020B0502040204020203" pitchFamily="50" charset="-127"/>
+              </a:rPr>
+              <a:t>에서의 기초기초 문법</a:t>
+            </a:r>
+            <a:endParaRPr lang="en-US" altLang="ko-KR" sz="2000" dirty="0">
+              <a:ln>
+                <a:solidFill>
+                  <a:schemeClr val="tx1">
+                    <a:alpha val="29000"/>
+                  </a:schemeClr>
+                </a:solidFill>
+              </a:ln>
+              <a:latin typeface="+mn-ea"/>
+              <a:cs typeface="맑은 고딕 Semilight" panose="020B0502040204020203" pitchFamily="50" charset="-127"/>
+            </a:endParaRPr>
+          </a:p>
+        </p:txBody>
+      </p:sp>
+      <p:sp>
+        <p:nvSpPr>
+          <p:cNvPr id="74" name="TextBox 73"/>
+          <p:cNvSpPr txBox="1"/>
+          <p:nvPr/>
+        </p:nvSpPr>
+        <p:spPr>
+          <a:xfrm>
+            <a:off x="267599" y="825566"/>
+            <a:ext cx="9578660" cy="1800493"/>
+          </a:xfrm>
+          <a:prstGeom prst="rect">
+            <a:avLst/>
+          </a:prstGeom>
+          <a:noFill/>
+        </p:spPr>
+        <p:txBody>
+          <a:bodyPr wrap="square" rtlCol="0">
+            <a:spAutoFit/>
+          </a:bodyPr>
+          <a:lstStyle/>
+          <a:p>
+            <a:pPr marL="285750" indent="-285750">
+              <a:lnSpc>
+                <a:spcPct val="150000"/>
+              </a:lnSpc>
+              <a:buFont typeface="Arial" panose="020B0604020202020204" pitchFamily="34" charset="0"/>
+              <a:buChar char="•"/>
+            </a:pPr>
+            <a:r>
+              <a:rPr lang="ko-KR" altLang="en-US" sz="1800" smtClean="0">
+                <a:ln>
+                  <a:solidFill>
+                    <a:schemeClr val="tx1">
+                      <a:alpha val="29000"/>
+                    </a:schemeClr>
+                  </a:solidFill>
+                </a:ln>
+                <a:latin typeface="+mn-ea"/>
+                <a:cs typeface="맑은 고딕 Semilight" panose="020B0502040204020203" pitchFamily="50" charset="-127"/>
+                <a:sym typeface="Wingdings" panose="05000000000000000000" pitchFamily="2" charset="2"/>
+              </a:rPr>
+              <a:t>자바스크립트에서의 출력 </a:t>
+            </a:r>
+            <a:r>
+              <a:rPr lang="en-US" altLang="ko-KR" sz="1800">
+                <a:ln>
+                  <a:solidFill>
+                    <a:schemeClr val="tx1">
+                      <a:alpha val="29000"/>
+                    </a:schemeClr>
+                  </a:solidFill>
+                </a:ln>
+                <a:latin typeface="+mn-ea"/>
+                <a:cs typeface="맑은 고딕 Semilight" panose="020B0502040204020203" pitchFamily="50" charset="-127"/>
+                <a:sym typeface="Wingdings" panose="05000000000000000000" pitchFamily="2" charset="2"/>
+              </a:rPr>
+              <a:t>: window.alert() </a:t>
+            </a:r>
+            <a:r>
+              <a:rPr lang="ko-KR" altLang="en-US" sz="1800">
+                <a:ln>
+                  <a:solidFill>
+                    <a:schemeClr val="tx1">
+                      <a:alpha val="29000"/>
+                    </a:schemeClr>
+                  </a:solidFill>
+                </a:ln>
+                <a:latin typeface="+mn-ea"/>
+                <a:cs typeface="맑은 고딕 Semilight" panose="020B0502040204020203" pitchFamily="50" charset="-127"/>
+                <a:sym typeface="Wingdings" panose="05000000000000000000" pitchFamily="2" charset="2"/>
+              </a:rPr>
+              <a:t>메소드</a:t>
+            </a:r>
+            <a:endParaRPr lang="en-US" altLang="ko-KR" sz="1800" smtClean="0">
+              <a:ln>
+                <a:solidFill>
+                  <a:schemeClr val="tx1">
+                    <a:alpha val="29000"/>
+                  </a:schemeClr>
+                </a:solidFill>
+              </a:ln>
+              <a:latin typeface="+mn-ea"/>
+              <a:cs typeface="맑은 고딕 Semilight" panose="020B0502040204020203" pitchFamily="50" charset="-127"/>
+              <a:sym typeface="Wingdings" panose="05000000000000000000" pitchFamily="2" charset="2"/>
+            </a:endParaRPr>
+          </a:p>
+          <a:p>
+            <a:pPr marL="449263" lvl="1" indent="-182563">
+              <a:lnSpc>
+                <a:spcPct val="150000"/>
+              </a:lnSpc>
+              <a:buFontTx/>
+              <a:buChar char="-"/>
+              <a:tabLst>
+                <a:tab pos="182563" algn="l"/>
+                <a:tab pos="449263" algn="l"/>
+              </a:tabLst>
+            </a:pPr>
+            <a:r>
+              <a:rPr lang="ko-KR" altLang="en-US" sz="1400">
+                <a:ln>
+                  <a:solidFill>
+                    <a:schemeClr val="tx1">
+                      <a:alpha val="29000"/>
+                    </a:schemeClr>
+                  </a:solidFill>
+                </a:ln>
+                <a:latin typeface="+mn-ea"/>
+                <a:cs typeface="맑은 고딕 Semilight" panose="020B0502040204020203" pitchFamily="50" charset="-127"/>
+              </a:rPr>
+              <a:t>자바스크립트에서 가장 간단하게 데이터를 출력할 수 </a:t>
+            </a:r>
+            <a:r>
+              <a:rPr lang="ko-KR" altLang="en-US" sz="1400">
+                <a:ln>
+                  <a:solidFill>
+                    <a:schemeClr val="tx1">
+                      <a:alpha val="29000"/>
+                    </a:schemeClr>
+                  </a:solidFill>
+                </a:ln>
+                <a:latin typeface="+mn-ea"/>
+                <a:cs typeface="맑은 고딕 Semilight" panose="020B0502040204020203" pitchFamily="50" charset="-127"/>
+              </a:rPr>
+              <a:t>있는 </a:t>
+            </a:r>
+            <a:r>
+              <a:rPr lang="ko-KR" altLang="en-US" sz="1400" smtClean="0">
+                <a:ln>
+                  <a:solidFill>
+                    <a:schemeClr val="tx1">
+                      <a:alpha val="29000"/>
+                    </a:schemeClr>
+                  </a:solidFill>
+                </a:ln>
+                <a:latin typeface="+mn-ea"/>
+                <a:cs typeface="맑은 고딕 Semilight" panose="020B0502040204020203" pitchFamily="50" charset="-127"/>
+              </a:rPr>
+              <a:t>방법은</a:t>
+            </a:r>
+            <a:r>
+              <a:rPr lang="en-US" altLang="ko-KR" sz="1400" smtClean="0">
+                <a:ln>
+                  <a:solidFill>
+                    <a:schemeClr val="tx1">
+                      <a:alpha val="29000"/>
+                    </a:schemeClr>
+                  </a:solidFill>
+                </a:ln>
+                <a:latin typeface="+mn-ea"/>
+                <a:cs typeface="맑은 고딕 Semilight" panose="020B0502040204020203" pitchFamily="50" charset="-127"/>
+              </a:rPr>
+              <a:t/>
+            </a:r>
+            <a:br>
+              <a:rPr lang="en-US" altLang="ko-KR" sz="1400" smtClean="0">
+                <a:ln>
+                  <a:solidFill>
+                    <a:schemeClr val="tx1">
+                      <a:alpha val="29000"/>
+                    </a:schemeClr>
+                  </a:solidFill>
+                </a:ln>
+                <a:latin typeface="+mn-ea"/>
+                <a:cs typeface="맑은 고딕 Semilight" panose="020B0502040204020203" pitchFamily="50" charset="-127"/>
+              </a:rPr>
+            </a:br>
+            <a:r>
+              <a:rPr lang="ko-KR" altLang="en-US" sz="1400" smtClean="0">
+                <a:ln>
+                  <a:solidFill>
+                    <a:schemeClr val="tx1">
+                      <a:alpha val="29000"/>
+                    </a:schemeClr>
+                  </a:solidFill>
+                </a:ln>
+                <a:latin typeface="+mn-ea"/>
+                <a:cs typeface="맑은 고딕 Semilight" panose="020B0502040204020203" pitchFamily="50" charset="-127"/>
+              </a:rPr>
+              <a:t> </a:t>
+            </a:r>
+            <a:r>
+              <a:rPr lang="en-US" altLang="ko-KR" sz="1400">
+                <a:ln>
+                  <a:solidFill>
+                    <a:schemeClr val="tx1">
+                      <a:alpha val="29000"/>
+                    </a:schemeClr>
+                  </a:solidFill>
+                </a:ln>
+                <a:latin typeface="+mn-ea"/>
+                <a:cs typeface="맑은 고딕 Semilight" panose="020B0502040204020203" pitchFamily="50" charset="-127"/>
+              </a:rPr>
+              <a:t>window.alert() </a:t>
+            </a:r>
+            <a:r>
+              <a:rPr lang="ko-KR" altLang="en-US" sz="1400">
+                <a:ln>
+                  <a:solidFill>
+                    <a:schemeClr val="tx1">
+                      <a:alpha val="29000"/>
+                    </a:schemeClr>
+                  </a:solidFill>
+                </a:ln>
+                <a:latin typeface="+mn-ea"/>
+                <a:cs typeface="맑은 고딕 Semilight" panose="020B0502040204020203" pitchFamily="50" charset="-127"/>
+              </a:rPr>
+              <a:t>메소드를 </a:t>
+            </a:r>
+            <a:r>
+              <a:rPr lang="ko-KR" altLang="en-US" sz="1400">
+                <a:ln>
+                  <a:solidFill>
+                    <a:schemeClr val="tx1">
+                      <a:alpha val="29000"/>
+                    </a:schemeClr>
+                  </a:solidFill>
+                </a:ln>
+                <a:latin typeface="+mn-ea"/>
+                <a:cs typeface="맑은 고딕 Semilight" panose="020B0502040204020203" pitchFamily="50" charset="-127"/>
+              </a:rPr>
+              <a:t>이용하는 </a:t>
+            </a:r>
+            <a:r>
+              <a:rPr lang="ko-KR" altLang="en-US" sz="1400" smtClean="0">
+                <a:ln>
+                  <a:solidFill>
+                    <a:schemeClr val="tx1">
+                      <a:alpha val="29000"/>
+                    </a:schemeClr>
+                  </a:solidFill>
+                </a:ln>
+                <a:latin typeface="+mn-ea"/>
+                <a:cs typeface="맑은 고딕 Semilight" panose="020B0502040204020203" pitchFamily="50" charset="-127"/>
+              </a:rPr>
+              <a:t>것</a:t>
+            </a:r>
+            <a:endParaRPr lang="en-US" altLang="ko-KR" sz="1400">
+              <a:ln>
+                <a:solidFill>
+                  <a:schemeClr val="tx1">
+                    <a:alpha val="29000"/>
+                  </a:schemeClr>
+                </a:solidFill>
+              </a:ln>
+              <a:latin typeface="+mn-ea"/>
+              <a:cs typeface="맑은 고딕 Semilight" panose="020B0502040204020203" pitchFamily="50" charset="-127"/>
+            </a:endParaRPr>
+          </a:p>
+          <a:p>
+            <a:pPr marL="449263" lvl="1" indent="-182563">
+              <a:lnSpc>
+                <a:spcPct val="150000"/>
+              </a:lnSpc>
+              <a:buFontTx/>
+              <a:buChar char="-"/>
+              <a:tabLst>
+                <a:tab pos="182563" algn="l"/>
+                <a:tab pos="449263" algn="l"/>
+              </a:tabLst>
+            </a:pPr>
+            <a:r>
+              <a:rPr lang="en-US" altLang="ko-KR" sz="1400">
+                <a:ln>
+                  <a:solidFill>
+                    <a:schemeClr val="tx1">
+                      <a:alpha val="29000"/>
+                    </a:schemeClr>
+                  </a:solidFill>
+                </a:ln>
+                <a:latin typeface="+mn-ea"/>
+                <a:cs typeface="맑은 고딕 Semilight" panose="020B0502040204020203" pitchFamily="50" charset="-127"/>
+              </a:rPr>
+              <a:t>window.alert() </a:t>
+            </a:r>
+            <a:r>
+              <a:rPr lang="ko-KR" altLang="en-US" sz="1400">
+                <a:ln>
+                  <a:solidFill>
+                    <a:schemeClr val="tx1">
+                      <a:alpha val="29000"/>
+                    </a:schemeClr>
+                  </a:solidFill>
+                </a:ln>
+                <a:latin typeface="+mn-ea"/>
+                <a:cs typeface="맑은 고딕 Semilight" panose="020B0502040204020203" pitchFamily="50" charset="-127"/>
+              </a:rPr>
+              <a:t>메소드는 </a:t>
+            </a:r>
+            <a:r>
+              <a:rPr lang="ko-KR" altLang="en-US" sz="1400">
+                <a:ln>
+                  <a:solidFill>
+                    <a:schemeClr val="tx1">
+                      <a:alpha val="29000"/>
+                    </a:schemeClr>
+                  </a:solidFill>
+                </a:ln>
+                <a:latin typeface="+mn-ea"/>
+                <a:cs typeface="맑은 고딕 Semilight" panose="020B0502040204020203" pitchFamily="50" charset="-127"/>
+              </a:rPr>
+              <a:t>브라우저와는 </a:t>
+            </a:r>
+            <a:r>
+              <a:rPr lang="ko-KR" altLang="en-US" sz="1400" smtClean="0">
+                <a:ln>
+                  <a:solidFill>
+                    <a:schemeClr val="tx1">
+                      <a:alpha val="29000"/>
+                    </a:schemeClr>
+                  </a:solidFill>
+                </a:ln>
+                <a:latin typeface="+mn-ea"/>
+                <a:cs typeface="맑은 고딕 Semilight" panose="020B0502040204020203" pitchFamily="50" charset="-127"/>
+              </a:rPr>
+              <a:t>별도의</a:t>
+            </a:r>
+            <a:r>
+              <a:rPr lang="en-US" altLang="ko-KR" sz="1400" smtClean="0">
+                <a:ln>
+                  <a:solidFill>
+                    <a:schemeClr val="tx1">
+                      <a:alpha val="29000"/>
+                    </a:schemeClr>
+                  </a:solidFill>
+                </a:ln>
+                <a:latin typeface="+mn-ea"/>
+                <a:cs typeface="맑은 고딕 Semilight" panose="020B0502040204020203" pitchFamily="50" charset="-127"/>
+              </a:rPr>
+              <a:t/>
+            </a:r>
+            <a:br>
+              <a:rPr lang="en-US" altLang="ko-KR" sz="1400" smtClean="0">
+                <a:ln>
+                  <a:solidFill>
+                    <a:schemeClr val="tx1">
+                      <a:alpha val="29000"/>
+                    </a:schemeClr>
+                  </a:solidFill>
+                </a:ln>
+                <a:latin typeface="+mn-ea"/>
+                <a:cs typeface="맑은 고딕 Semilight" panose="020B0502040204020203" pitchFamily="50" charset="-127"/>
+              </a:rPr>
+            </a:br>
+            <a:r>
+              <a:rPr lang="ko-KR" altLang="en-US" sz="1400" smtClean="0">
+                <a:ln>
+                  <a:solidFill>
+                    <a:schemeClr val="tx1">
+                      <a:alpha val="29000"/>
+                    </a:schemeClr>
+                  </a:solidFill>
+                </a:ln>
+                <a:latin typeface="+mn-ea"/>
+                <a:cs typeface="맑은 고딕 Semilight" panose="020B0502040204020203" pitchFamily="50" charset="-127"/>
+              </a:rPr>
+              <a:t> </a:t>
+            </a:r>
+            <a:r>
+              <a:rPr lang="ko-KR" altLang="en-US" sz="1400">
+                <a:ln>
+                  <a:solidFill>
+                    <a:schemeClr val="tx1">
+                      <a:alpha val="29000"/>
+                    </a:schemeClr>
+                  </a:solidFill>
+                </a:ln>
+                <a:latin typeface="+mn-ea"/>
+                <a:cs typeface="맑은 고딕 Semilight" panose="020B0502040204020203" pitchFamily="50" charset="-127"/>
+              </a:rPr>
+              <a:t>대화 상자를 띄워 사용자에게 </a:t>
+            </a:r>
+            <a:r>
+              <a:rPr lang="ko-KR" altLang="en-US" sz="1400">
+                <a:ln>
+                  <a:solidFill>
+                    <a:schemeClr val="tx1">
+                      <a:alpha val="29000"/>
+                    </a:schemeClr>
+                  </a:solidFill>
+                </a:ln>
+                <a:latin typeface="+mn-ea"/>
+                <a:cs typeface="맑은 고딕 Semilight" panose="020B0502040204020203" pitchFamily="50" charset="-127"/>
+              </a:rPr>
+              <a:t>데이터를 </a:t>
+            </a:r>
+            <a:r>
+              <a:rPr lang="ko-KR" altLang="en-US" sz="1400" smtClean="0">
+                <a:ln>
+                  <a:solidFill>
+                    <a:schemeClr val="tx1">
+                      <a:alpha val="29000"/>
+                    </a:schemeClr>
+                  </a:solidFill>
+                </a:ln>
+                <a:latin typeface="+mn-ea"/>
+                <a:cs typeface="맑은 고딕 Semilight" panose="020B0502040204020203" pitchFamily="50" charset="-127"/>
+              </a:rPr>
+              <a:t>전달</a:t>
+            </a:r>
+            <a:endParaRPr lang="en-US" altLang="ko-KR" sz="1400" smtClean="0">
+              <a:ln>
+                <a:solidFill>
+                  <a:schemeClr val="tx1">
+                    <a:alpha val="29000"/>
+                  </a:schemeClr>
+                </a:solidFill>
+              </a:ln>
+              <a:latin typeface="+mn-ea"/>
+              <a:cs typeface="맑은 고딕 Semilight" panose="020B0502040204020203" pitchFamily="50" charset="-127"/>
+            </a:endParaRPr>
+          </a:p>
+        </p:txBody>
+      </p:sp>
+      <p:pic>
+        <p:nvPicPr>
+          <p:cNvPr id="3" name="그림 2"/>
+          <p:cNvPicPr>
+            <a:picLocks noChangeAspect="1"/>
+          </p:cNvPicPr>
+          <p:nvPr/>
+        </p:nvPicPr>
+        <p:blipFill>
+          <a:blip r:embed="rId3"/>
+          <a:stretch>
+            <a:fillRect/>
+          </a:stretch>
+        </p:blipFill>
+        <p:spPr>
+          <a:xfrm>
+            <a:off x="2041525" y="3035106"/>
+            <a:ext cx="6076950" cy="1666875"/>
+          </a:xfrm>
+          <a:prstGeom prst="rect">
+            <a:avLst/>
+          </a:prstGeom>
+        </p:spPr>
+      </p:pic>
+    </p:spTree>
+    <p:extLst>
+      <p:ext uri="{BB962C8B-B14F-4D97-AF65-F5344CB8AC3E}">
+        <p14:creationId xmlns:p14="http://schemas.microsoft.com/office/powerpoint/2010/main" val="1075890363"/>
+      </p:ext>
+    </p:extLst>
+  </p:cSld>
+  <p:clrMapOvr>
+    <a:masterClrMapping/>
+  </p:clrMapOvr>
+  <p:timing>
+    <p:tnLst>
+      <p:par>
+        <p:cTn id="1" dur="indefinite" restart="never" nodeType="tmRoot"/>
+      </p:par>
+    </p:tnLst>
+  </p:timing>
+</p:sld>
+</file>
+
+<file path=ppt/slides/slide7.xml><?xml version="1.0" encoding="utf-8"?>
+<p:sld xmlns:a="http://schemas.openxmlformats.org/drawingml/2006/main" xmlns:r="http://schemas.openxmlformats.org/officeDocument/2006/relationships" xmlns:p="http://schemas.openxmlformats.org/presentationml/2006/main">
+  <p:cSld>
+    <p:spTree>
+      <p:nvGrpSpPr>
+        <p:cNvPr id="1" name=""/>
+        <p:cNvGrpSpPr/>
+        <p:nvPr/>
+      </p:nvGrpSpPr>
+      <p:grpSpPr>
+        <a:xfrm>
+          <a:off x="0" y="0"/>
+          <a:ext cx="0" cy="0"/>
+          <a:chOff x="0" y="0"/>
+          <a:chExt cx="0" cy="0"/>
+        </a:xfrm>
+      </p:grpSpPr>
+      <p:cxnSp>
+        <p:nvCxnSpPr>
+          <p:cNvPr id="7" name="직선 연결선 6"/>
+          <p:cNvCxnSpPr/>
+          <p:nvPr/>
+        </p:nvCxnSpPr>
+        <p:spPr>
+          <a:xfrm>
+            <a:off x="0" y="683316"/>
+            <a:ext cx="4411980" cy="0"/>
+          </a:xfrm>
+          <a:prstGeom prst="line">
+            <a:avLst/>
+          </a:prstGeom>
+          <a:ln w="28575">
+            <a:solidFill>
+              <a:srgbClr val="ED553B"/>
+            </a:solidFill>
+            <a:tailEnd type="oval" w="lg" len="lg"/>
+          </a:ln>
+        </p:spPr>
+        <p:style>
+          <a:lnRef idx="1">
+            <a:schemeClr val="accent1"/>
+          </a:lnRef>
+          <a:fillRef idx="0">
+            <a:schemeClr val="accent1"/>
+          </a:fillRef>
+          <a:effectRef idx="0">
+            <a:schemeClr val="accent1"/>
+          </a:effectRef>
+          <a:fontRef idx="minor">
+            <a:schemeClr val="tx1"/>
+          </a:fontRef>
+        </p:style>
+      </p:cxnSp>
+      <p:sp>
+        <p:nvSpPr>
+          <p:cNvPr id="9" name="TextBox 8"/>
+          <p:cNvSpPr txBox="1"/>
+          <p:nvPr/>
+        </p:nvSpPr>
+        <p:spPr>
+          <a:xfrm>
+            <a:off x="322413" y="140957"/>
+            <a:ext cx="5552787" cy="400110"/>
+          </a:xfrm>
+          <a:prstGeom prst="rect">
+            <a:avLst/>
+          </a:prstGeom>
+          <a:noFill/>
+        </p:spPr>
+        <p:txBody>
+          <a:bodyPr wrap="square" rtlCol="0">
+            <a:spAutoFit/>
+          </a:bodyPr>
+          <a:lstStyle/>
+          <a:p>
+            <a:r>
+              <a:rPr lang="en-US" altLang="ko-KR" sz="2000" smtClean="0">
+                <a:ln>
+                  <a:solidFill>
+                    <a:schemeClr val="tx1">
+                      <a:alpha val="29000"/>
+                    </a:schemeClr>
+                  </a:solidFill>
+                </a:ln>
+                <a:latin typeface="+mn-ea"/>
+                <a:cs typeface="맑은 고딕 Semilight" panose="020B0502040204020203" pitchFamily="50" charset="-127"/>
+              </a:rPr>
+              <a:t>JavaScript</a:t>
+            </a:r>
+            <a:r>
+              <a:rPr lang="ko-KR" altLang="en-US" sz="2000" smtClean="0">
+                <a:ln>
+                  <a:solidFill>
+                    <a:schemeClr val="tx1">
+                      <a:alpha val="29000"/>
+                    </a:schemeClr>
+                  </a:solidFill>
+                </a:ln>
+                <a:latin typeface="+mn-ea"/>
+                <a:cs typeface="맑은 고딕 Semilight" panose="020B0502040204020203" pitchFamily="50" charset="-127"/>
+              </a:rPr>
+              <a:t>에서의 기초기초 문법</a:t>
+            </a:r>
+            <a:endParaRPr lang="en-US" altLang="ko-KR" sz="2000" dirty="0">
+              <a:ln>
+                <a:solidFill>
+                  <a:schemeClr val="tx1">
+                    <a:alpha val="29000"/>
+                  </a:schemeClr>
+                </a:solidFill>
+              </a:ln>
+              <a:latin typeface="+mn-ea"/>
+              <a:cs typeface="맑은 고딕 Semilight" panose="020B0502040204020203" pitchFamily="50" charset="-127"/>
+            </a:endParaRPr>
+          </a:p>
+        </p:txBody>
+      </p:sp>
+      <p:sp>
+        <p:nvSpPr>
+          <p:cNvPr id="74" name="TextBox 73"/>
+          <p:cNvSpPr txBox="1"/>
+          <p:nvPr/>
+        </p:nvSpPr>
+        <p:spPr>
+          <a:xfrm>
+            <a:off x="267599" y="825566"/>
+            <a:ext cx="9578660" cy="2446824"/>
+          </a:xfrm>
+          <a:prstGeom prst="rect">
+            <a:avLst/>
+          </a:prstGeom>
+          <a:noFill/>
+        </p:spPr>
+        <p:txBody>
+          <a:bodyPr wrap="square" rtlCol="0">
+            <a:spAutoFit/>
+          </a:bodyPr>
+          <a:lstStyle/>
+          <a:p>
+            <a:pPr marL="285750" indent="-285750">
+              <a:lnSpc>
+                <a:spcPct val="150000"/>
+              </a:lnSpc>
+              <a:buFont typeface="Arial" panose="020B0604020202020204" pitchFamily="34" charset="0"/>
+              <a:buChar char="•"/>
+            </a:pPr>
+            <a:r>
+              <a:rPr lang="ko-KR" altLang="en-US" sz="1800" smtClean="0">
+                <a:ln>
+                  <a:solidFill>
+                    <a:schemeClr val="tx1">
+                      <a:alpha val="29000"/>
+                    </a:schemeClr>
+                  </a:solidFill>
+                </a:ln>
+                <a:latin typeface="+mn-ea"/>
+                <a:cs typeface="맑은 고딕 Semilight" panose="020B0502040204020203" pitchFamily="50" charset="-127"/>
+                <a:sym typeface="Wingdings" panose="05000000000000000000" pitchFamily="2" charset="2"/>
+              </a:rPr>
+              <a:t>자바스크립트에서의 출력 </a:t>
+            </a:r>
+            <a:r>
+              <a:rPr lang="en-US" altLang="ko-KR" sz="1800">
+                <a:ln>
+                  <a:solidFill>
+                    <a:schemeClr val="tx1">
+                      <a:alpha val="29000"/>
+                    </a:schemeClr>
+                  </a:solidFill>
+                </a:ln>
+                <a:latin typeface="+mn-ea"/>
+                <a:cs typeface="맑은 고딕 Semilight" panose="020B0502040204020203" pitchFamily="50" charset="-127"/>
+                <a:sym typeface="Wingdings" panose="05000000000000000000" pitchFamily="2" charset="2"/>
+              </a:rPr>
+              <a:t>: </a:t>
+            </a:r>
+            <a:r>
+              <a:rPr lang="en-US" altLang="ko-KR" sz="1800">
+                <a:ln>
+                  <a:solidFill>
+                    <a:schemeClr val="tx1">
+                      <a:alpha val="29000"/>
+                    </a:schemeClr>
+                  </a:solidFill>
+                </a:ln>
+                <a:latin typeface="+mn-ea"/>
+                <a:cs typeface="맑은 고딕 Semilight" panose="020B0502040204020203" pitchFamily="50" charset="-127"/>
+                <a:sym typeface="Wingdings" panose="05000000000000000000" pitchFamily="2" charset="2"/>
+              </a:rPr>
+              <a:t>HTML DOM </a:t>
+            </a:r>
+            <a:r>
+              <a:rPr lang="ko-KR" altLang="en-US" sz="1800">
+                <a:ln>
+                  <a:solidFill>
+                    <a:schemeClr val="tx1">
+                      <a:alpha val="29000"/>
+                    </a:schemeClr>
+                  </a:solidFill>
+                </a:ln>
+                <a:latin typeface="+mn-ea"/>
+                <a:cs typeface="맑은 고딕 Semilight" panose="020B0502040204020203" pitchFamily="50" charset="-127"/>
+                <a:sym typeface="Wingdings" panose="05000000000000000000" pitchFamily="2" charset="2"/>
+              </a:rPr>
+              <a:t>요소를 이용한 </a:t>
+            </a:r>
+            <a:r>
+              <a:rPr lang="en-US" altLang="ko-KR" sz="1800">
+                <a:ln>
+                  <a:solidFill>
+                    <a:schemeClr val="tx1">
+                      <a:alpha val="29000"/>
+                    </a:schemeClr>
+                  </a:solidFill>
+                </a:ln>
+                <a:latin typeface="+mn-ea"/>
+                <a:cs typeface="맑은 고딕 Semilight" panose="020B0502040204020203" pitchFamily="50" charset="-127"/>
+                <a:sym typeface="Wingdings" panose="05000000000000000000" pitchFamily="2" charset="2"/>
+              </a:rPr>
+              <a:t>innerHTML </a:t>
+            </a:r>
+            <a:r>
+              <a:rPr lang="ko-KR" altLang="en-US" sz="1800" smtClean="0">
+                <a:ln>
+                  <a:solidFill>
+                    <a:schemeClr val="tx1">
+                      <a:alpha val="29000"/>
+                    </a:schemeClr>
+                  </a:solidFill>
+                </a:ln>
+                <a:latin typeface="+mn-ea"/>
+                <a:cs typeface="맑은 고딕 Semilight" panose="020B0502040204020203" pitchFamily="50" charset="-127"/>
+                <a:sym typeface="Wingdings" panose="05000000000000000000" pitchFamily="2" charset="2"/>
+              </a:rPr>
+              <a:t>프로퍼티</a:t>
+            </a:r>
+            <a:endParaRPr lang="en-US" altLang="ko-KR" sz="1800" smtClean="0">
+              <a:ln>
+                <a:solidFill>
+                  <a:schemeClr val="tx1">
+                    <a:alpha val="29000"/>
+                  </a:schemeClr>
+                </a:solidFill>
+              </a:ln>
+              <a:latin typeface="+mn-ea"/>
+              <a:cs typeface="맑은 고딕 Semilight" panose="020B0502040204020203" pitchFamily="50" charset="-127"/>
+              <a:sym typeface="Wingdings" panose="05000000000000000000" pitchFamily="2" charset="2"/>
+            </a:endParaRPr>
+          </a:p>
+          <a:p>
+            <a:pPr marL="449263" lvl="1" indent="-182563">
+              <a:lnSpc>
+                <a:spcPct val="150000"/>
+              </a:lnSpc>
+              <a:buFontTx/>
+              <a:buChar char="-"/>
+              <a:tabLst>
+                <a:tab pos="182563" algn="l"/>
+                <a:tab pos="449263" algn="l"/>
+              </a:tabLst>
+            </a:pPr>
+            <a:r>
+              <a:rPr lang="ko-KR" altLang="en-US" sz="1400">
+                <a:ln>
+                  <a:solidFill>
+                    <a:schemeClr val="tx1">
+                      <a:alpha val="29000"/>
+                    </a:schemeClr>
+                  </a:solidFill>
+                </a:ln>
+                <a:latin typeface="+mn-ea"/>
+                <a:cs typeface="맑은 고딕 Semilight" panose="020B0502040204020203" pitchFamily="50" charset="-127"/>
+              </a:rPr>
+              <a:t>실제 자바스크립트 코드에서 출력을 위해 가장 많이 </a:t>
+            </a:r>
+            <a:r>
+              <a:rPr lang="ko-KR" altLang="en-US" sz="1400">
+                <a:ln>
+                  <a:solidFill>
+                    <a:schemeClr val="tx1">
+                      <a:alpha val="29000"/>
+                    </a:schemeClr>
+                  </a:solidFill>
+                </a:ln>
+                <a:latin typeface="+mn-ea"/>
+                <a:cs typeface="맑은 고딕 Semilight" panose="020B0502040204020203" pitchFamily="50" charset="-127"/>
+              </a:rPr>
+              <a:t>사용되는 </a:t>
+            </a:r>
+            <a:r>
+              <a:rPr lang="ko-KR" altLang="en-US" sz="1400" smtClean="0">
+                <a:ln>
+                  <a:solidFill>
+                    <a:schemeClr val="tx1">
+                      <a:alpha val="29000"/>
+                    </a:schemeClr>
+                  </a:solidFill>
+                </a:ln>
+                <a:latin typeface="+mn-ea"/>
+                <a:cs typeface="맑은 고딕 Semilight" panose="020B0502040204020203" pitchFamily="50" charset="-127"/>
+              </a:rPr>
+              <a:t>방법은</a:t>
+            </a:r>
+            <a:r>
+              <a:rPr lang="en-US" altLang="ko-KR" sz="1400" smtClean="0">
+                <a:ln>
+                  <a:solidFill>
+                    <a:schemeClr val="tx1">
+                      <a:alpha val="29000"/>
+                    </a:schemeClr>
+                  </a:solidFill>
+                </a:ln>
+                <a:latin typeface="+mn-ea"/>
+                <a:cs typeface="맑은 고딕 Semilight" panose="020B0502040204020203" pitchFamily="50" charset="-127"/>
+              </a:rPr>
+              <a:t/>
+            </a:r>
+            <a:br>
+              <a:rPr lang="en-US" altLang="ko-KR" sz="1400" smtClean="0">
+                <a:ln>
+                  <a:solidFill>
+                    <a:schemeClr val="tx1">
+                      <a:alpha val="29000"/>
+                    </a:schemeClr>
+                  </a:solidFill>
+                </a:ln>
+                <a:latin typeface="+mn-ea"/>
+                <a:cs typeface="맑은 고딕 Semilight" panose="020B0502040204020203" pitchFamily="50" charset="-127"/>
+              </a:rPr>
+            </a:br>
+            <a:r>
+              <a:rPr lang="ko-KR" altLang="en-US" sz="1400" smtClean="0">
+                <a:ln>
+                  <a:solidFill>
+                    <a:schemeClr val="tx1">
+                      <a:alpha val="29000"/>
+                    </a:schemeClr>
+                  </a:solidFill>
+                </a:ln>
+                <a:latin typeface="+mn-ea"/>
+                <a:cs typeface="맑은 고딕 Semilight" panose="020B0502040204020203" pitchFamily="50" charset="-127"/>
+              </a:rPr>
+              <a:t> </a:t>
+            </a:r>
+            <a:r>
+              <a:rPr lang="en-US" altLang="ko-KR" sz="1400">
+                <a:ln>
+                  <a:solidFill>
+                    <a:schemeClr val="tx1">
+                      <a:alpha val="29000"/>
+                    </a:schemeClr>
+                  </a:solidFill>
+                </a:ln>
+                <a:latin typeface="+mn-ea"/>
+                <a:cs typeface="맑은 고딕 Semilight" panose="020B0502040204020203" pitchFamily="50" charset="-127"/>
+              </a:rPr>
+              <a:t>HTML DOM </a:t>
+            </a:r>
+            <a:r>
+              <a:rPr lang="ko-KR" altLang="en-US" sz="1400">
+                <a:ln>
+                  <a:solidFill>
+                    <a:schemeClr val="tx1">
+                      <a:alpha val="29000"/>
+                    </a:schemeClr>
+                  </a:solidFill>
+                </a:ln>
+                <a:latin typeface="+mn-ea"/>
+                <a:cs typeface="맑은 고딕 Semilight" panose="020B0502040204020203" pitchFamily="50" charset="-127"/>
+              </a:rPr>
+              <a:t>요소를 이용한 </a:t>
+            </a:r>
+            <a:r>
+              <a:rPr lang="en-US" altLang="ko-KR" sz="1400">
+                <a:ln>
+                  <a:solidFill>
+                    <a:schemeClr val="tx1">
+                      <a:alpha val="29000"/>
+                    </a:schemeClr>
+                  </a:solidFill>
+                </a:ln>
+                <a:latin typeface="+mn-ea"/>
+                <a:cs typeface="맑은 고딕 Semilight" panose="020B0502040204020203" pitchFamily="50" charset="-127"/>
+              </a:rPr>
+              <a:t>innerHTML </a:t>
+            </a:r>
+            <a:r>
+              <a:rPr lang="ko-KR" altLang="en-US" sz="1400">
+                <a:ln>
+                  <a:solidFill>
+                    <a:schemeClr val="tx1">
+                      <a:alpha val="29000"/>
+                    </a:schemeClr>
+                  </a:solidFill>
+                </a:ln>
+                <a:latin typeface="+mn-ea"/>
+                <a:cs typeface="맑은 고딕 Semilight" panose="020B0502040204020203" pitchFamily="50" charset="-127"/>
+              </a:rPr>
+              <a:t>프로퍼티를 </a:t>
+            </a:r>
+            <a:r>
+              <a:rPr lang="ko-KR" altLang="en-US" sz="1400">
+                <a:ln>
+                  <a:solidFill>
+                    <a:schemeClr val="tx1">
+                      <a:alpha val="29000"/>
+                    </a:schemeClr>
+                  </a:solidFill>
+                </a:ln>
+                <a:latin typeface="+mn-ea"/>
+                <a:cs typeface="맑은 고딕 Semilight" panose="020B0502040204020203" pitchFamily="50" charset="-127"/>
+              </a:rPr>
+              <a:t>이용하는 </a:t>
+            </a:r>
+            <a:r>
+              <a:rPr lang="ko-KR" altLang="en-US" sz="1400" smtClean="0">
+                <a:ln>
+                  <a:solidFill>
+                    <a:schemeClr val="tx1">
+                      <a:alpha val="29000"/>
+                    </a:schemeClr>
+                  </a:solidFill>
+                </a:ln>
+                <a:latin typeface="+mn-ea"/>
+                <a:cs typeface="맑은 고딕 Semilight" panose="020B0502040204020203" pitchFamily="50" charset="-127"/>
+              </a:rPr>
+              <a:t>방법</a:t>
+            </a:r>
+            <a:endParaRPr lang="en-US" altLang="ko-KR" sz="1400">
+              <a:ln>
+                <a:solidFill>
+                  <a:schemeClr val="tx1">
+                    <a:alpha val="29000"/>
+                  </a:schemeClr>
+                </a:solidFill>
+              </a:ln>
+              <a:latin typeface="+mn-ea"/>
+              <a:cs typeface="맑은 고딕 Semilight" panose="020B0502040204020203" pitchFamily="50" charset="-127"/>
+            </a:endParaRPr>
+          </a:p>
+          <a:p>
+            <a:pPr marL="449263" lvl="1" indent="-182563">
+              <a:lnSpc>
+                <a:spcPct val="150000"/>
+              </a:lnSpc>
+              <a:buFontTx/>
+              <a:buChar char="-"/>
+              <a:tabLst>
+                <a:tab pos="182563" algn="l"/>
+                <a:tab pos="449263" algn="l"/>
+              </a:tabLst>
+            </a:pPr>
+            <a:r>
+              <a:rPr lang="ko-KR" altLang="en-US" sz="1400">
+                <a:ln>
+                  <a:solidFill>
+                    <a:schemeClr val="tx1">
+                      <a:alpha val="29000"/>
+                    </a:schemeClr>
+                  </a:solidFill>
+                </a:ln>
+                <a:latin typeface="+mn-ea"/>
+                <a:cs typeface="맑은 고딕 Semilight" panose="020B0502040204020203" pitchFamily="50" charset="-127"/>
+              </a:rPr>
+              <a:t>우선 </a:t>
+            </a:r>
+            <a:r>
+              <a:rPr lang="en-US" altLang="ko-KR" sz="1400">
+                <a:ln>
+                  <a:solidFill>
+                    <a:schemeClr val="tx1">
+                      <a:alpha val="29000"/>
+                    </a:schemeClr>
+                  </a:solidFill>
+                </a:ln>
+                <a:latin typeface="+mn-ea"/>
+                <a:cs typeface="맑은 고딕 Semilight" panose="020B0502040204020203" pitchFamily="50" charset="-127"/>
+              </a:rPr>
+              <a:t>document </a:t>
+            </a:r>
+            <a:r>
+              <a:rPr lang="ko-KR" altLang="en-US" sz="1400">
+                <a:ln>
+                  <a:solidFill>
+                    <a:schemeClr val="tx1">
+                      <a:alpha val="29000"/>
+                    </a:schemeClr>
+                  </a:solidFill>
+                </a:ln>
+                <a:latin typeface="+mn-ea"/>
+                <a:cs typeface="맑은 고딕 Semilight" panose="020B0502040204020203" pitchFamily="50" charset="-127"/>
+              </a:rPr>
+              <a:t>객체의 </a:t>
+            </a:r>
+            <a:r>
+              <a:rPr lang="en-US" altLang="ko-KR" sz="1400">
+                <a:ln>
+                  <a:solidFill>
+                    <a:schemeClr val="tx1">
+                      <a:alpha val="29000"/>
+                    </a:schemeClr>
+                  </a:solidFill>
+                </a:ln>
+                <a:latin typeface="+mn-ea"/>
+                <a:cs typeface="맑은 고딕 Semilight" panose="020B0502040204020203" pitchFamily="50" charset="-127"/>
+              </a:rPr>
+              <a:t>getElementByID()</a:t>
+            </a:r>
+            <a:r>
+              <a:rPr lang="ko-KR" altLang="en-US" sz="1400">
+                <a:ln>
+                  <a:solidFill>
+                    <a:schemeClr val="tx1">
+                      <a:alpha val="29000"/>
+                    </a:schemeClr>
+                  </a:solidFill>
+                </a:ln>
+                <a:latin typeface="+mn-ea"/>
+                <a:cs typeface="맑은 고딕 Semilight" panose="020B0502040204020203" pitchFamily="50" charset="-127"/>
+              </a:rPr>
+              <a:t>나 </a:t>
+            </a:r>
+            <a:r>
+              <a:rPr lang="en-US" altLang="ko-KR" sz="1400">
+                <a:ln>
+                  <a:solidFill>
+                    <a:schemeClr val="tx1">
+                      <a:alpha val="29000"/>
+                    </a:schemeClr>
+                  </a:solidFill>
+                </a:ln>
+                <a:latin typeface="+mn-ea"/>
+                <a:cs typeface="맑은 고딕 Semilight" panose="020B0502040204020203" pitchFamily="50" charset="-127"/>
+              </a:rPr>
+              <a:t>getElementsByTagName() </a:t>
+            </a:r>
+            <a:r>
+              <a:rPr lang="ko-KR" altLang="en-US" sz="1400">
+                <a:ln>
+                  <a:solidFill>
+                    <a:schemeClr val="tx1">
+                      <a:alpha val="29000"/>
+                    </a:schemeClr>
+                  </a:solidFill>
+                </a:ln>
+                <a:latin typeface="+mn-ea"/>
+                <a:cs typeface="맑은 고딕 Semilight" panose="020B0502040204020203" pitchFamily="50" charset="-127"/>
+              </a:rPr>
+              <a:t>등의 </a:t>
+            </a:r>
+            <a:r>
+              <a:rPr lang="ko-KR" altLang="en-US" sz="1400">
+                <a:ln>
+                  <a:solidFill>
+                    <a:schemeClr val="tx1">
+                      <a:alpha val="29000"/>
+                    </a:schemeClr>
+                  </a:solidFill>
+                </a:ln>
+                <a:latin typeface="+mn-ea"/>
+                <a:cs typeface="맑은 고딕 Semilight" panose="020B0502040204020203" pitchFamily="50" charset="-127"/>
+              </a:rPr>
+              <a:t>메소드를 </a:t>
+            </a:r>
+            <a:r>
+              <a:rPr lang="ko-KR" altLang="en-US" sz="1400" smtClean="0">
+                <a:ln>
+                  <a:solidFill>
+                    <a:schemeClr val="tx1">
+                      <a:alpha val="29000"/>
+                    </a:schemeClr>
+                  </a:solidFill>
+                </a:ln>
+                <a:latin typeface="+mn-ea"/>
+                <a:cs typeface="맑은 고딕 Semilight" panose="020B0502040204020203" pitchFamily="50" charset="-127"/>
+              </a:rPr>
+              <a:t>사용하여</a:t>
+            </a:r>
+            <a:r>
+              <a:rPr lang="en-US" altLang="ko-KR" sz="1400" smtClean="0">
+                <a:ln>
+                  <a:solidFill>
+                    <a:schemeClr val="tx1">
+                      <a:alpha val="29000"/>
+                    </a:schemeClr>
+                  </a:solidFill>
+                </a:ln>
+                <a:latin typeface="+mn-ea"/>
+                <a:cs typeface="맑은 고딕 Semilight" panose="020B0502040204020203" pitchFamily="50" charset="-127"/>
+              </a:rPr>
+              <a:t/>
+            </a:r>
+            <a:br>
+              <a:rPr lang="en-US" altLang="ko-KR" sz="1400" smtClean="0">
+                <a:ln>
+                  <a:solidFill>
+                    <a:schemeClr val="tx1">
+                      <a:alpha val="29000"/>
+                    </a:schemeClr>
+                  </a:solidFill>
+                </a:ln>
+                <a:latin typeface="+mn-ea"/>
+                <a:cs typeface="맑은 고딕 Semilight" panose="020B0502040204020203" pitchFamily="50" charset="-127"/>
+              </a:rPr>
+            </a:br>
+            <a:r>
+              <a:rPr lang="ko-KR" altLang="en-US" sz="1400" smtClean="0">
+                <a:ln>
+                  <a:solidFill>
+                    <a:schemeClr val="tx1">
+                      <a:alpha val="29000"/>
+                    </a:schemeClr>
+                  </a:solidFill>
+                </a:ln>
+                <a:latin typeface="+mn-ea"/>
+                <a:cs typeface="맑은 고딕 Semilight" panose="020B0502040204020203" pitchFamily="50" charset="-127"/>
+              </a:rPr>
+              <a:t> </a:t>
+            </a:r>
+            <a:r>
+              <a:rPr lang="en-US" altLang="ko-KR" sz="1400">
+                <a:ln>
+                  <a:solidFill>
+                    <a:schemeClr val="tx1">
+                      <a:alpha val="29000"/>
+                    </a:schemeClr>
+                  </a:solidFill>
+                </a:ln>
+                <a:latin typeface="+mn-ea"/>
+                <a:cs typeface="맑은 고딕 Semilight" panose="020B0502040204020203" pitchFamily="50" charset="-127"/>
+              </a:rPr>
+              <a:t>HTML </a:t>
+            </a:r>
+            <a:r>
+              <a:rPr lang="ko-KR" altLang="en-US" sz="1400">
+                <a:ln>
+                  <a:solidFill>
+                    <a:schemeClr val="tx1">
+                      <a:alpha val="29000"/>
+                    </a:schemeClr>
+                  </a:solidFill>
+                </a:ln>
+                <a:latin typeface="+mn-ea"/>
+                <a:cs typeface="맑은 고딕 Semilight" panose="020B0502040204020203" pitchFamily="50" charset="-127"/>
+              </a:rPr>
+              <a:t>요소를 </a:t>
+            </a:r>
+            <a:r>
+              <a:rPr lang="ko-KR" altLang="en-US" sz="1400" smtClean="0">
+                <a:ln>
+                  <a:solidFill>
+                    <a:schemeClr val="tx1">
+                      <a:alpha val="29000"/>
+                    </a:schemeClr>
+                  </a:solidFill>
+                </a:ln>
+                <a:latin typeface="+mn-ea"/>
+                <a:cs typeface="맑은 고딕 Semilight" panose="020B0502040204020203" pitchFamily="50" charset="-127"/>
+              </a:rPr>
+              <a:t>선택</a:t>
+            </a:r>
+            <a:endParaRPr lang="en-US" altLang="ko-KR" sz="1400">
+              <a:ln>
+                <a:solidFill>
+                  <a:schemeClr val="tx1">
+                    <a:alpha val="29000"/>
+                  </a:schemeClr>
+                </a:solidFill>
+              </a:ln>
+              <a:latin typeface="+mn-ea"/>
+              <a:cs typeface="맑은 고딕 Semilight" panose="020B0502040204020203" pitchFamily="50" charset="-127"/>
+            </a:endParaRPr>
+          </a:p>
+          <a:p>
+            <a:pPr marL="449263" lvl="1" indent="-182563">
+              <a:lnSpc>
+                <a:spcPct val="150000"/>
+              </a:lnSpc>
+              <a:buFontTx/>
+              <a:buChar char="-"/>
+              <a:tabLst>
+                <a:tab pos="182563" algn="l"/>
+                <a:tab pos="449263" algn="l"/>
+              </a:tabLst>
+            </a:pPr>
+            <a:r>
+              <a:rPr lang="en-US" altLang="ko-KR" sz="1400" smtClean="0">
+                <a:ln>
+                  <a:solidFill>
+                    <a:schemeClr val="tx1">
+                      <a:alpha val="29000"/>
+                    </a:schemeClr>
+                  </a:solidFill>
+                </a:ln>
+                <a:latin typeface="+mn-ea"/>
+                <a:cs typeface="맑은 고딕 Semilight" panose="020B0502040204020203" pitchFamily="50" charset="-127"/>
+              </a:rPr>
+              <a:t>innerHTML </a:t>
+            </a:r>
+            <a:r>
+              <a:rPr lang="ko-KR" altLang="en-US" sz="1400">
+                <a:ln>
+                  <a:solidFill>
+                    <a:schemeClr val="tx1">
+                      <a:alpha val="29000"/>
+                    </a:schemeClr>
+                  </a:solidFill>
+                </a:ln>
+                <a:latin typeface="+mn-ea"/>
+                <a:cs typeface="맑은 고딕 Semilight" panose="020B0502040204020203" pitchFamily="50" charset="-127"/>
+              </a:rPr>
+              <a:t>프로퍼티를 이용하면 선택된 </a:t>
+            </a:r>
+            <a:r>
+              <a:rPr lang="en-US" altLang="ko-KR" sz="1400">
+                <a:ln>
+                  <a:solidFill>
+                    <a:schemeClr val="tx1">
+                      <a:alpha val="29000"/>
+                    </a:schemeClr>
+                  </a:solidFill>
+                </a:ln>
+                <a:latin typeface="+mn-ea"/>
+                <a:cs typeface="맑은 고딕 Semilight" panose="020B0502040204020203" pitchFamily="50" charset="-127"/>
+              </a:rPr>
+              <a:t>HTML </a:t>
+            </a:r>
+            <a:r>
+              <a:rPr lang="ko-KR" altLang="en-US" sz="1400" smtClean="0">
+                <a:ln>
+                  <a:solidFill>
+                    <a:schemeClr val="tx1">
+                      <a:alpha val="29000"/>
+                    </a:schemeClr>
+                  </a:solidFill>
+                </a:ln>
+                <a:latin typeface="+mn-ea"/>
+                <a:cs typeface="맑은 고딕 Semilight" panose="020B0502040204020203" pitchFamily="50" charset="-127"/>
+              </a:rPr>
+              <a:t>요소의</a:t>
+            </a:r>
+            <a:r>
+              <a:rPr lang="en-US" altLang="ko-KR" sz="1400" smtClean="0">
+                <a:ln>
+                  <a:solidFill>
+                    <a:schemeClr val="tx1">
+                      <a:alpha val="29000"/>
+                    </a:schemeClr>
+                  </a:solidFill>
+                </a:ln>
+                <a:latin typeface="+mn-ea"/>
+                <a:cs typeface="맑은 고딕 Semilight" panose="020B0502040204020203" pitchFamily="50" charset="-127"/>
+              </a:rPr>
+              <a:t/>
+            </a:r>
+            <a:br>
+              <a:rPr lang="en-US" altLang="ko-KR" sz="1400" smtClean="0">
+                <a:ln>
+                  <a:solidFill>
+                    <a:schemeClr val="tx1">
+                      <a:alpha val="29000"/>
+                    </a:schemeClr>
+                  </a:solidFill>
+                </a:ln>
+                <a:latin typeface="+mn-ea"/>
+                <a:cs typeface="맑은 고딕 Semilight" panose="020B0502040204020203" pitchFamily="50" charset="-127"/>
+              </a:rPr>
+            </a:br>
+            <a:r>
+              <a:rPr lang="ko-KR" altLang="en-US" sz="1400" smtClean="0">
+                <a:ln>
+                  <a:solidFill>
+                    <a:schemeClr val="tx1">
+                      <a:alpha val="29000"/>
+                    </a:schemeClr>
+                  </a:solidFill>
+                </a:ln>
+                <a:latin typeface="+mn-ea"/>
+                <a:cs typeface="맑은 고딕 Semilight" panose="020B0502040204020203" pitchFamily="50" charset="-127"/>
+              </a:rPr>
+              <a:t> </a:t>
+            </a:r>
+            <a:r>
+              <a:rPr lang="ko-KR" altLang="en-US" sz="1400">
+                <a:ln>
+                  <a:solidFill>
+                    <a:schemeClr val="tx1">
+                      <a:alpha val="29000"/>
+                    </a:schemeClr>
+                  </a:solidFill>
+                </a:ln>
+                <a:latin typeface="+mn-ea"/>
+                <a:cs typeface="맑은 고딕 Semilight" panose="020B0502040204020203" pitchFamily="50" charset="-127"/>
+              </a:rPr>
+              <a:t>내용</a:t>
+            </a:r>
+            <a:r>
+              <a:rPr lang="en-US" altLang="ko-KR" sz="1400">
+                <a:ln>
+                  <a:solidFill>
+                    <a:schemeClr val="tx1">
+                      <a:alpha val="29000"/>
+                    </a:schemeClr>
+                  </a:solidFill>
+                </a:ln>
+                <a:latin typeface="+mn-ea"/>
+                <a:cs typeface="맑은 고딕 Semilight" panose="020B0502040204020203" pitchFamily="50" charset="-127"/>
+              </a:rPr>
+              <a:t>(content)</a:t>
+            </a:r>
+            <a:r>
+              <a:rPr lang="ko-KR" altLang="en-US" sz="1400">
+                <a:ln>
+                  <a:solidFill>
+                    <a:schemeClr val="tx1">
+                      <a:alpha val="29000"/>
+                    </a:schemeClr>
+                  </a:solidFill>
+                </a:ln>
+                <a:latin typeface="+mn-ea"/>
+                <a:cs typeface="맑은 고딕 Semilight" panose="020B0502040204020203" pitchFamily="50" charset="-127"/>
+              </a:rPr>
+              <a:t>이나 속성</a:t>
+            </a:r>
+            <a:r>
+              <a:rPr lang="en-US" altLang="ko-KR" sz="1400">
+                <a:ln>
+                  <a:solidFill>
+                    <a:schemeClr val="tx1">
+                      <a:alpha val="29000"/>
+                    </a:schemeClr>
+                  </a:solidFill>
+                </a:ln>
+                <a:latin typeface="+mn-ea"/>
+                <a:cs typeface="맑은 고딕 Semilight" panose="020B0502040204020203" pitchFamily="50" charset="-127"/>
+              </a:rPr>
+              <a:t>(attribute)</a:t>
+            </a:r>
+            <a:r>
+              <a:rPr lang="ko-KR" altLang="en-US" sz="1400">
+                <a:ln>
+                  <a:solidFill>
+                    <a:schemeClr val="tx1">
+                      <a:alpha val="29000"/>
+                    </a:schemeClr>
+                  </a:solidFill>
+                </a:ln>
+                <a:latin typeface="+mn-ea"/>
+                <a:cs typeface="맑은 고딕 Semilight" panose="020B0502040204020203" pitchFamily="50" charset="-127"/>
+              </a:rPr>
+              <a:t>값 등을 </a:t>
+            </a:r>
+            <a:r>
+              <a:rPr lang="ko-KR" altLang="en-US" sz="1400">
+                <a:ln>
+                  <a:solidFill>
+                    <a:schemeClr val="tx1">
+                      <a:alpha val="29000"/>
+                    </a:schemeClr>
+                  </a:solidFill>
+                </a:ln>
+                <a:latin typeface="+mn-ea"/>
+                <a:cs typeface="맑은 고딕 Semilight" panose="020B0502040204020203" pitchFamily="50" charset="-127"/>
+              </a:rPr>
+              <a:t>손쉽게 </a:t>
+            </a:r>
+            <a:r>
+              <a:rPr lang="ko-KR" altLang="en-US" sz="1400" smtClean="0">
+                <a:ln>
+                  <a:solidFill>
+                    <a:schemeClr val="tx1">
+                      <a:alpha val="29000"/>
+                    </a:schemeClr>
+                  </a:solidFill>
+                </a:ln>
+                <a:latin typeface="+mn-ea"/>
+                <a:cs typeface="맑은 고딕 Semilight" panose="020B0502040204020203" pitchFamily="50" charset="-127"/>
+              </a:rPr>
+              <a:t>변경</a:t>
+            </a:r>
+            <a:endParaRPr lang="en-US" altLang="ko-KR" sz="1400">
+              <a:ln>
+                <a:solidFill>
+                  <a:schemeClr val="tx1">
+                    <a:alpha val="29000"/>
+                  </a:schemeClr>
+                </a:solidFill>
+              </a:ln>
+              <a:latin typeface="+mn-ea"/>
+              <a:cs typeface="맑은 고딕 Semilight" panose="020B0502040204020203" pitchFamily="50" charset="-127"/>
+            </a:endParaRPr>
+          </a:p>
+        </p:txBody>
+      </p:sp>
+      <p:pic>
+        <p:nvPicPr>
+          <p:cNvPr id="2" name="그림 1"/>
+          <p:cNvPicPr>
+            <a:picLocks noChangeAspect="1"/>
+          </p:cNvPicPr>
+          <p:nvPr/>
+        </p:nvPicPr>
+        <p:blipFill>
+          <a:blip r:embed="rId3"/>
+          <a:stretch>
+            <a:fillRect/>
+          </a:stretch>
+        </p:blipFill>
+        <p:spPr>
+          <a:xfrm>
+            <a:off x="2051050" y="3556889"/>
+            <a:ext cx="6057900" cy="1323975"/>
+          </a:xfrm>
+          <a:prstGeom prst="rect">
+            <a:avLst/>
+          </a:prstGeom>
+        </p:spPr>
+      </p:pic>
+    </p:spTree>
+    <p:extLst>
+      <p:ext uri="{BB962C8B-B14F-4D97-AF65-F5344CB8AC3E}">
+        <p14:creationId xmlns:p14="http://schemas.microsoft.com/office/powerpoint/2010/main" val="1205394288"/>
+      </p:ext>
+    </p:extLst>
+  </p:cSld>
+  <p:clrMapOvr>
+    <a:masterClrMapping/>
+  </p:clrMapOvr>
+  <p:timing>
+    <p:tnLst>
+      <p:par>
+        <p:cTn id="1" dur="indefinite" restart="never" nodeType="tmRoot"/>
+      </p:par>
+    </p:tnLst>
+  </p:timing>
+</p:sld>
+</file>
+
+<file path=ppt/slides/slide8.xml><?xml version="1.0" encoding="utf-8"?>
+<p:sld xmlns:a="http://schemas.openxmlformats.org/drawingml/2006/main" xmlns:r="http://schemas.openxmlformats.org/officeDocument/2006/relationships" xmlns:p="http://schemas.openxmlformats.org/presentationml/2006/main">
+  <p:cSld>
+    <p:spTree>
+      <p:nvGrpSpPr>
+        <p:cNvPr id="1" name=""/>
+        <p:cNvGrpSpPr/>
+        <p:nvPr/>
+      </p:nvGrpSpPr>
+      <p:grpSpPr>
+        <a:xfrm>
+          <a:off x="0" y="0"/>
+          <a:ext cx="0" cy="0"/>
+          <a:chOff x="0" y="0"/>
+          <a:chExt cx="0" cy="0"/>
+        </a:xfrm>
+      </p:grpSpPr>
+      <p:cxnSp>
+        <p:nvCxnSpPr>
+          <p:cNvPr id="7" name="직선 연결선 6"/>
+          <p:cNvCxnSpPr/>
+          <p:nvPr/>
+        </p:nvCxnSpPr>
+        <p:spPr>
+          <a:xfrm>
+            <a:off x="0" y="683316"/>
+            <a:ext cx="4411980" cy="0"/>
+          </a:xfrm>
+          <a:prstGeom prst="line">
+            <a:avLst/>
+          </a:prstGeom>
+          <a:ln w="28575">
+            <a:solidFill>
+              <a:srgbClr val="ED553B"/>
+            </a:solidFill>
+            <a:tailEnd type="oval" w="lg" len="lg"/>
+          </a:ln>
+        </p:spPr>
+        <p:style>
+          <a:lnRef idx="1">
+            <a:schemeClr val="accent1"/>
+          </a:lnRef>
+          <a:fillRef idx="0">
+            <a:schemeClr val="accent1"/>
+          </a:fillRef>
+          <a:effectRef idx="0">
+            <a:schemeClr val="accent1"/>
+          </a:effectRef>
+          <a:fontRef idx="minor">
+            <a:schemeClr val="tx1"/>
+          </a:fontRef>
+        </p:style>
+      </p:cxnSp>
+      <p:sp>
+        <p:nvSpPr>
+          <p:cNvPr id="9" name="TextBox 8"/>
+          <p:cNvSpPr txBox="1"/>
+          <p:nvPr/>
+        </p:nvSpPr>
+        <p:spPr>
+          <a:xfrm>
+            <a:off x="322413" y="140957"/>
+            <a:ext cx="5552787" cy="400110"/>
+          </a:xfrm>
+          <a:prstGeom prst="rect">
+            <a:avLst/>
+          </a:prstGeom>
+          <a:noFill/>
+        </p:spPr>
+        <p:txBody>
+          <a:bodyPr wrap="square" rtlCol="0">
+            <a:spAutoFit/>
+          </a:bodyPr>
+          <a:lstStyle/>
+          <a:p>
+            <a:r>
+              <a:rPr lang="en-US" altLang="ko-KR" sz="2000" smtClean="0">
+                <a:ln>
+                  <a:solidFill>
+                    <a:schemeClr val="tx1">
+                      <a:alpha val="29000"/>
+                    </a:schemeClr>
+                  </a:solidFill>
+                </a:ln>
+                <a:latin typeface="+mn-ea"/>
+                <a:cs typeface="맑은 고딕 Semilight" panose="020B0502040204020203" pitchFamily="50" charset="-127"/>
+              </a:rPr>
+              <a:t>JavaScript</a:t>
+            </a:r>
+            <a:r>
+              <a:rPr lang="ko-KR" altLang="en-US" sz="2000" smtClean="0">
+                <a:ln>
+                  <a:solidFill>
+                    <a:schemeClr val="tx1">
+                      <a:alpha val="29000"/>
+                    </a:schemeClr>
+                  </a:solidFill>
+                </a:ln>
+                <a:latin typeface="+mn-ea"/>
+                <a:cs typeface="맑은 고딕 Semilight" panose="020B0502040204020203" pitchFamily="50" charset="-127"/>
+              </a:rPr>
+              <a:t>에서의 기초기초 문법</a:t>
+            </a:r>
+            <a:endParaRPr lang="en-US" altLang="ko-KR" sz="2000" dirty="0">
+              <a:ln>
+                <a:solidFill>
+                  <a:schemeClr val="tx1">
+                    <a:alpha val="29000"/>
+                  </a:schemeClr>
+                </a:solidFill>
+              </a:ln>
+              <a:latin typeface="+mn-ea"/>
+              <a:cs typeface="맑은 고딕 Semilight" panose="020B0502040204020203" pitchFamily="50" charset="-127"/>
+            </a:endParaRPr>
+          </a:p>
+        </p:txBody>
+      </p:sp>
+      <p:sp>
+        <p:nvSpPr>
+          <p:cNvPr id="74" name="TextBox 73"/>
+          <p:cNvSpPr txBox="1"/>
+          <p:nvPr/>
+        </p:nvSpPr>
+        <p:spPr>
+          <a:xfrm>
+            <a:off x="267599" y="825566"/>
+            <a:ext cx="9578660" cy="2769989"/>
+          </a:xfrm>
+          <a:prstGeom prst="rect">
+            <a:avLst/>
+          </a:prstGeom>
+          <a:noFill/>
+        </p:spPr>
+        <p:txBody>
+          <a:bodyPr wrap="square" rtlCol="0">
+            <a:spAutoFit/>
+          </a:bodyPr>
+          <a:lstStyle/>
+          <a:p>
+            <a:pPr marL="285750" indent="-285750">
+              <a:lnSpc>
+                <a:spcPct val="150000"/>
+              </a:lnSpc>
+              <a:buFont typeface="Arial" panose="020B0604020202020204" pitchFamily="34" charset="0"/>
+              <a:buChar char="•"/>
+            </a:pPr>
+            <a:r>
+              <a:rPr lang="ko-KR" altLang="en-US" sz="1800" smtClean="0">
+                <a:ln>
+                  <a:solidFill>
+                    <a:schemeClr val="tx1">
+                      <a:alpha val="29000"/>
+                    </a:schemeClr>
+                  </a:solidFill>
+                </a:ln>
+                <a:latin typeface="+mn-ea"/>
+                <a:cs typeface="맑은 고딕 Semilight" panose="020B0502040204020203" pitchFamily="50" charset="-127"/>
+                <a:sym typeface="Wingdings" panose="05000000000000000000" pitchFamily="2" charset="2"/>
+              </a:rPr>
+              <a:t>자바스크립트에서의 출력 </a:t>
+            </a:r>
+            <a:r>
+              <a:rPr lang="en-US" altLang="ko-KR" sz="1800">
+                <a:ln>
+                  <a:solidFill>
+                    <a:schemeClr val="tx1">
+                      <a:alpha val="29000"/>
+                    </a:schemeClr>
+                  </a:solidFill>
+                </a:ln>
+                <a:latin typeface="+mn-ea"/>
+                <a:cs typeface="맑은 고딕 Semilight" panose="020B0502040204020203" pitchFamily="50" charset="-127"/>
+                <a:sym typeface="Wingdings" panose="05000000000000000000" pitchFamily="2" charset="2"/>
+              </a:rPr>
+              <a:t>: </a:t>
+            </a:r>
+            <a:r>
+              <a:rPr lang="en-US" altLang="ko-KR" sz="1800">
+                <a:ln>
+                  <a:solidFill>
+                    <a:schemeClr val="tx1">
+                      <a:alpha val="29000"/>
+                    </a:schemeClr>
+                  </a:solidFill>
+                </a:ln>
+                <a:latin typeface="+mn-ea"/>
+                <a:cs typeface="맑은 고딕 Semilight" panose="020B0502040204020203" pitchFamily="50" charset="-127"/>
+                <a:sym typeface="Wingdings" panose="05000000000000000000" pitchFamily="2" charset="2"/>
+              </a:rPr>
+              <a:t>document.write</a:t>
+            </a:r>
+            <a:r>
+              <a:rPr lang="en-US" altLang="ko-KR" sz="1800">
+                <a:ln>
+                  <a:solidFill>
+                    <a:schemeClr val="tx1">
+                      <a:alpha val="29000"/>
+                    </a:schemeClr>
+                  </a:solidFill>
+                </a:ln>
+                <a:latin typeface="+mn-ea"/>
+                <a:cs typeface="맑은 고딕 Semilight" panose="020B0502040204020203" pitchFamily="50" charset="-127"/>
+                <a:sym typeface="Wingdings" panose="05000000000000000000" pitchFamily="2" charset="2"/>
+              </a:rPr>
+              <a:t>() </a:t>
+            </a:r>
+            <a:r>
+              <a:rPr lang="ko-KR" altLang="en-US" sz="1800" smtClean="0">
+                <a:ln>
+                  <a:solidFill>
+                    <a:schemeClr val="tx1">
+                      <a:alpha val="29000"/>
+                    </a:schemeClr>
+                  </a:solidFill>
+                </a:ln>
+                <a:latin typeface="+mn-ea"/>
+                <a:cs typeface="맑은 고딕 Semilight" panose="020B0502040204020203" pitchFamily="50" charset="-127"/>
+                <a:sym typeface="Wingdings" panose="05000000000000000000" pitchFamily="2" charset="2"/>
+              </a:rPr>
+              <a:t>메소드</a:t>
+            </a:r>
+            <a:endParaRPr lang="en-US" altLang="ko-KR" sz="1800" smtClean="0">
+              <a:ln>
+                <a:solidFill>
+                  <a:schemeClr val="tx1">
+                    <a:alpha val="29000"/>
+                  </a:schemeClr>
+                </a:solidFill>
+              </a:ln>
+              <a:latin typeface="+mn-ea"/>
+              <a:cs typeface="맑은 고딕 Semilight" panose="020B0502040204020203" pitchFamily="50" charset="-127"/>
+              <a:sym typeface="Wingdings" panose="05000000000000000000" pitchFamily="2" charset="2"/>
+            </a:endParaRPr>
+          </a:p>
+          <a:p>
+            <a:pPr marL="449263" lvl="1" indent="-182563">
+              <a:lnSpc>
+                <a:spcPct val="150000"/>
+              </a:lnSpc>
+              <a:buFontTx/>
+              <a:buChar char="-"/>
+              <a:tabLst>
+                <a:tab pos="182563" algn="l"/>
+                <a:tab pos="449263" algn="l"/>
+              </a:tabLst>
+            </a:pPr>
+            <a:r>
+              <a:rPr lang="en-US" altLang="ko-KR" sz="1400">
+                <a:ln>
+                  <a:solidFill>
+                    <a:schemeClr val="tx1">
+                      <a:alpha val="29000"/>
+                    </a:schemeClr>
+                  </a:solidFill>
+                </a:ln>
+                <a:latin typeface="+mn-ea"/>
+                <a:cs typeface="맑은 고딕 Semilight" panose="020B0502040204020203" pitchFamily="50" charset="-127"/>
+              </a:rPr>
+              <a:t>document.write() </a:t>
+            </a:r>
+            <a:r>
+              <a:rPr lang="ko-KR" altLang="en-US" sz="1400">
+                <a:ln>
+                  <a:solidFill>
+                    <a:schemeClr val="tx1">
+                      <a:alpha val="29000"/>
+                    </a:schemeClr>
+                  </a:solidFill>
+                </a:ln>
+                <a:latin typeface="+mn-ea"/>
+                <a:cs typeface="맑은 고딕 Semilight" panose="020B0502040204020203" pitchFamily="50" charset="-127"/>
+              </a:rPr>
+              <a:t>메소드는 웹 페이지가 로딩될 때 실행되면</a:t>
+            </a:r>
+            <a:r>
+              <a:rPr lang="en-US" altLang="ko-KR" sz="1400">
+                <a:ln>
+                  <a:solidFill>
+                    <a:schemeClr val="tx1">
+                      <a:alpha val="29000"/>
+                    </a:schemeClr>
+                  </a:solidFill>
+                </a:ln>
+                <a:latin typeface="+mn-ea"/>
+                <a:cs typeface="맑은 고딕 Semilight" panose="020B0502040204020203" pitchFamily="50" charset="-127"/>
+              </a:rPr>
+              <a:t>, </a:t>
+            </a:r>
+            <a:r>
+              <a:rPr lang="en-US" altLang="ko-KR" sz="1400" smtClean="0">
+                <a:ln>
+                  <a:solidFill>
+                    <a:schemeClr val="tx1">
+                      <a:alpha val="29000"/>
+                    </a:schemeClr>
+                  </a:solidFill>
+                </a:ln>
+                <a:latin typeface="+mn-ea"/>
+                <a:cs typeface="맑은 고딕 Semilight" panose="020B0502040204020203" pitchFamily="50" charset="-127"/>
+              </a:rPr>
+              <a:t/>
+            </a:r>
+            <a:br>
+              <a:rPr lang="en-US" altLang="ko-KR" sz="1400" smtClean="0">
+                <a:ln>
+                  <a:solidFill>
+                    <a:schemeClr val="tx1">
+                      <a:alpha val="29000"/>
+                    </a:schemeClr>
+                  </a:solidFill>
+                </a:ln>
+                <a:latin typeface="+mn-ea"/>
+                <a:cs typeface="맑은 고딕 Semilight" panose="020B0502040204020203" pitchFamily="50" charset="-127"/>
+              </a:rPr>
+            </a:br>
+            <a:r>
+              <a:rPr lang="ko-KR" altLang="en-US" sz="1400" smtClean="0">
+                <a:ln>
+                  <a:solidFill>
+                    <a:schemeClr val="tx1">
+                      <a:alpha val="29000"/>
+                    </a:schemeClr>
+                  </a:solidFill>
+                </a:ln>
+                <a:latin typeface="+mn-ea"/>
+                <a:cs typeface="맑은 고딕 Semilight" panose="020B0502040204020203" pitchFamily="50" charset="-127"/>
+              </a:rPr>
+              <a:t>웹 </a:t>
+            </a:r>
+            <a:r>
+              <a:rPr lang="ko-KR" altLang="en-US" sz="1400">
+                <a:ln>
+                  <a:solidFill>
+                    <a:schemeClr val="tx1">
+                      <a:alpha val="29000"/>
+                    </a:schemeClr>
+                  </a:solidFill>
+                </a:ln>
+                <a:latin typeface="+mn-ea"/>
+                <a:cs typeface="맑은 고딕 Semilight" panose="020B0502040204020203" pitchFamily="50" charset="-127"/>
+              </a:rPr>
+              <a:t>페이지에 가장 먼저 </a:t>
+            </a:r>
+            <a:r>
+              <a:rPr lang="ko-KR" altLang="en-US" sz="1400">
+                <a:ln>
+                  <a:solidFill>
+                    <a:schemeClr val="tx1">
+                      <a:alpha val="29000"/>
+                    </a:schemeClr>
+                  </a:solidFill>
+                </a:ln>
+                <a:latin typeface="+mn-ea"/>
+                <a:cs typeface="맑은 고딕 Semilight" panose="020B0502040204020203" pitchFamily="50" charset="-127"/>
+              </a:rPr>
+              <a:t>데이터를 </a:t>
+            </a:r>
+            <a:r>
+              <a:rPr lang="ko-KR" altLang="en-US" sz="1400" smtClean="0">
+                <a:ln>
+                  <a:solidFill>
+                    <a:schemeClr val="tx1">
+                      <a:alpha val="29000"/>
+                    </a:schemeClr>
+                  </a:solidFill>
+                </a:ln>
+                <a:latin typeface="+mn-ea"/>
+                <a:cs typeface="맑은 고딕 Semilight" panose="020B0502040204020203" pitchFamily="50" charset="-127"/>
+              </a:rPr>
+              <a:t>출력</a:t>
+            </a:r>
+            <a:endParaRPr lang="en-US" altLang="ko-KR" sz="1400" smtClean="0">
+              <a:ln>
+                <a:solidFill>
+                  <a:schemeClr val="tx1">
+                    <a:alpha val="29000"/>
+                  </a:schemeClr>
+                </a:solidFill>
+              </a:ln>
+              <a:latin typeface="+mn-ea"/>
+              <a:cs typeface="맑은 고딕 Semilight" panose="020B0502040204020203" pitchFamily="50" charset="-127"/>
+            </a:endParaRPr>
+          </a:p>
+          <a:p>
+            <a:pPr marL="449263" lvl="1" indent="-182563">
+              <a:lnSpc>
+                <a:spcPct val="150000"/>
+              </a:lnSpc>
+              <a:buFontTx/>
+              <a:buChar char="-"/>
+              <a:tabLst>
+                <a:tab pos="182563" algn="l"/>
+                <a:tab pos="449263" algn="l"/>
+              </a:tabLst>
+            </a:pPr>
+            <a:r>
+              <a:rPr lang="ko-KR" altLang="en-US" sz="1400" smtClean="0">
+                <a:ln>
+                  <a:solidFill>
+                    <a:schemeClr val="tx1">
+                      <a:alpha val="29000"/>
+                    </a:schemeClr>
+                  </a:solidFill>
+                </a:ln>
+                <a:latin typeface="+mn-ea"/>
+                <a:cs typeface="맑은 고딕 Semilight" panose="020B0502040204020203" pitchFamily="50" charset="-127"/>
+              </a:rPr>
+              <a:t>따라서 </a:t>
+            </a:r>
+            <a:r>
+              <a:rPr lang="en-US" altLang="ko-KR" sz="1400">
+                <a:ln>
+                  <a:solidFill>
+                    <a:schemeClr val="tx1">
+                      <a:alpha val="29000"/>
+                    </a:schemeClr>
+                  </a:solidFill>
+                </a:ln>
+                <a:latin typeface="+mn-ea"/>
+                <a:cs typeface="맑은 고딕 Semilight" panose="020B0502040204020203" pitchFamily="50" charset="-127"/>
+              </a:rPr>
+              <a:t>document.write() </a:t>
+            </a:r>
+            <a:r>
+              <a:rPr lang="ko-KR" altLang="en-US" sz="1400">
+                <a:ln>
+                  <a:solidFill>
+                    <a:schemeClr val="tx1">
+                      <a:alpha val="29000"/>
+                    </a:schemeClr>
+                  </a:solidFill>
+                </a:ln>
+                <a:latin typeface="+mn-ea"/>
+                <a:cs typeface="맑은 고딕 Semilight" panose="020B0502040204020203" pitchFamily="50" charset="-127"/>
+              </a:rPr>
+              <a:t>메소드는 대부분 테스트나 디버깅을 </a:t>
+            </a:r>
+            <a:r>
+              <a:rPr lang="ko-KR" altLang="en-US" sz="1400">
+                <a:ln>
+                  <a:solidFill>
+                    <a:schemeClr val="tx1">
+                      <a:alpha val="29000"/>
+                    </a:schemeClr>
+                  </a:solidFill>
+                </a:ln>
+                <a:latin typeface="+mn-ea"/>
+                <a:cs typeface="맑은 고딕 Semilight" panose="020B0502040204020203" pitchFamily="50" charset="-127"/>
+              </a:rPr>
+              <a:t>위해 </a:t>
+            </a:r>
+            <a:r>
+              <a:rPr lang="ko-KR" altLang="en-US" sz="1400" smtClean="0">
+                <a:ln>
+                  <a:solidFill>
+                    <a:schemeClr val="tx1">
+                      <a:alpha val="29000"/>
+                    </a:schemeClr>
+                  </a:solidFill>
+                </a:ln>
+                <a:latin typeface="+mn-ea"/>
+                <a:cs typeface="맑은 고딕 Semilight" panose="020B0502040204020203" pitchFamily="50" charset="-127"/>
+              </a:rPr>
+              <a:t>사용</a:t>
+            </a:r>
+            <a:endParaRPr lang="en-US" altLang="ko-KR" sz="1400" smtClean="0">
+              <a:ln>
+                <a:solidFill>
+                  <a:schemeClr val="tx1">
+                    <a:alpha val="29000"/>
+                  </a:schemeClr>
+                </a:solidFill>
+              </a:ln>
+              <a:latin typeface="+mn-ea"/>
+              <a:cs typeface="맑은 고딕 Semilight" panose="020B0502040204020203" pitchFamily="50" charset="-127"/>
+            </a:endParaRPr>
+          </a:p>
+          <a:p>
+            <a:pPr marL="449263" lvl="1" indent="-182563">
+              <a:lnSpc>
+                <a:spcPct val="150000"/>
+              </a:lnSpc>
+              <a:buFontTx/>
+              <a:buChar char="-"/>
+              <a:tabLst>
+                <a:tab pos="182563" algn="l"/>
+                <a:tab pos="449263" algn="l"/>
+              </a:tabLst>
+            </a:pPr>
+            <a:r>
+              <a:rPr lang="ko-KR" altLang="en-US" sz="1400">
+                <a:ln>
+                  <a:solidFill>
+                    <a:schemeClr val="tx1">
+                      <a:alpha val="29000"/>
+                    </a:schemeClr>
+                  </a:solidFill>
+                </a:ln>
+                <a:latin typeface="+mn-ea"/>
+                <a:cs typeface="맑은 고딕 Semilight" panose="020B0502040204020203" pitchFamily="50" charset="-127"/>
+              </a:rPr>
+              <a:t>하지만 웹 페이지의 모든 내용이 로딩된 후에 </a:t>
+            </a:r>
+            <a:r>
+              <a:rPr lang="en-US" altLang="ko-KR" sz="1400">
+                <a:ln>
+                  <a:solidFill>
+                    <a:schemeClr val="tx1">
+                      <a:alpha val="29000"/>
+                    </a:schemeClr>
+                  </a:solidFill>
+                </a:ln>
+                <a:latin typeface="+mn-ea"/>
+                <a:cs typeface="맑은 고딕 Semilight" panose="020B0502040204020203" pitchFamily="50" charset="-127"/>
+              </a:rPr>
+              <a:t>document.write() </a:t>
+            </a:r>
+            <a:r>
+              <a:rPr lang="ko-KR" altLang="en-US" sz="1400">
+                <a:ln>
+                  <a:solidFill>
+                    <a:schemeClr val="tx1">
+                      <a:alpha val="29000"/>
+                    </a:schemeClr>
+                  </a:solidFill>
+                </a:ln>
+                <a:latin typeface="+mn-ea"/>
+                <a:cs typeface="맑은 고딕 Semilight" panose="020B0502040204020203" pitchFamily="50" charset="-127"/>
+              </a:rPr>
+              <a:t>메소드가 실행되면</a:t>
+            </a:r>
+            <a:r>
+              <a:rPr lang="en-US" altLang="ko-KR" sz="1400">
+                <a:ln>
+                  <a:solidFill>
+                    <a:schemeClr val="tx1">
+                      <a:alpha val="29000"/>
+                    </a:schemeClr>
+                  </a:solidFill>
+                </a:ln>
+                <a:latin typeface="+mn-ea"/>
+                <a:cs typeface="맑은 고딕 Semilight" panose="020B0502040204020203" pitchFamily="50" charset="-127"/>
+              </a:rPr>
+              <a:t>, </a:t>
+            </a:r>
+            <a:r>
+              <a:rPr lang="en-US" altLang="ko-KR" sz="1400" smtClean="0">
+                <a:ln>
+                  <a:solidFill>
+                    <a:schemeClr val="tx1">
+                      <a:alpha val="29000"/>
+                    </a:schemeClr>
+                  </a:solidFill>
+                </a:ln>
+                <a:latin typeface="+mn-ea"/>
+                <a:cs typeface="맑은 고딕 Semilight" panose="020B0502040204020203" pitchFamily="50" charset="-127"/>
+              </a:rPr>
+              <a:t/>
+            </a:r>
+            <a:br>
+              <a:rPr lang="en-US" altLang="ko-KR" sz="1400" smtClean="0">
+                <a:ln>
+                  <a:solidFill>
+                    <a:schemeClr val="tx1">
+                      <a:alpha val="29000"/>
+                    </a:schemeClr>
+                  </a:solidFill>
+                </a:ln>
+                <a:latin typeface="+mn-ea"/>
+                <a:cs typeface="맑은 고딕 Semilight" panose="020B0502040204020203" pitchFamily="50" charset="-127"/>
+              </a:rPr>
+            </a:br>
+            <a:r>
+              <a:rPr lang="ko-KR" altLang="en-US" sz="1400" smtClean="0">
+                <a:ln>
+                  <a:solidFill>
+                    <a:schemeClr val="tx1">
+                      <a:alpha val="29000"/>
+                    </a:schemeClr>
+                  </a:solidFill>
+                </a:ln>
+                <a:latin typeface="+mn-ea"/>
+                <a:cs typeface="맑은 고딕 Semilight" panose="020B0502040204020203" pitchFamily="50" charset="-127"/>
+              </a:rPr>
+              <a:t>웹 </a:t>
+            </a:r>
+            <a:r>
+              <a:rPr lang="ko-KR" altLang="en-US" sz="1400">
+                <a:ln>
+                  <a:solidFill>
+                    <a:schemeClr val="tx1">
+                      <a:alpha val="29000"/>
+                    </a:schemeClr>
+                  </a:solidFill>
+                </a:ln>
+                <a:latin typeface="+mn-ea"/>
+                <a:cs typeface="맑은 고딕 Semilight" panose="020B0502040204020203" pitchFamily="50" charset="-127"/>
+              </a:rPr>
+              <a:t>페이지 내에 먼저 로딩된 모든 데이터를 지우고 자신의 </a:t>
+            </a:r>
+            <a:r>
+              <a:rPr lang="ko-KR" altLang="en-US" sz="1400">
+                <a:ln>
+                  <a:solidFill>
+                    <a:schemeClr val="tx1">
+                      <a:alpha val="29000"/>
+                    </a:schemeClr>
+                  </a:solidFill>
+                </a:ln>
+                <a:latin typeface="+mn-ea"/>
+                <a:cs typeface="맑은 고딕 Semilight" panose="020B0502040204020203" pitchFamily="50" charset="-127"/>
+              </a:rPr>
+              <a:t>데이터를 </a:t>
+            </a:r>
+            <a:r>
+              <a:rPr lang="ko-KR" altLang="en-US" sz="1400" smtClean="0">
+                <a:ln>
+                  <a:solidFill>
+                    <a:schemeClr val="tx1">
+                      <a:alpha val="29000"/>
+                    </a:schemeClr>
+                  </a:solidFill>
+                </a:ln>
+                <a:latin typeface="+mn-ea"/>
+                <a:cs typeface="맑은 고딕 Semilight" panose="020B0502040204020203" pitchFamily="50" charset="-127"/>
+              </a:rPr>
+              <a:t>출력</a:t>
+            </a:r>
+            <a:endParaRPr lang="en-US" altLang="ko-KR" sz="1400">
+              <a:ln>
+                <a:solidFill>
+                  <a:schemeClr val="tx1">
+                    <a:alpha val="29000"/>
+                  </a:schemeClr>
+                </a:solidFill>
+              </a:ln>
+              <a:latin typeface="+mn-ea"/>
+              <a:cs typeface="맑은 고딕 Semilight" panose="020B0502040204020203" pitchFamily="50" charset="-127"/>
+            </a:endParaRPr>
+          </a:p>
+          <a:p>
+            <a:pPr marL="449263" lvl="1" indent="-182563">
+              <a:lnSpc>
+                <a:spcPct val="150000"/>
+              </a:lnSpc>
+              <a:buFontTx/>
+              <a:buChar char="-"/>
+              <a:tabLst>
+                <a:tab pos="182563" algn="l"/>
+                <a:tab pos="449263" algn="l"/>
+              </a:tabLst>
+            </a:pPr>
+            <a:r>
+              <a:rPr lang="ko-KR" altLang="en-US" sz="1400">
+                <a:ln>
+                  <a:solidFill>
+                    <a:schemeClr val="tx1">
+                      <a:alpha val="29000"/>
+                    </a:schemeClr>
+                  </a:solidFill>
+                </a:ln>
+                <a:latin typeface="+mn-ea"/>
+                <a:cs typeface="맑은 고딕 Semilight" panose="020B0502040204020203" pitchFamily="50" charset="-127"/>
+              </a:rPr>
+              <a:t>따라서 </a:t>
+            </a:r>
+            <a:r>
+              <a:rPr lang="en-US" altLang="ko-KR" sz="1400">
+                <a:ln>
+                  <a:solidFill>
+                    <a:schemeClr val="tx1">
+                      <a:alpha val="29000"/>
+                    </a:schemeClr>
+                  </a:solidFill>
+                </a:ln>
+                <a:latin typeface="+mn-ea"/>
+                <a:cs typeface="맑은 고딕 Semilight" panose="020B0502040204020203" pitchFamily="50" charset="-127"/>
+              </a:rPr>
+              <a:t>document.write() </a:t>
+            </a:r>
+            <a:r>
+              <a:rPr lang="ko-KR" altLang="en-US" sz="1400">
+                <a:ln>
+                  <a:solidFill>
+                    <a:schemeClr val="tx1">
+                      <a:alpha val="29000"/>
+                    </a:schemeClr>
+                  </a:solidFill>
+                </a:ln>
+                <a:latin typeface="+mn-ea"/>
+                <a:cs typeface="맑은 고딕 Semilight" panose="020B0502040204020203" pitchFamily="50" charset="-127"/>
+              </a:rPr>
+              <a:t>메소드를 테스트 이외의 용도로 </a:t>
+            </a:r>
+            <a:r>
+              <a:rPr lang="ko-KR" altLang="en-US" sz="1400">
+                <a:ln>
+                  <a:solidFill>
+                    <a:schemeClr val="tx1">
+                      <a:alpha val="29000"/>
+                    </a:schemeClr>
+                  </a:solidFill>
+                </a:ln>
+                <a:latin typeface="+mn-ea"/>
+                <a:cs typeface="맑은 고딕 Semilight" panose="020B0502040204020203" pitchFamily="50" charset="-127"/>
+              </a:rPr>
+              <a:t>사용할 </a:t>
+            </a:r>
+            <a:r>
+              <a:rPr lang="ko-KR" altLang="en-US" sz="1400" smtClean="0">
+                <a:ln>
+                  <a:solidFill>
+                    <a:schemeClr val="tx1">
+                      <a:alpha val="29000"/>
+                    </a:schemeClr>
+                  </a:solidFill>
+                </a:ln>
+                <a:latin typeface="+mn-ea"/>
+                <a:cs typeface="맑은 고딕 Semilight" panose="020B0502040204020203" pitchFamily="50" charset="-127"/>
+              </a:rPr>
+              <a:t>때에는</a:t>
+            </a:r>
+            <a:r>
+              <a:rPr lang="en-US" altLang="ko-KR" sz="1400" smtClean="0">
+                <a:ln>
+                  <a:solidFill>
+                    <a:schemeClr val="tx1">
+                      <a:alpha val="29000"/>
+                    </a:schemeClr>
+                  </a:solidFill>
+                </a:ln>
+                <a:latin typeface="+mn-ea"/>
+                <a:cs typeface="맑은 고딕 Semilight" panose="020B0502040204020203" pitchFamily="50" charset="-127"/>
+              </a:rPr>
+              <a:t/>
+            </a:r>
+            <a:br>
+              <a:rPr lang="en-US" altLang="ko-KR" sz="1400" smtClean="0">
+                <a:ln>
+                  <a:solidFill>
+                    <a:schemeClr val="tx1">
+                      <a:alpha val="29000"/>
+                    </a:schemeClr>
+                  </a:solidFill>
+                </a:ln>
+                <a:latin typeface="+mn-ea"/>
+                <a:cs typeface="맑은 고딕 Semilight" panose="020B0502040204020203" pitchFamily="50" charset="-127"/>
+              </a:rPr>
+            </a:br>
+            <a:r>
+              <a:rPr lang="ko-KR" altLang="en-US" sz="1400" smtClean="0">
+                <a:ln>
+                  <a:solidFill>
+                    <a:schemeClr val="tx1">
+                      <a:alpha val="29000"/>
+                    </a:schemeClr>
+                  </a:solidFill>
+                </a:ln>
+                <a:latin typeface="+mn-ea"/>
+                <a:cs typeface="맑은 고딕 Semilight" panose="020B0502040204020203" pitchFamily="50" charset="-127"/>
+              </a:rPr>
+              <a:t> </a:t>
+            </a:r>
+            <a:r>
+              <a:rPr lang="ko-KR" altLang="en-US" sz="1400">
+                <a:ln>
+                  <a:solidFill>
+                    <a:schemeClr val="tx1">
+                      <a:alpha val="29000"/>
+                    </a:schemeClr>
+                  </a:solidFill>
+                </a:ln>
+                <a:latin typeface="+mn-ea"/>
+                <a:cs typeface="맑은 고딕 Semilight" panose="020B0502040204020203" pitchFamily="50" charset="-127"/>
+              </a:rPr>
+              <a:t>충분히 </a:t>
+            </a:r>
+            <a:r>
+              <a:rPr lang="ko-KR" altLang="en-US" sz="1400">
+                <a:ln>
+                  <a:solidFill>
+                    <a:schemeClr val="tx1">
+                      <a:alpha val="29000"/>
+                    </a:schemeClr>
+                  </a:solidFill>
+                </a:ln>
+                <a:latin typeface="+mn-ea"/>
+                <a:cs typeface="맑은 고딕 Semilight" panose="020B0502040204020203" pitchFamily="50" charset="-127"/>
+              </a:rPr>
+              <a:t>주의해서 </a:t>
+            </a:r>
+            <a:r>
+              <a:rPr lang="ko-KR" altLang="en-US" sz="1400" smtClean="0">
+                <a:ln>
+                  <a:solidFill>
+                    <a:schemeClr val="tx1">
+                      <a:alpha val="29000"/>
+                    </a:schemeClr>
+                  </a:solidFill>
+                </a:ln>
+                <a:latin typeface="+mn-ea"/>
+                <a:cs typeface="맑은 고딕 Semilight" panose="020B0502040204020203" pitchFamily="50" charset="-127"/>
+              </a:rPr>
+              <a:t>사용</a:t>
+            </a:r>
+            <a:endParaRPr lang="en-US" altLang="ko-KR" sz="1400">
+              <a:ln>
+                <a:solidFill>
+                  <a:schemeClr val="tx1">
+                    <a:alpha val="29000"/>
+                  </a:schemeClr>
+                </a:solidFill>
+              </a:ln>
+              <a:latin typeface="+mn-ea"/>
+              <a:cs typeface="맑은 고딕 Semilight" panose="020B0502040204020203" pitchFamily="50" charset="-127"/>
+            </a:endParaRPr>
+          </a:p>
+        </p:txBody>
+      </p:sp>
+      <p:pic>
+        <p:nvPicPr>
+          <p:cNvPr id="3" name="그림 2"/>
+          <p:cNvPicPr>
+            <a:picLocks noChangeAspect="1"/>
+          </p:cNvPicPr>
+          <p:nvPr/>
+        </p:nvPicPr>
+        <p:blipFill>
+          <a:blip r:embed="rId3"/>
+          <a:stretch>
+            <a:fillRect/>
+          </a:stretch>
+        </p:blipFill>
+        <p:spPr>
+          <a:xfrm>
+            <a:off x="2060575" y="3682457"/>
+            <a:ext cx="6038850" cy="1085850"/>
+          </a:xfrm>
+          <a:prstGeom prst="rect">
+            <a:avLst/>
+          </a:prstGeom>
+        </p:spPr>
+      </p:pic>
+    </p:spTree>
+    <p:extLst>
+      <p:ext uri="{BB962C8B-B14F-4D97-AF65-F5344CB8AC3E}">
+        <p14:creationId xmlns:p14="http://schemas.microsoft.com/office/powerpoint/2010/main" val="1990007503"/>
+      </p:ext>
+    </p:extLst>
+  </p:cSld>
+  <p:clrMapOvr>
+    <a:masterClrMapping/>
+  </p:clrMapOvr>
+  <p:timing>
+    <p:tnLst>
+      <p:par>
+        <p:cTn id="1" dur="indefinite" restart="never" nodeType="tmRoot"/>
+      </p:par>
+    </p:tnLst>
+  </p:timing>
+</p:sld>
+</file>
+
+<file path=ppt/slides/slide9.xml><?xml version="1.0" encoding="utf-8"?>
+<p:sld xmlns:a="http://schemas.openxmlformats.org/drawingml/2006/main" xmlns:r="http://schemas.openxmlformats.org/officeDocument/2006/relationships" xmlns:p="http://schemas.openxmlformats.org/presentationml/2006/main">
+  <p:cSld>
+    <p:spTree>
+      <p:nvGrpSpPr>
+        <p:cNvPr id="1" name=""/>
+        <p:cNvGrpSpPr/>
+        <p:nvPr/>
+      </p:nvGrpSpPr>
+      <p:grpSpPr>
+        <a:xfrm>
+          <a:off x="0" y="0"/>
+          <a:ext cx="0" cy="0"/>
+          <a:chOff x="0" y="0"/>
+          <a:chExt cx="0" cy="0"/>
+        </a:xfrm>
+      </p:grpSpPr>
+      <p:cxnSp>
+        <p:nvCxnSpPr>
+          <p:cNvPr id="7" name="직선 연결선 6"/>
+          <p:cNvCxnSpPr/>
+          <p:nvPr/>
+        </p:nvCxnSpPr>
+        <p:spPr>
+          <a:xfrm>
+            <a:off x="0" y="683316"/>
+            <a:ext cx="4411980" cy="0"/>
+          </a:xfrm>
+          <a:prstGeom prst="line">
+            <a:avLst/>
+          </a:prstGeom>
+          <a:ln w="28575">
+            <a:solidFill>
+              <a:srgbClr val="ED553B"/>
+            </a:solidFill>
+            <a:tailEnd type="oval" w="lg" len="lg"/>
+          </a:ln>
+        </p:spPr>
+        <p:style>
+          <a:lnRef idx="1">
+            <a:schemeClr val="accent1"/>
+          </a:lnRef>
+          <a:fillRef idx="0">
+            <a:schemeClr val="accent1"/>
+          </a:fillRef>
+          <a:effectRef idx="0">
+            <a:schemeClr val="accent1"/>
+          </a:effectRef>
+          <a:fontRef idx="minor">
+            <a:schemeClr val="tx1"/>
+          </a:fontRef>
+        </p:style>
+      </p:cxnSp>
+      <p:sp>
+        <p:nvSpPr>
+          <p:cNvPr id="9" name="TextBox 8"/>
+          <p:cNvSpPr txBox="1"/>
+          <p:nvPr/>
+        </p:nvSpPr>
+        <p:spPr>
+          <a:xfrm>
+            <a:off x="322413" y="140957"/>
+            <a:ext cx="5552787" cy="400110"/>
+          </a:xfrm>
+          <a:prstGeom prst="rect">
+            <a:avLst/>
+          </a:prstGeom>
+          <a:noFill/>
+        </p:spPr>
+        <p:txBody>
+          <a:bodyPr wrap="square" rtlCol="0">
+            <a:spAutoFit/>
+          </a:bodyPr>
+          <a:lstStyle/>
+          <a:p>
+            <a:r>
+              <a:rPr lang="en-US" altLang="ko-KR" sz="2000" smtClean="0">
+                <a:ln>
+                  <a:solidFill>
+                    <a:schemeClr val="tx1">
+                      <a:alpha val="29000"/>
+                    </a:schemeClr>
+                  </a:solidFill>
+                </a:ln>
+                <a:latin typeface="+mn-ea"/>
+                <a:cs typeface="맑은 고딕 Semilight" panose="020B0502040204020203" pitchFamily="50" charset="-127"/>
+              </a:rPr>
+              <a:t>JavaScript</a:t>
+            </a:r>
+            <a:r>
+              <a:rPr lang="ko-KR" altLang="en-US" sz="2000" smtClean="0">
+                <a:ln>
+                  <a:solidFill>
+                    <a:schemeClr val="tx1">
+                      <a:alpha val="29000"/>
+                    </a:schemeClr>
+                  </a:solidFill>
+                </a:ln>
+                <a:latin typeface="+mn-ea"/>
+                <a:cs typeface="맑은 고딕 Semilight" panose="020B0502040204020203" pitchFamily="50" charset="-127"/>
+              </a:rPr>
+              <a:t>에서의 기초기초 문법</a:t>
+            </a:r>
+            <a:endParaRPr lang="en-US" altLang="ko-KR" sz="2000" dirty="0">
+              <a:ln>
+                <a:solidFill>
+                  <a:schemeClr val="tx1">
+                    <a:alpha val="29000"/>
+                  </a:schemeClr>
+                </a:solidFill>
+              </a:ln>
+              <a:latin typeface="+mn-ea"/>
+              <a:cs typeface="맑은 고딕 Semilight" panose="020B0502040204020203" pitchFamily="50" charset="-127"/>
+            </a:endParaRPr>
+          </a:p>
+        </p:txBody>
+      </p:sp>
+      <p:sp>
+        <p:nvSpPr>
+          <p:cNvPr id="74" name="TextBox 73"/>
+          <p:cNvSpPr txBox="1"/>
+          <p:nvPr/>
+        </p:nvSpPr>
+        <p:spPr>
+          <a:xfrm>
+            <a:off x="267599" y="825566"/>
+            <a:ext cx="9578660" cy="2769989"/>
+          </a:xfrm>
+          <a:prstGeom prst="rect">
+            <a:avLst/>
+          </a:prstGeom>
+          <a:noFill/>
+        </p:spPr>
+        <p:txBody>
+          <a:bodyPr wrap="square" rtlCol="0">
+            <a:spAutoFit/>
+          </a:bodyPr>
+          <a:lstStyle/>
+          <a:p>
+            <a:pPr marL="285750" indent="-285750">
+              <a:lnSpc>
+                <a:spcPct val="150000"/>
+              </a:lnSpc>
+              <a:buFont typeface="Arial" panose="020B0604020202020204" pitchFamily="34" charset="0"/>
+              <a:buChar char="•"/>
+            </a:pPr>
+            <a:r>
+              <a:rPr lang="ko-KR" altLang="en-US" sz="1800" smtClean="0">
+                <a:ln>
+                  <a:solidFill>
+                    <a:schemeClr val="tx1">
+                      <a:alpha val="29000"/>
+                    </a:schemeClr>
+                  </a:solidFill>
+                </a:ln>
+                <a:latin typeface="+mn-ea"/>
+                <a:cs typeface="맑은 고딕 Semilight" panose="020B0502040204020203" pitchFamily="50" charset="-127"/>
+                <a:sym typeface="Wingdings" panose="05000000000000000000" pitchFamily="2" charset="2"/>
+              </a:rPr>
+              <a:t>자바스크립트에서의 출력 </a:t>
+            </a:r>
+            <a:r>
+              <a:rPr lang="en-US" altLang="ko-KR" sz="1800">
+                <a:ln>
+                  <a:solidFill>
+                    <a:schemeClr val="tx1">
+                      <a:alpha val="29000"/>
+                    </a:schemeClr>
+                  </a:solidFill>
+                </a:ln>
+                <a:latin typeface="+mn-ea"/>
+                <a:cs typeface="맑은 고딕 Semilight" panose="020B0502040204020203" pitchFamily="50" charset="-127"/>
+                <a:sym typeface="Wingdings" panose="05000000000000000000" pitchFamily="2" charset="2"/>
+              </a:rPr>
+              <a:t>: </a:t>
+            </a:r>
+            <a:r>
+              <a:rPr lang="en-US" altLang="ko-KR" sz="1800">
+                <a:ln>
+                  <a:solidFill>
+                    <a:schemeClr val="tx1">
+                      <a:alpha val="29000"/>
+                    </a:schemeClr>
+                  </a:solidFill>
+                </a:ln>
+                <a:latin typeface="+mn-ea"/>
+                <a:cs typeface="맑은 고딕 Semilight" panose="020B0502040204020203" pitchFamily="50" charset="-127"/>
+                <a:sym typeface="Wingdings" panose="05000000000000000000" pitchFamily="2" charset="2"/>
+              </a:rPr>
+              <a:t>document.write</a:t>
+            </a:r>
+            <a:r>
+              <a:rPr lang="en-US" altLang="ko-KR" sz="1800">
+                <a:ln>
+                  <a:solidFill>
+                    <a:schemeClr val="tx1">
+                      <a:alpha val="29000"/>
+                    </a:schemeClr>
+                  </a:solidFill>
+                </a:ln>
+                <a:latin typeface="+mn-ea"/>
+                <a:cs typeface="맑은 고딕 Semilight" panose="020B0502040204020203" pitchFamily="50" charset="-127"/>
+                <a:sym typeface="Wingdings" panose="05000000000000000000" pitchFamily="2" charset="2"/>
+              </a:rPr>
+              <a:t>() </a:t>
+            </a:r>
+            <a:r>
+              <a:rPr lang="ko-KR" altLang="en-US" sz="1800" smtClean="0">
+                <a:ln>
+                  <a:solidFill>
+                    <a:schemeClr val="tx1">
+                      <a:alpha val="29000"/>
+                    </a:schemeClr>
+                  </a:solidFill>
+                </a:ln>
+                <a:latin typeface="+mn-ea"/>
+                <a:cs typeface="맑은 고딕 Semilight" panose="020B0502040204020203" pitchFamily="50" charset="-127"/>
+                <a:sym typeface="Wingdings" panose="05000000000000000000" pitchFamily="2" charset="2"/>
+              </a:rPr>
+              <a:t>메소드</a:t>
+            </a:r>
+            <a:endParaRPr lang="en-US" altLang="ko-KR" sz="1800" smtClean="0">
+              <a:ln>
+                <a:solidFill>
+                  <a:schemeClr val="tx1">
+                    <a:alpha val="29000"/>
+                  </a:schemeClr>
+                </a:solidFill>
+              </a:ln>
+              <a:latin typeface="+mn-ea"/>
+              <a:cs typeface="맑은 고딕 Semilight" panose="020B0502040204020203" pitchFamily="50" charset="-127"/>
+              <a:sym typeface="Wingdings" panose="05000000000000000000" pitchFamily="2" charset="2"/>
+            </a:endParaRPr>
+          </a:p>
+          <a:p>
+            <a:pPr marL="449263" lvl="1" indent="-182563">
+              <a:lnSpc>
+                <a:spcPct val="150000"/>
+              </a:lnSpc>
+              <a:buFontTx/>
+              <a:buChar char="-"/>
+              <a:tabLst>
+                <a:tab pos="182563" algn="l"/>
+                <a:tab pos="449263" algn="l"/>
+              </a:tabLst>
+            </a:pPr>
+            <a:r>
+              <a:rPr lang="en-US" altLang="ko-KR" sz="1400">
+                <a:ln>
+                  <a:solidFill>
+                    <a:schemeClr val="tx1">
+                      <a:alpha val="29000"/>
+                    </a:schemeClr>
+                  </a:solidFill>
+                </a:ln>
+                <a:latin typeface="+mn-ea"/>
+                <a:cs typeface="맑은 고딕 Semilight" panose="020B0502040204020203" pitchFamily="50" charset="-127"/>
+              </a:rPr>
+              <a:t>document.write() </a:t>
+            </a:r>
+            <a:r>
+              <a:rPr lang="ko-KR" altLang="en-US" sz="1400">
+                <a:ln>
+                  <a:solidFill>
+                    <a:schemeClr val="tx1">
+                      <a:alpha val="29000"/>
+                    </a:schemeClr>
+                  </a:solidFill>
+                </a:ln>
+                <a:latin typeface="+mn-ea"/>
+                <a:cs typeface="맑은 고딕 Semilight" panose="020B0502040204020203" pitchFamily="50" charset="-127"/>
+              </a:rPr>
+              <a:t>메소드는 웹 페이지가 로딩될 때 실행되면</a:t>
+            </a:r>
+            <a:r>
+              <a:rPr lang="en-US" altLang="ko-KR" sz="1400">
+                <a:ln>
+                  <a:solidFill>
+                    <a:schemeClr val="tx1">
+                      <a:alpha val="29000"/>
+                    </a:schemeClr>
+                  </a:solidFill>
+                </a:ln>
+                <a:latin typeface="+mn-ea"/>
+                <a:cs typeface="맑은 고딕 Semilight" panose="020B0502040204020203" pitchFamily="50" charset="-127"/>
+              </a:rPr>
+              <a:t>, </a:t>
+            </a:r>
+            <a:r>
+              <a:rPr lang="en-US" altLang="ko-KR" sz="1400" smtClean="0">
+                <a:ln>
+                  <a:solidFill>
+                    <a:schemeClr val="tx1">
+                      <a:alpha val="29000"/>
+                    </a:schemeClr>
+                  </a:solidFill>
+                </a:ln>
+                <a:latin typeface="+mn-ea"/>
+                <a:cs typeface="맑은 고딕 Semilight" panose="020B0502040204020203" pitchFamily="50" charset="-127"/>
+              </a:rPr>
+              <a:t/>
+            </a:r>
+            <a:br>
+              <a:rPr lang="en-US" altLang="ko-KR" sz="1400" smtClean="0">
+                <a:ln>
+                  <a:solidFill>
+                    <a:schemeClr val="tx1">
+                      <a:alpha val="29000"/>
+                    </a:schemeClr>
+                  </a:solidFill>
+                </a:ln>
+                <a:latin typeface="+mn-ea"/>
+                <a:cs typeface="맑은 고딕 Semilight" panose="020B0502040204020203" pitchFamily="50" charset="-127"/>
+              </a:rPr>
+            </a:br>
+            <a:r>
+              <a:rPr lang="ko-KR" altLang="en-US" sz="1400" smtClean="0">
+                <a:ln>
+                  <a:solidFill>
+                    <a:schemeClr val="tx1">
+                      <a:alpha val="29000"/>
+                    </a:schemeClr>
+                  </a:solidFill>
+                </a:ln>
+                <a:latin typeface="+mn-ea"/>
+                <a:cs typeface="맑은 고딕 Semilight" panose="020B0502040204020203" pitchFamily="50" charset="-127"/>
+              </a:rPr>
+              <a:t>웹 </a:t>
+            </a:r>
+            <a:r>
+              <a:rPr lang="ko-KR" altLang="en-US" sz="1400">
+                <a:ln>
+                  <a:solidFill>
+                    <a:schemeClr val="tx1">
+                      <a:alpha val="29000"/>
+                    </a:schemeClr>
+                  </a:solidFill>
+                </a:ln>
+                <a:latin typeface="+mn-ea"/>
+                <a:cs typeface="맑은 고딕 Semilight" panose="020B0502040204020203" pitchFamily="50" charset="-127"/>
+              </a:rPr>
+              <a:t>페이지에 가장 먼저 </a:t>
+            </a:r>
+            <a:r>
+              <a:rPr lang="ko-KR" altLang="en-US" sz="1400">
+                <a:ln>
+                  <a:solidFill>
+                    <a:schemeClr val="tx1">
+                      <a:alpha val="29000"/>
+                    </a:schemeClr>
+                  </a:solidFill>
+                </a:ln>
+                <a:latin typeface="+mn-ea"/>
+                <a:cs typeface="맑은 고딕 Semilight" panose="020B0502040204020203" pitchFamily="50" charset="-127"/>
+              </a:rPr>
+              <a:t>데이터를 </a:t>
+            </a:r>
+            <a:r>
+              <a:rPr lang="ko-KR" altLang="en-US" sz="1400" smtClean="0">
+                <a:ln>
+                  <a:solidFill>
+                    <a:schemeClr val="tx1">
+                      <a:alpha val="29000"/>
+                    </a:schemeClr>
+                  </a:solidFill>
+                </a:ln>
+                <a:latin typeface="+mn-ea"/>
+                <a:cs typeface="맑은 고딕 Semilight" panose="020B0502040204020203" pitchFamily="50" charset="-127"/>
+              </a:rPr>
+              <a:t>출력</a:t>
+            </a:r>
+            <a:endParaRPr lang="en-US" altLang="ko-KR" sz="1400" smtClean="0">
+              <a:ln>
+                <a:solidFill>
+                  <a:schemeClr val="tx1">
+                    <a:alpha val="29000"/>
+                  </a:schemeClr>
+                </a:solidFill>
+              </a:ln>
+              <a:latin typeface="+mn-ea"/>
+              <a:cs typeface="맑은 고딕 Semilight" panose="020B0502040204020203" pitchFamily="50" charset="-127"/>
+            </a:endParaRPr>
+          </a:p>
+          <a:p>
+            <a:pPr marL="449263" lvl="1" indent="-182563">
+              <a:lnSpc>
+                <a:spcPct val="150000"/>
+              </a:lnSpc>
+              <a:buFontTx/>
+              <a:buChar char="-"/>
+              <a:tabLst>
+                <a:tab pos="182563" algn="l"/>
+                <a:tab pos="449263" algn="l"/>
+              </a:tabLst>
+            </a:pPr>
+            <a:r>
+              <a:rPr lang="ko-KR" altLang="en-US" sz="1400" smtClean="0">
+                <a:ln>
+                  <a:solidFill>
+                    <a:schemeClr val="tx1">
+                      <a:alpha val="29000"/>
+                    </a:schemeClr>
+                  </a:solidFill>
+                </a:ln>
+                <a:latin typeface="+mn-ea"/>
+                <a:cs typeface="맑은 고딕 Semilight" panose="020B0502040204020203" pitchFamily="50" charset="-127"/>
+              </a:rPr>
+              <a:t>따라서 </a:t>
+            </a:r>
+            <a:r>
+              <a:rPr lang="en-US" altLang="ko-KR" sz="1400">
+                <a:ln>
+                  <a:solidFill>
+                    <a:schemeClr val="tx1">
+                      <a:alpha val="29000"/>
+                    </a:schemeClr>
+                  </a:solidFill>
+                </a:ln>
+                <a:latin typeface="+mn-ea"/>
+                <a:cs typeface="맑은 고딕 Semilight" panose="020B0502040204020203" pitchFamily="50" charset="-127"/>
+              </a:rPr>
+              <a:t>document.write() </a:t>
+            </a:r>
+            <a:r>
+              <a:rPr lang="ko-KR" altLang="en-US" sz="1400">
+                <a:ln>
+                  <a:solidFill>
+                    <a:schemeClr val="tx1">
+                      <a:alpha val="29000"/>
+                    </a:schemeClr>
+                  </a:solidFill>
+                </a:ln>
+                <a:latin typeface="+mn-ea"/>
+                <a:cs typeface="맑은 고딕 Semilight" panose="020B0502040204020203" pitchFamily="50" charset="-127"/>
+              </a:rPr>
+              <a:t>메소드는 대부분 테스트나 디버깅을 </a:t>
+            </a:r>
+            <a:r>
+              <a:rPr lang="ko-KR" altLang="en-US" sz="1400">
+                <a:ln>
+                  <a:solidFill>
+                    <a:schemeClr val="tx1">
+                      <a:alpha val="29000"/>
+                    </a:schemeClr>
+                  </a:solidFill>
+                </a:ln>
+                <a:latin typeface="+mn-ea"/>
+                <a:cs typeface="맑은 고딕 Semilight" panose="020B0502040204020203" pitchFamily="50" charset="-127"/>
+              </a:rPr>
+              <a:t>위해 </a:t>
+            </a:r>
+            <a:r>
+              <a:rPr lang="ko-KR" altLang="en-US" sz="1400" smtClean="0">
+                <a:ln>
+                  <a:solidFill>
+                    <a:schemeClr val="tx1">
+                      <a:alpha val="29000"/>
+                    </a:schemeClr>
+                  </a:solidFill>
+                </a:ln>
+                <a:latin typeface="+mn-ea"/>
+                <a:cs typeface="맑은 고딕 Semilight" panose="020B0502040204020203" pitchFamily="50" charset="-127"/>
+              </a:rPr>
+              <a:t>사용</a:t>
+            </a:r>
+            <a:endParaRPr lang="en-US" altLang="ko-KR" sz="1400" smtClean="0">
+              <a:ln>
+                <a:solidFill>
+                  <a:schemeClr val="tx1">
+                    <a:alpha val="29000"/>
+                  </a:schemeClr>
+                </a:solidFill>
+              </a:ln>
+              <a:latin typeface="+mn-ea"/>
+              <a:cs typeface="맑은 고딕 Semilight" panose="020B0502040204020203" pitchFamily="50" charset="-127"/>
+            </a:endParaRPr>
+          </a:p>
+          <a:p>
+            <a:pPr marL="449263" lvl="1" indent="-182563">
+              <a:lnSpc>
+                <a:spcPct val="150000"/>
+              </a:lnSpc>
+              <a:buFontTx/>
+              <a:buChar char="-"/>
+              <a:tabLst>
+                <a:tab pos="182563" algn="l"/>
+                <a:tab pos="449263" algn="l"/>
+              </a:tabLst>
+            </a:pPr>
+            <a:r>
+              <a:rPr lang="ko-KR" altLang="en-US" sz="1400">
+                <a:ln>
+                  <a:solidFill>
+                    <a:schemeClr val="tx1">
+                      <a:alpha val="29000"/>
+                    </a:schemeClr>
+                  </a:solidFill>
+                </a:ln>
+                <a:latin typeface="+mn-ea"/>
+                <a:cs typeface="맑은 고딕 Semilight" panose="020B0502040204020203" pitchFamily="50" charset="-127"/>
+              </a:rPr>
+              <a:t>하지만 웹 페이지의 모든 내용이 로딩된 후에 </a:t>
+            </a:r>
+            <a:r>
+              <a:rPr lang="en-US" altLang="ko-KR" sz="1400">
+                <a:ln>
+                  <a:solidFill>
+                    <a:schemeClr val="tx1">
+                      <a:alpha val="29000"/>
+                    </a:schemeClr>
+                  </a:solidFill>
+                </a:ln>
+                <a:latin typeface="+mn-ea"/>
+                <a:cs typeface="맑은 고딕 Semilight" panose="020B0502040204020203" pitchFamily="50" charset="-127"/>
+              </a:rPr>
+              <a:t>document.write() </a:t>
+            </a:r>
+            <a:r>
+              <a:rPr lang="ko-KR" altLang="en-US" sz="1400">
+                <a:ln>
+                  <a:solidFill>
+                    <a:schemeClr val="tx1">
+                      <a:alpha val="29000"/>
+                    </a:schemeClr>
+                  </a:solidFill>
+                </a:ln>
+                <a:latin typeface="+mn-ea"/>
+                <a:cs typeface="맑은 고딕 Semilight" panose="020B0502040204020203" pitchFamily="50" charset="-127"/>
+              </a:rPr>
+              <a:t>메소드가 실행되면</a:t>
+            </a:r>
+            <a:r>
+              <a:rPr lang="en-US" altLang="ko-KR" sz="1400">
+                <a:ln>
+                  <a:solidFill>
+                    <a:schemeClr val="tx1">
+                      <a:alpha val="29000"/>
+                    </a:schemeClr>
+                  </a:solidFill>
+                </a:ln>
+                <a:latin typeface="+mn-ea"/>
+                <a:cs typeface="맑은 고딕 Semilight" panose="020B0502040204020203" pitchFamily="50" charset="-127"/>
+              </a:rPr>
+              <a:t>, </a:t>
+            </a:r>
+            <a:r>
+              <a:rPr lang="en-US" altLang="ko-KR" sz="1400" smtClean="0">
+                <a:ln>
+                  <a:solidFill>
+                    <a:schemeClr val="tx1">
+                      <a:alpha val="29000"/>
+                    </a:schemeClr>
+                  </a:solidFill>
+                </a:ln>
+                <a:latin typeface="+mn-ea"/>
+                <a:cs typeface="맑은 고딕 Semilight" panose="020B0502040204020203" pitchFamily="50" charset="-127"/>
+              </a:rPr>
+              <a:t/>
+            </a:r>
+            <a:br>
+              <a:rPr lang="en-US" altLang="ko-KR" sz="1400" smtClean="0">
+                <a:ln>
+                  <a:solidFill>
+                    <a:schemeClr val="tx1">
+                      <a:alpha val="29000"/>
+                    </a:schemeClr>
+                  </a:solidFill>
+                </a:ln>
+                <a:latin typeface="+mn-ea"/>
+                <a:cs typeface="맑은 고딕 Semilight" panose="020B0502040204020203" pitchFamily="50" charset="-127"/>
+              </a:rPr>
+            </a:br>
+            <a:r>
+              <a:rPr lang="ko-KR" altLang="en-US" sz="1400" smtClean="0">
+                <a:ln>
+                  <a:solidFill>
+                    <a:schemeClr val="tx1">
+                      <a:alpha val="29000"/>
+                    </a:schemeClr>
+                  </a:solidFill>
+                </a:ln>
+                <a:latin typeface="+mn-ea"/>
+                <a:cs typeface="맑은 고딕 Semilight" panose="020B0502040204020203" pitchFamily="50" charset="-127"/>
+              </a:rPr>
+              <a:t>웹 </a:t>
+            </a:r>
+            <a:r>
+              <a:rPr lang="ko-KR" altLang="en-US" sz="1400">
+                <a:ln>
+                  <a:solidFill>
+                    <a:schemeClr val="tx1">
+                      <a:alpha val="29000"/>
+                    </a:schemeClr>
+                  </a:solidFill>
+                </a:ln>
+                <a:latin typeface="+mn-ea"/>
+                <a:cs typeface="맑은 고딕 Semilight" panose="020B0502040204020203" pitchFamily="50" charset="-127"/>
+              </a:rPr>
+              <a:t>페이지 내에 먼저 로딩된 모든 데이터를 지우고 자신의 </a:t>
+            </a:r>
+            <a:r>
+              <a:rPr lang="ko-KR" altLang="en-US" sz="1400">
+                <a:ln>
+                  <a:solidFill>
+                    <a:schemeClr val="tx1">
+                      <a:alpha val="29000"/>
+                    </a:schemeClr>
+                  </a:solidFill>
+                </a:ln>
+                <a:latin typeface="+mn-ea"/>
+                <a:cs typeface="맑은 고딕 Semilight" panose="020B0502040204020203" pitchFamily="50" charset="-127"/>
+              </a:rPr>
+              <a:t>데이터를 </a:t>
+            </a:r>
+            <a:r>
+              <a:rPr lang="ko-KR" altLang="en-US" sz="1400" smtClean="0">
+                <a:ln>
+                  <a:solidFill>
+                    <a:schemeClr val="tx1">
+                      <a:alpha val="29000"/>
+                    </a:schemeClr>
+                  </a:solidFill>
+                </a:ln>
+                <a:latin typeface="+mn-ea"/>
+                <a:cs typeface="맑은 고딕 Semilight" panose="020B0502040204020203" pitchFamily="50" charset="-127"/>
+              </a:rPr>
+              <a:t>출력</a:t>
+            </a:r>
+            <a:endParaRPr lang="en-US" altLang="ko-KR" sz="1400">
+              <a:ln>
+                <a:solidFill>
+                  <a:schemeClr val="tx1">
+                    <a:alpha val="29000"/>
+                  </a:schemeClr>
+                </a:solidFill>
+              </a:ln>
+              <a:latin typeface="+mn-ea"/>
+              <a:cs typeface="맑은 고딕 Semilight" panose="020B0502040204020203" pitchFamily="50" charset="-127"/>
+            </a:endParaRPr>
+          </a:p>
+          <a:p>
+            <a:pPr marL="449263" lvl="1" indent="-182563">
+              <a:lnSpc>
+                <a:spcPct val="150000"/>
+              </a:lnSpc>
+              <a:buFontTx/>
+              <a:buChar char="-"/>
+              <a:tabLst>
+                <a:tab pos="182563" algn="l"/>
+                <a:tab pos="449263" algn="l"/>
+              </a:tabLst>
+            </a:pPr>
+            <a:r>
+              <a:rPr lang="ko-KR" altLang="en-US" sz="1400">
+                <a:ln>
+                  <a:solidFill>
+                    <a:schemeClr val="tx1">
+                      <a:alpha val="29000"/>
+                    </a:schemeClr>
+                  </a:solidFill>
+                </a:ln>
+                <a:latin typeface="+mn-ea"/>
+                <a:cs typeface="맑은 고딕 Semilight" panose="020B0502040204020203" pitchFamily="50" charset="-127"/>
+              </a:rPr>
+              <a:t>따라서 </a:t>
+            </a:r>
+            <a:r>
+              <a:rPr lang="en-US" altLang="ko-KR" sz="1400">
+                <a:ln>
+                  <a:solidFill>
+                    <a:schemeClr val="tx1">
+                      <a:alpha val="29000"/>
+                    </a:schemeClr>
+                  </a:solidFill>
+                </a:ln>
+                <a:latin typeface="+mn-ea"/>
+                <a:cs typeface="맑은 고딕 Semilight" panose="020B0502040204020203" pitchFamily="50" charset="-127"/>
+              </a:rPr>
+              <a:t>document.write() </a:t>
+            </a:r>
+            <a:r>
+              <a:rPr lang="ko-KR" altLang="en-US" sz="1400">
+                <a:ln>
+                  <a:solidFill>
+                    <a:schemeClr val="tx1">
+                      <a:alpha val="29000"/>
+                    </a:schemeClr>
+                  </a:solidFill>
+                </a:ln>
+                <a:latin typeface="+mn-ea"/>
+                <a:cs typeface="맑은 고딕 Semilight" panose="020B0502040204020203" pitchFamily="50" charset="-127"/>
+              </a:rPr>
+              <a:t>메소드를 테스트 이외의 용도로 </a:t>
+            </a:r>
+            <a:r>
+              <a:rPr lang="ko-KR" altLang="en-US" sz="1400">
+                <a:ln>
+                  <a:solidFill>
+                    <a:schemeClr val="tx1">
+                      <a:alpha val="29000"/>
+                    </a:schemeClr>
+                  </a:solidFill>
+                </a:ln>
+                <a:latin typeface="+mn-ea"/>
+                <a:cs typeface="맑은 고딕 Semilight" panose="020B0502040204020203" pitchFamily="50" charset="-127"/>
+              </a:rPr>
+              <a:t>사용할 </a:t>
+            </a:r>
+            <a:r>
+              <a:rPr lang="ko-KR" altLang="en-US" sz="1400" smtClean="0">
+                <a:ln>
+                  <a:solidFill>
+                    <a:schemeClr val="tx1">
+                      <a:alpha val="29000"/>
+                    </a:schemeClr>
+                  </a:solidFill>
+                </a:ln>
+                <a:latin typeface="+mn-ea"/>
+                <a:cs typeface="맑은 고딕 Semilight" panose="020B0502040204020203" pitchFamily="50" charset="-127"/>
+              </a:rPr>
+              <a:t>때에는</a:t>
+            </a:r>
+            <a:r>
+              <a:rPr lang="en-US" altLang="ko-KR" sz="1400" smtClean="0">
+                <a:ln>
+                  <a:solidFill>
+                    <a:schemeClr val="tx1">
+                      <a:alpha val="29000"/>
+                    </a:schemeClr>
+                  </a:solidFill>
+                </a:ln>
+                <a:latin typeface="+mn-ea"/>
+                <a:cs typeface="맑은 고딕 Semilight" panose="020B0502040204020203" pitchFamily="50" charset="-127"/>
+              </a:rPr>
+              <a:t/>
+            </a:r>
+            <a:br>
+              <a:rPr lang="en-US" altLang="ko-KR" sz="1400" smtClean="0">
+                <a:ln>
+                  <a:solidFill>
+                    <a:schemeClr val="tx1">
+                      <a:alpha val="29000"/>
+                    </a:schemeClr>
+                  </a:solidFill>
+                </a:ln>
+                <a:latin typeface="+mn-ea"/>
+                <a:cs typeface="맑은 고딕 Semilight" panose="020B0502040204020203" pitchFamily="50" charset="-127"/>
+              </a:rPr>
+            </a:br>
+            <a:r>
+              <a:rPr lang="ko-KR" altLang="en-US" sz="1400" smtClean="0">
+                <a:ln>
+                  <a:solidFill>
+                    <a:schemeClr val="tx1">
+                      <a:alpha val="29000"/>
+                    </a:schemeClr>
+                  </a:solidFill>
+                </a:ln>
+                <a:latin typeface="+mn-ea"/>
+                <a:cs typeface="맑은 고딕 Semilight" panose="020B0502040204020203" pitchFamily="50" charset="-127"/>
+              </a:rPr>
+              <a:t> </a:t>
+            </a:r>
+            <a:r>
+              <a:rPr lang="ko-KR" altLang="en-US" sz="1400">
+                <a:ln>
+                  <a:solidFill>
+                    <a:schemeClr val="tx1">
+                      <a:alpha val="29000"/>
+                    </a:schemeClr>
+                  </a:solidFill>
+                </a:ln>
+                <a:latin typeface="+mn-ea"/>
+                <a:cs typeface="맑은 고딕 Semilight" panose="020B0502040204020203" pitchFamily="50" charset="-127"/>
+              </a:rPr>
+              <a:t>충분히 </a:t>
+            </a:r>
+            <a:r>
+              <a:rPr lang="ko-KR" altLang="en-US" sz="1400">
+                <a:ln>
+                  <a:solidFill>
+                    <a:schemeClr val="tx1">
+                      <a:alpha val="29000"/>
+                    </a:schemeClr>
+                  </a:solidFill>
+                </a:ln>
+                <a:latin typeface="+mn-ea"/>
+                <a:cs typeface="맑은 고딕 Semilight" panose="020B0502040204020203" pitchFamily="50" charset="-127"/>
+              </a:rPr>
+              <a:t>주의해서 </a:t>
+            </a:r>
+            <a:r>
+              <a:rPr lang="ko-KR" altLang="en-US" sz="1400" smtClean="0">
+                <a:ln>
+                  <a:solidFill>
+                    <a:schemeClr val="tx1">
+                      <a:alpha val="29000"/>
+                    </a:schemeClr>
+                  </a:solidFill>
+                </a:ln>
+                <a:latin typeface="+mn-ea"/>
+                <a:cs typeface="맑은 고딕 Semilight" panose="020B0502040204020203" pitchFamily="50" charset="-127"/>
+              </a:rPr>
+              <a:t>사용</a:t>
+            </a:r>
+            <a:endParaRPr lang="en-US" altLang="ko-KR" sz="1400">
+              <a:ln>
+                <a:solidFill>
+                  <a:schemeClr val="tx1">
+                    <a:alpha val="29000"/>
+                  </a:schemeClr>
+                </a:solidFill>
+              </a:ln>
+              <a:latin typeface="+mn-ea"/>
+              <a:cs typeface="맑은 고딕 Semilight" panose="020B0502040204020203" pitchFamily="50" charset="-127"/>
+            </a:endParaRPr>
+          </a:p>
+        </p:txBody>
+      </p:sp>
+      <p:pic>
+        <p:nvPicPr>
+          <p:cNvPr id="2" name="그림 1"/>
+          <p:cNvPicPr>
+            <a:picLocks noChangeAspect="1"/>
+          </p:cNvPicPr>
+          <p:nvPr/>
+        </p:nvPicPr>
+        <p:blipFill>
+          <a:blip r:embed="rId3"/>
+          <a:stretch>
+            <a:fillRect/>
+          </a:stretch>
+        </p:blipFill>
+        <p:spPr>
+          <a:xfrm>
+            <a:off x="2060575" y="3791880"/>
+            <a:ext cx="6038850" cy="1104900"/>
+          </a:xfrm>
+          <a:prstGeom prst="rect">
+            <a:avLst/>
+          </a:prstGeom>
+        </p:spPr>
+      </p:pic>
+    </p:spTree>
+    <p:extLst>
+      <p:ext uri="{BB962C8B-B14F-4D97-AF65-F5344CB8AC3E}">
+        <p14:creationId xmlns:p14="http://schemas.microsoft.com/office/powerpoint/2010/main" val="2739739492"/>
       </p:ext>
     </p:extLst>
   </p:cSld>
